--- a/PPI_BBC_article.pptx
+++ b/PPI_BBC_article.pptx
@@ -113,6 +113,11 @@
       </a:defRPr>
     </a:lvl9pPr>
   </p:defaultTextStyle>
+  <p:extLst>
+    <p:ext uri="{EFAFB233-063F-42B5-8137-9DF3F51BA10A}">
+      <p15:sldGuideLst xmlns:p15="http://schemas.microsoft.com/office/powerpoint/2012/main"/>
+    </p:ext>
+  </p:extLst>
 </p:presentation>
 </file>
 
@@ -263,7 +268,7 @@
           <a:p>
             <a:fld id="{D571CC00-9F0D-4082-A63A-DB4E8F38CABF}" type="datetimeFigureOut">
               <a:rPr lang="it-IT" smtClean="0"/>
-              <a:t>21/04/2018</a:t>
+              <a:t>22/04/18</a:t>
             </a:fld>
             <a:endParaRPr lang="it-IT"/>
           </a:p>
@@ -461,7 +466,7 @@
           <a:p>
             <a:fld id="{D571CC00-9F0D-4082-A63A-DB4E8F38CABF}" type="datetimeFigureOut">
               <a:rPr lang="it-IT" smtClean="0"/>
-              <a:t>21/04/2018</a:t>
+              <a:t>22/04/18</a:t>
             </a:fld>
             <a:endParaRPr lang="it-IT"/>
           </a:p>
@@ -669,7 +674,7 @@
           <a:p>
             <a:fld id="{D571CC00-9F0D-4082-A63A-DB4E8F38CABF}" type="datetimeFigureOut">
               <a:rPr lang="it-IT" smtClean="0"/>
-              <a:t>21/04/2018</a:t>
+              <a:t>22/04/18</a:t>
             </a:fld>
             <a:endParaRPr lang="it-IT"/>
           </a:p>
@@ -867,7 +872,7 @@
           <a:p>
             <a:fld id="{D571CC00-9F0D-4082-A63A-DB4E8F38CABF}" type="datetimeFigureOut">
               <a:rPr lang="it-IT" smtClean="0"/>
-              <a:t>21/04/2018</a:t>
+              <a:t>22/04/18</a:t>
             </a:fld>
             <a:endParaRPr lang="it-IT"/>
           </a:p>
@@ -1142,7 +1147,7 @@
           <a:p>
             <a:fld id="{D571CC00-9F0D-4082-A63A-DB4E8F38CABF}" type="datetimeFigureOut">
               <a:rPr lang="it-IT" smtClean="0"/>
-              <a:t>21/04/2018</a:t>
+              <a:t>22/04/18</a:t>
             </a:fld>
             <a:endParaRPr lang="it-IT"/>
           </a:p>
@@ -1407,7 +1412,7 @@
           <a:p>
             <a:fld id="{D571CC00-9F0D-4082-A63A-DB4E8F38CABF}" type="datetimeFigureOut">
               <a:rPr lang="it-IT" smtClean="0"/>
-              <a:t>21/04/2018</a:t>
+              <a:t>22/04/18</a:t>
             </a:fld>
             <a:endParaRPr lang="it-IT"/>
           </a:p>
@@ -1819,7 +1824,7 @@
           <a:p>
             <a:fld id="{D571CC00-9F0D-4082-A63A-DB4E8F38CABF}" type="datetimeFigureOut">
               <a:rPr lang="it-IT" smtClean="0"/>
-              <a:t>21/04/2018</a:t>
+              <a:t>22/04/18</a:t>
             </a:fld>
             <a:endParaRPr lang="it-IT"/>
           </a:p>
@@ -1960,7 +1965,7 @@
           <a:p>
             <a:fld id="{D571CC00-9F0D-4082-A63A-DB4E8F38CABF}" type="datetimeFigureOut">
               <a:rPr lang="it-IT" smtClean="0"/>
-              <a:t>21/04/2018</a:t>
+              <a:t>22/04/18</a:t>
             </a:fld>
             <a:endParaRPr lang="it-IT"/>
           </a:p>
@@ -2073,7 +2078,7 @@
           <a:p>
             <a:fld id="{D571CC00-9F0D-4082-A63A-DB4E8F38CABF}" type="datetimeFigureOut">
               <a:rPr lang="it-IT" smtClean="0"/>
-              <a:t>21/04/2018</a:t>
+              <a:t>22/04/18</a:t>
             </a:fld>
             <a:endParaRPr lang="it-IT"/>
           </a:p>
@@ -2384,7 +2389,7 @@
           <a:p>
             <a:fld id="{D571CC00-9F0D-4082-A63A-DB4E8F38CABF}" type="datetimeFigureOut">
               <a:rPr lang="it-IT" smtClean="0"/>
-              <a:t>21/04/2018</a:t>
+              <a:t>22/04/18</a:t>
             </a:fld>
             <a:endParaRPr lang="it-IT"/>
           </a:p>
@@ -2672,7 +2677,7 @@
           <a:p>
             <a:fld id="{D571CC00-9F0D-4082-A63A-DB4E8F38CABF}" type="datetimeFigureOut">
               <a:rPr lang="it-IT" smtClean="0"/>
-              <a:t>21/04/2018</a:t>
+              <a:t>22/04/18</a:t>
             </a:fld>
             <a:endParaRPr lang="it-IT"/>
           </a:p>
@@ -2913,7 +2918,7 @@
           <a:p>
             <a:fld id="{D571CC00-9F0D-4082-A63A-DB4E8F38CABF}" type="datetimeFigureOut">
               <a:rPr lang="it-IT" smtClean="0"/>
-              <a:t>21/04/2018</a:t>
+              <a:t>22/04/18</a:t>
             </a:fld>
             <a:endParaRPr lang="it-IT"/>
           </a:p>
@@ -3566,7 +3571,7 @@
           <p:nvPr>
             <p:extLst>
               <p:ext uri="{D42A27DB-BD31-4B8C-83A1-F6EECF244321}">
-                <p14:modId xmlns:p14="http://schemas.microsoft.com/office/powerpoint/2010/main" val="378129824"/>
+                <p14:modId xmlns:p14="http://schemas.microsoft.com/office/powerpoint/2010/main" val="4039936685"/>
               </p:ext>
             </p:extLst>
           </p:nvPr>
@@ -3675,7 +3680,7 @@
                     <a:p>
                       <a:r>
                         <a:rPr lang="it-IT" dirty="0"/>
-                        <a:t>0.649</a:t>
+                        <a:t>0.642</a:t>
                       </a:r>
                     </a:p>
                   </a:txBody>
@@ -3849,7 +3854,7 @@
           <p:nvPr>
             <p:extLst>
               <p:ext uri="{D42A27DB-BD31-4B8C-83A1-F6EECF244321}">
-                <p14:modId xmlns:p14="http://schemas.microsoft.com/office/powerpoint/2010/main" val="3248449745"/>
+                <p14:modId xmlns:p14="http://schemas.microsoft.com/office/powerpoint/2010/main" val="866287681"/>
               </p:ext>
             </p:extLst>
           </p:nvPr>
@@ -3958,7 +3963,7 @@
                     <a:p>
                       <a:r>
                         <a:rPr lang="it-IT" dirty="0"/>
-                        <a:t>0.743</a:t>
+                        <a:t>0.512</a:t>
                       </a:r>
                     </a:p>
                   </a:txBody>
@@ -3971,7 +3976,7 @@
                     <a:p>
                       <a:r>
                         <a:rPr lang="it-IT" dirty="0"/>
-                        <a:t>0.648</a:t>
+                        <a:t>0.286</a:t>
                       </a:r>
                     </a:p>
                   </a:txBody>
@@ -3984,7 +3989,7 @@
                     <a:p>
                       <a:r>
                         <a:rPr lang="it-IT" dirty="0"/>
-                        <a:t>0.236</a:t>
+                        <a:t>0.773</a:t>
                       </a:r>
                     </a:p>
                   </a:txBody>
@@ -3997,7 +4002,7 @@
                     <a:p>
                       <a:r>
                         <a:rPr lang="it-IT" dirty="0"/>
-                        <a:t>0.835</a:t>
+                        <a:t>0.637</a:t>
                       </a:r>
                     </a:p>
                   </a:txBody>
@@ -4010,7 +4015,7 @@
                     <a:p>
                       <a:r>
                         <a:rPr lang="it-IT" dirty="0"/>
-                        <a:t>0.850</a:t>
+                        <a:t>0.662</a:t>
                       </a:r>
                     </a:p>
                   </a:txBody>
@@ -4023,7 +4028,7 @@
                     <a:p>
                       <a:r>
                         <a:rPr lang="it-IT" dirty="0"/>
-                        <a:t>0.861</a:t>
+                        <a:t>0.704</a:t>
                       </a:r>
                     </a:p>
                   </a:txBody>
@@ -4036,7 +4041,7 @@
                     <a:p>
                       <a:r>
                         <a:rPr lang="it-IT" dirty="0"/>
-                        <a:t>0.839</a:t>
+                        <a:t>0.984</a:t>
                       </a:r>
                     </a:p>
                   </a:txBody>
@@ -4049,7 +4054,7 @@
                     <a:p>
                       <a:r>
                         <a:rPr lang="it-IT" dirty="0"/>
-                        <a:t>0.638</a:t>
+                        <a:t>0.394</a:t>
                       </a:r>
                     </a:p>
                   </a:txBody>
@@ -4062,7 +4067,7 @@
                     <a:p>
                       <a:r>
                         <a:rPr lang="it-IT" dirty="0"/>
-                        <a:t>0.965</a:t>
+                        <a:t>0.845</a:t>
                       </a:r>
                     </a:p>
                   </a:txBody>
@@ -4075,7 +4080,7 @@
                     <a:p>
                       <a:r>
                         <a:rPr lang="it-IT" dirty="0"/>
-                        <a:t>0.713</a:t>
+                        <a:t>0.659</a:t>
                       </a:r>
                     </a:p>
                   </a:txBody>
@@ -4088,7 +4093,7 @@
                     <a:p>
                       <a:r>
                         <a:rPr lang="it-IT" dirty="0"/>
-                        <a:t>0.930</a:t>
+                        <a:t>0.700</a:t>
                       </a:r>
                     </a:p>
                   </a:txBody>
@@ -4101,7 +4106,7 @@
                     <a:p>
                       <a:r>
                         <a:rPr lang="it-IT" dirty="0"/>
-                        <a:t>0.441</a:t>
+                        <a:t>0.565</a:t>
                       </a:r>
                     </a:p>
                   </a:txBody>
@@ -6125,8 +6130,8 @@
           </a:p>
         </p:txBody>
       </p:sp>
-      <mc:AlternateContent xmlns:mc="http://schemas.openxmlformats.org/markup-compatibility/2006">
-        <mc:Choice xmlns:a14="http://schemas.microsoft.com/office/drawing/2010/main" Requires="a14">
+      <mc:AlternateContent xmlns:mc="http://schemas.openxmlformats.org/markup-compatibility/2006" xmlns:a14="http://schemas.microsoft.com/office/drawing/2010/main">
+        <mc:Choice Requires="a14">
           <p:sp>
             <p:nvSpPr>
               <p:cNvPr id="3" name="Segnaposto contenuto 2">
@@ -6199,40 +6204,56 @@
                     </m:oMathParaPr>
                     <m:oMath xmlns:m="http://schemas.openxmlformats.org/officeDocument/2006/math">
                       <m:r>
-                        <a:rPr lang="it-IT" i="1"/>
+                        <a:rPr lang="it-IT" i="1">
+                          <a:latin typeface="Cambria Math" panose="02040503050406030204" pitchFamily="18" charset="0"/>
+                        </a:rPr>
                         <m:t>𝑁𝐺𝐷</m:t>
                       </m:r>
                       <m:r>
-                        <a:rPr lang="it-IT" i="1"/>
+                        <a:rPr lang="it-IT" i="1">
+                          <a:latin typeface="Cambria Math" panose="02040503050406030204" pitchFamily="18" charset="0"/>
+                        </a:rPr>
                         <m:t>(</m:t>
                       </m:r>
                       <m:r>
-                        <a:rPr lang="it-IT" i="1"/>
+                        <a:rPr lang="it-IT" i="1">
+                          <a:latin typeface="Cambria Math" panose="02040503050406030204" pitchFamily="18" charset="0"/>
+                        </a:rPr>
                         <m:t>𝑥</m:t>
                       </m:r>
                       <m:r>
-                        <a:rPr lang="it-IT" i="1"/>
+                        <a:rPr lang="it-IT" i="1">
+                          <a:latin typeface="Cambria Math" panose="02040503050406030204" pitchFamily="18" charset="0"/>
+                        </a:rPr>
                         <m:t>,</m:t>
                       </m:r>
                       <m:r>
-                        <a:rPr lang="it-IT" i="1"/>
+                        <a:rPr lang="it-IT" i="1">
+                          <a:latin typeface="Cambria Math" panose="02040503050406030204" pitchFamily="18" charset="0"/>
+                        </a:rPr>
                         <m:t>𝑦</m:t>
                       </m:r>
                       <m:r>
-                        <a:rPr lang="it-IT" i="1"/>
+                        <a:rPr lang="it-IT" i="1">
+                          <a:latin typeface="Cambria Math" panose="02040503050406030204" pitchFamily="18" charset="0"/>
+                        </a:rPr>
                         <m:t>)=</m:t>
                       </m:r>
                       <m:f>
                         <m:fPr>
                           <m:ctrlPr>
-                            <a:rPr lang="it-IT" i="1"/>
+                            <a:rPr lang="it-IT" i="1">
+                              <a:latin typeface="Cambria Math" panose="02040503050406030204" pitchFamily="18" charset="0"/>
+                            </a:rPr>
                           </m:ctrlPr>
                         </m:fPr>
                         <m:num>
                           <m:func>
                             <m:funcPr>
                               <m:ctrlPr>
-                                <a:rPr lang="it-IT" i="1"/>
+                                <a:rPr lang="it-IT" i="1">
+                                  <a:latin typeface="Cambria Math" panose="02040503050406030204" pitchFamily="18" charset="0"/>
+                                </a:rPr>
                               </m:ctrlPr>
                             </m:funcPr>
                             <m:fName>
@@ -6240,7 +6261,9 @@
                                 <m:rPr>
                                   <m:sty m:val="p"/>
                                 </m:rPr>
-                                <a:rPr lang="it-IT"/>
+                                <a:rPr lang="it-IT">
+                                  <a:latin typeface="Cambria Math" panose="02040503050406030204" pitchFamily="18" charset="0"/>
+                                </a:rPr>
                                 <m:t>max</m:t>
                               </m:r>
                             </m:fName>
@@ -6250,14 +6273,18 @@
                                   <m:begChr m:val="{"/>
                                   <m:endChr m:val="}"/>
                                   <m:ctrlPr>
-                                    <a:rPr lang="it-IT" i="1"/>
+                                    <a:rPr lang="it-IT" i="1">
+                                      <a:latin typeface="Cambria Math" panose="02040503050406030204" pitchFamily="18" charset="0"/>
+                                    </a:rPr>
                                   </m:ctrlPr>
                                 </m:dPr>
                                 <m:e>
                                   <m:func>
                                     <m:funcPr>
                                       <m:ctrlPr>
-                                        <a:rPr lang="it-IT" i="1"/>
+                                        <a:rPr lang="it-IT" i="1">
+                                          <a:latin typeface="Cambria Math" panose="02040503050406030204" pitchFamily="18" charset="0"/>
+                                        </a:rPr>
                                       </m:ctrlPr>
                                     </m:funcPr>
                                     <m:fName>
@@ -6265,24 +6292,32 @@
                                         <m:rPr>
                                           <m:sty m:val="p"/>
                                         </m:rPr>
-                                        <a:rPr lang="it-IT"/>
+                                        <a:rPr lang="it-IT">
+                                          <a:latin typeface="Cambria Math" panose="02040503050406030204" pitchFamily="18" charset="0"/>
+                                        </a:rPr>
                                         <m:t>log</m:t>
                                       </m:r>
                                     </m:fName>
                                     <m:e>
                                       <m:r>
-                                        <a:rPr lang="it-IT" i="1"/>
+                                        <a:rPr lang="it-IT" i="1">
+                                          <a:latin typeface="Cambria Math" panose="02040503050406030204" pitchFamily="18" charset="0"/>
+                                        </a:rPr>
                                         <m:t>𝑓</m:t>
                                       </m:r>
                                       <m:d>
                                         <m:dPr>
                                           <m:ctrlPr>
-                                            <a:rPr lang="it-IT" i="1"/>
+                                            <a:rPr lang="it-IT" i="1">
+                                              <a:latin typeface="Cambria Math" panose="02040503050406030204" pitchFamily="18" charset="0"/>
+                                            </a:rPr>
                                           </m:ctrlPr>
                                         </m:dPr>
                                         <m:e>
                                           <m:r>
-                                            <a:rPr lang="it-IT" i="1"/>
+                                            <a:rPr lang="it-IT" i="1">
+                                              <a:latin typeface="Cambria Math" panose="02040503050406030204" pitchFamily="18" charset="0"/>
+                                            </a:rPr>
                                             <m:t>𝑥</m:t>
                                           </m:r>
                                         </m:e>
@@ -6290,22 +6325,30 @@
                                     </m:e>
                                   </m:func>
                                   <m:r>
-                                    <a:rPr lang="it-IT" i="1"/>
+                                    <a:rPr lang="it-IT" i="1">
+                                      <a:latin typeface="Cambria Math" panose="02040503050406030204" pitchFamily="18" charset="0"/>
+                                    </a:rPr>
                                     <m:t>, </m:t>
                                   </m:r>
                                   <m:r>
-                                    <a:rPr lang="it-IT" i="1"/>
+                                    <a:rPr lang="it-IT" i="1">
+                                      <a:latin typeface="Cambria Math" panose="02040503050406030204" pitchFamily="18" charset="0"/>
+                                    </a:rPr>
                                     <m:t>𝑙𝑜𝑔𝑓</m:t>
                                   </m:r>
                                   <m:d>
                                     <m:dPr>
                                       <m:ctrlPr>
-                                        <a:rPr lang="it-IT" i="1"/>
+                                        <a:rPr lang="it-IT" i="1">
+                                          <a:latin typeface="Cambria Math" panose="02040503050406030204" pitchFamily="18" charset="0"/>
+                                        </a:rPr>
                                       </m:ctrlPr>
                                     </m:dPr>
                                     <m:e>
                                       <m:r>
-                                        <a:rPr lang="it-IT" i="1"/>
+                                        <a:rPr lang="it-IT" i="1">
+                                          <a:latin typeface="Cambria Math" panose="02040503050406030204" pitchFamily="18" charset="0"/>
+                                        </a:rPr>
                                         <m:t>𝑦</m:t>
                                       </m:r>
                                     </m:e>
@@ -6315,79 +6358,111 @@
                             </m:e>
                           </m:func>
                           <m:r>
-                            <a:rPr lang="it-IT" i="1"/>
+                            <a:rPr lang="it-IT" i="1">
+                              <a:latin typeface="Cambria Math" panose="02040503050406030204" pitchFamily="18" charset="0"/>
+                            </a:rPr>
                             <m:t>−</m:t>
                           </m:r>
                           <m:r>
-                            <a:rPr lang="it-IT" i="1"/>
+                            <a:rPr lang="it-IT" i="1">
+                              <a:latin typeface="Cambria Math" panose="02040503050406030204" pitchFamily="18" charset="0"/>
+                            </a:rPr>
                             <m:t>𝑙𝑜𝑔𝑓</m:t>
                           </m:r>
                           <m:r>
-                            <a:rPr lang="it-IT" i="1"/>
+                            <a:rPr lang="it-IT" i="1">
+                              <a:latin typeface="Cambria Math" panose="02040503050406030204" pitchFamily="18" charset="0"/>
+                            </a:rPr>
                             <m:t>(</m:t>
                           </m:r>
                           <m:r>
-                            <a:rPr lang="it-IT" i="1"/>
+                            <a:rPr lang="it-IT" i="1">
+                              <a:latin typeface="Cambria Math" panose="02040503050406030204" pitchFamily="18" charset="0"/>
+                            </a:rPr>
                             <m:t>𝑥</m:t>
                           </m:r>
                           <m:r>
-                            <a:rPr lang="it-IT" i="1"/>
+                            <a:rPr lang="it-IT" i="1">
+                              <a:latin typeface="Cambria Math" panose="02040503050406030204" pitchFamily="18" charset="0"/>
+                            </a:rPr>
                             <m:t>,</m:t>
                           </m:r>
                           <m:r>
-                            <a:rPr lang="it-IT" i="1"/>
+                            <a:rPr lang="it-IT" i="1">
+                              <a:latin typeface="Cambria Math" panose="02040503050406030204" pitchFamily="18" charset="0"/>
+                            </a:rPr>
                             <m:t>𝑦</m:t>
                           </m:r>
                           <m:r>
-                            <a:rPr lang="it-IT" i="1"/>
+                            <a:rPr lang="it-IT" i="1">
+                              <a:latin typeface="Cambria Math" panose="02040503050406030204" pitchFamily="18" charset="0"/>
+                            </a:rPr>
                             <m:t>)</m:t>
                           </m:r>
                         </m:num>
                         <m:den>
                           <m:r>
-                            <a:rPr lang="it-IT" i="1"/>
+                            <a:rPr lang="it-IT" i="1">
+                              <a:latin typeface="Cambria Math" panose="02040503050406030204" pitchFamily="18" charset="0"/>
+                            </a:rPr>
                             <m:t>𝑙𝑜𝑔𝑁</m:t>
                           </m:r>
                           <m:r>
-                            <a:rPr lang="it-IT" i="1"/>
+                            <a:rPr lang="it-IT" i="1">
+                              <a:latin typeface="Cambria Math" panose="02040503050406030204" pitchFamily="18" charset="0"/>
+                            </a:rPr>
                             <m:t>−</m:t>
                           </m:r>
                           <m:r>
                             <m:rPr>
                               <m:sty m:val="p"/>
                             </m:rPr>
-                            <a:rPr lang="it-IT"/>
+                            <a:rPr lang="it-IT">
+                              <a:latin typeface="Cambria Math" panose="02040503050406030204" pitchFamily="18" charset="0"/>
+                            </a:rPr>
                             <m:t>min</m:t>
                           </m:r>
                           <m:r>
-                            <a:rPr lang="it-IT" i="1"/>
+                            <a:rPr lang="it-IT" i="1">
+                              <a:latin typeface="Cambria Math" panose="02040503050406030204" pitchFamily="18" charset="0"/>
+                            </a:rPr>
                             <m:t>{</m:t>
                           </m:r>
                           <m:r>
-                            <a:rPr lang="it-IT" i="1"/>
+                            <a:rPr lang="it-IT" i="1">
+                              <a:latin typeface="Cambria Math" panose="02040503050406030204" pitchFamily="18" charset="0"/>
+                            </a:rPr>
                             <m:t>𝑙𝑜𝑔𝑓</m:t>
                           </m:r>
                           <m:d>
                             <m:dPr>
                               <m:ctrlPr>
-                                <a:rPr lang="it-IT" i="1"/>
+                                <a:rPr lang="it-IT" i="1">
+                                  <a:latin typeface="Cambria Math" panose="02040503050406030204" pitchFamily="18" charset="0"/>
+                                </a:rPr>
                               </m:ctrlPr>
                             </m:dPr>
                             <m:e>
                               <m:r>
-                                <a:rPr lang="it-IT" i="1"/>
+                                <a:rPr lang="it-IT" i="1">
+                                  <a:latin typeface="Cambria Math" panose="02040503050406030204" pitchFamily="18" charset="0"/>
+                                </a:rPr>
                                 <m:t>𝑥</m:t>
                               </m:r>
                             </m:e>
                           </m:d>
                           <m:r>
-                            <a:rPr lang="it-IT" i="1"/>
+                            <a:rPr lang="it-IT" i="1">
+                              <a:latin typeface="Cambria Math" panose="02040503050406030204" pitchFamily="18" charset="0"/>
+                            </a:rPr>
                             <m:t>,</m:t>
                           </m:r>
                           <m:func>
                             <m:funcPr>
                               <m:ctrlPr>
-                                <a:rPr lang="it-IT" i="1"/>
+                                <a:rPr lang="it-IT" i="1">
+                                  <a:latin typeface="Cambria Math" panose="02040503050406030204" pitchFamily="18" charset="0"/>
+                                </a:rPr>
                               </m:ctrlPr>
                             </m:funcPr>
                             <m:fName>
@@ -6395,24 +6470,32 @@
                                 <m:rPr>
                                   <m:sty m:val="p"/>
                                 </m:rPr>
-                                <a:rPr lang="it-IT"/>
+                                <a:rPr lang="it-IT">
+                                  <a:latin typeface="Cambria Math" panose="02040503050406030204" pitchFamily="18" charset="0"/>
+                                </a:rPr>
                                 <m:t>log</m:t>
                               </m:r>
                             </m:fName>
                             <m:e>
                               <m:r>
-                                <a:rPr lang="it-IT" i="1"/>
+                                <a:rPr lang="it-IT" i="1">
+                                  <a:latin typeface="Cambria Math" panose="02040503050406030204" pitchFamily="18" charset="0"/>
+                                </a:rPr>
                                 <m:t>𝑓</m:t>
                               </m:r>
                               <m:d>
                                 <m:dPr>
                                   <m:ctrlPr>
-                                    <a:rPr lang="it-IT" i="1"/>
+                                    <a:rPr lang="it-IT" i="1">
+                                      <a:latin typeface="Cambria Math" panose="02040503050406030204" pitchFamily="18" charset="0"/>
+                                    </a:rPr>
                                   </m:ctrlPr>
                                 </m:dPr>
                                 <m:e>
                                   <m:r>
-                                    <a:rPr lang="it-IT" i="1"/>
+                                    <a:rPr lang="it-IT" i="1">
+                                      <a:latin typeface="Cambria Math" panose="02040503050406030204" pitchFamily="18" charset="0"/>
+                                    </a:rPr>
                                     <m:t>𝑦</m:t>
                                   </m:r>
                                 </m:e>
@@ -6420,7 +6503,9 @@
                             </m:e>
                           </m:func>
                           <m:r>
-                            <a:rPr lang="it-IT" i="1"/>
+                            <a:rPr lang="it-IT" i="1">
+                              <a:latin typeface="Cambria Math" panose="02040503050406030204" pitchFamily="18" charset="0"/>
+                            </a:rPr>
                             <m:t>}</m:t>
                           </m:r>
                         </m:den>
@@ -6485,7 +6570,7 @@
             </p:txBody>
           </p:sp>
         </mc:Choice>
-        <mc:Fallback>
+        <mc:Fallback xmlns="">
           <p:sp>
             <p:nvSpPr>
               <p:cNvPr id="3" name="Segnaposto contenuto 2">

--- a/PPI_BBC_article.pptx
+++ b/PPI_BBC_article.pptx
@@ -10,11 +10,13 @@
     <p:sldId id="260" r:id="rId4"/>
     <p:sldId id="259" r:id="rId5"/>
     <p:sldId id="262" r:id="rId6"/>
-    <p:sldId id="263" r:id="rId7"/>
-    <p:sldId id="264" r:id="rId8"/>
-    <p:sldId id="265" r:id="rId9"/>
-    <p:sldId id="266" r:id="rId10"/>
-    <p:sldId id="267" r:id="rId11"/>
+    <p:sldId id="268" r:id="rId7"/>
+    <p:sldId id="269" r:id="rId8"/>
+    <p:sldId id="263" r:id="rId9"/>
+    <p:sldId id="264" r:id="rId10"/>
+    <p:sldId id="266" r:id="rId11"/>
+    <p:sldId id="270" r:id="rId12"/>
+    <p:sldId id="271" r:id="rId13"/>
   </p:sldIdLst>
   <p:sldSz cx="12192000" cy="6858000"/>
   <p:notesSz cx="6858000" cy="9144000"/>
@@ -268,7 +270,7 @@
           <a:p>
             <a:fld id="{D571CC00-9F0D-4082-A63A-DB4E8F38CABF}" type="datetimeFigureOut">
               <a:rPr lang="it-IT" smtClean="0"/>
-              <a:t>22/04/18</a:t>
+              <a:t>22/04/2018</a:t>
             </a:fld>
             <a:endParaRPr lang="it-IT"/>
           </a:p>
@@ -466,7 +468,7 @@
           <a:p>
             <a:fld id="{D571CC00-9F0D-4082-A63A-DB4E8F38CABF}" type="datetimeFigureOut">
               <a:rPr lang="it-IT" smtClean="0"/>
-              <a:t>22/04/18</a:t>
+              <a:t>22/04/2018</a:t>
             </a:fld>
             <a:endParaRPr lang="it-IT"/>
           </a:p>
@@ -674,7 +676,7 @@
           <a:p>
             <a:fld id="{D571CC00-9F0D-4082-A63A-DB4E8F38CABF}" type="datetimeFigureOut">
               <a:rPr lang="it-IT" smtClean="0"/>
-              <a:t>22/04/18</a:t>
+              <a:t>22/04/2018</a:t>
             </a:fld>
             <a:endParaRPr lang="it-IT"/>
           </a:p>
@@ -872,7 +874,7 @@
           <a:p>
             <a:fld id="{D571CC00-9F0D-4082-A63A-DB4E8F38CABF}" type="datetimeFigureOut">
               <a:rPr lang="it-IT" smtClean="0"/>
-              <a:t>22/04/18</a:t>
+              <a:t>22/04/2018</a:t>
             </a:fld>
             <a:endParaRPr lang="it-IT"/>
           </a:p>
@@ -1147,7 +1149,7 @@
           <a:p>
             <a:fld id="{D571CC00-9F0D-4082-A63A-DB4E8F38CABF}" type="datetimeFigureOut">
               <a:rPr lang="it-IT" smtClean="0"/>
-              <a:t>22/04/18</a:t>
+              <a:t>22/04/2018</a:t>
             </a:fld>
             <a:endParaRPr lang="it-IT"/>
           </a:p>
@@ -1412,7 +1414,7 @@
           <a:p>
             <a:fld id="{D571CC00-9F0D-4082-A63A-DB4E8F38CABF}" type="datetimeFigureOut">
               <a:rPr lang="it-IT" smtClean="0"/>
-              <a:t>22/04/18</a:t>
+              <a:t>22/04/2018</a:t>
             </a:fld>
             <a:endParaRPr lang="it-IT"/>
           </a:p>
@@ -1824,7 +1826,7 @@
           <a:p>
             <a:fld id="{D571CC00-9F0D-4082-A63A-DB4E8F38CABF}" type="datetimeFigureOut">
               <a:rPr lang="it-IT" smtClean="0"/>
-              <a:t>22/04/18</a:t>
+              <a:t>22/04/2018</a:t>
             </a:fld>
             <a:endParaRPr lang="it-IT"/>
           </a:p>
@@ -1965,7 +1967,7 @@
           <a:p>
             <a:fld id="{D571CC00-9F0D-4082-A63A-DB4E8F38CABF}" type="datetimeFigureOut">
               <a:rPr lang="it-IT" smtClean="0"/>
-              <a:t>22/04/18</a:t>
+              <a:t>22/04/2018</a:t>
             </a:fld>
             <a:endParaRPr lang="it-IT"/>
           </a:p>
@@ -2078,7 +2080,7 @@
           <a:p>
             <a:fld id="{D571CC00-9F0D-4082-A63A-DB4E8F38CABF}" type="datetimeFigureOut">
               <a:rPr lang="it-IT" smtClean="0"/>
-              <a:t>22/04/18</a:t>
+              <a:t>22/04/2018</a:t>
             </a:fld>
             <a:endParaRPr lang="it-IT"/>
           </a:p>
@@ -2389,7 +2391,7 @@
           <a:p>
             <a:fld id="{D571CC00-9F0D-4082-A63A-DB4E8F38CABF}" type="datetimeFigureOut">
               <a:rPr lang="it-IT" smtClean="0"/>
-              <a:t>22/04/18</a:t>
+              <a:t>22/04/2018</a:t>
             </a:fld>
             <a:endParaRPr lang="it-IT"/>
           </a:p>
@@ -2677,7 +2679,7 @@
           <a:p>
             <a:fld id="{D571CC00-9F0D-4082-A63A-DB4E8F38CABF}" type="datetimeFigureOut">
               <a:rPr lang="it-IT" smtClean="0"/>
-              <a:t>22/04/18</a:t>
+              <a:t>22/04/2018</a:t>
             </a:fld>
             <a:endParaRPr lang="it-IT"/>
           </a:p>
@@ -2918,7 +2920,7 @@
           <a:p>
             <a:fld id="{D571CC00-9F0D-4082-A63A-DB4E8F38CABF}" type="datetimeFigureOut">
               <a:rPr lang="it-IT" smtClean="0"/>
-              <a:t>22/04/18</a:t>
+              <a:t>22/04/2018</a:t>
             </a:fld>
             <a:endParaRPr lang="it-IT"/>
           </a:p>
@@ -3423,2667 +3425,6 @@
 </file>
 
 <file path=ppt/slides/slide10.xml><?xml version="1.0" encoding="utf-8"?>
-<p:sld xmlns:a="http://schemas.openxmlformats.org/drawingml/2006/main" xmlns:r="http://schemas.openxmlformats.org/officeDocument/2006/relationships" xmlns:p="http://schemas.openxmlformats.org/presentationml/2006/main">
-  <p:cSld>
-    <p:spTree>
-      <p:nvGrpSpPr>
-        <p:cNvPr id="1" name=""/>
-        <p:cNvGrpSpPr/>
-        <p:nvPr/>
-      </p:nvGrpSpPr>
-      <p:grpSpPr>
-        <a:xfrm>
-          <a:off x="0" y="0"/>
-          <a:ext cx="0" cy="0"/>
-          <a:chOff x="0" y="0"/>
-          <a:chExt cx="0" cy="0"/>
-        </a:xfrm>
-      </p:grpSpPr>
-      <p:sp>
-        <p:nvSpPr>
-          <p:cNvPr id="2" name="Titolo 1">
-            <a:extLst>
-              <a:ext uri="{FF2B5EF4-FFF2-40B4-BE49-F238E27FC236}">
-                <a16:creationId xmlns:a16="http://schemas.microsoft.com/office/drawing/2014/main" id="{4D7B5746-D58A-4E0E-8A67-11E80A349872}"/>
-              </a:ext>
-            </a:extLst>
-          </p:cNvPr>
-          <p:cNvSpPr>
-            <a:spLocks noGrp="1"/>
-          </p:cNvSpPr>
-          <p:nvPr>
-            <p:ph type="title"/>
-          </p:nvPr>
-        </p:nvSpPr>
-        <p:spPr/>
-        <p:txBody>
-          <a:bodyPr/>
-          <a:lstStyle/>
-          <a:p>
-            <a:r>
-              <a:rPr lang="it-IT" dirty="0"/>
-              <a:t>CONFRONTO RISULTATI</a:t>
-            </a:r>
-          </a:p>
-        </p:txBody>
-      </p:sp>
-      <p:sp>
-        <p:nvSpPr>
-          <p:cNvPr id="3" name="Segnaposto contenuto 2">
-            <a:extLst>
-              <a:ext uri="{FF2B5EF4-FFF2-40B4-BE49-F238E27FC236}">
-                <a16:creationId xmlns:a16="http://schemas.microsoft.com/office/drawing/2014/main" id="{B23D962A-72A6-42FD-AF27-113A3BFC54AA}"/>
-              </a:ext>
-            </a:extLst>
-          </p:cNvPr>
-          <p:cNvSpPr>
-            <a:spLocks noGrp="1"/>
-          </p:cNvSpPr>
-          <p:nvPr>
-            <p:ph idx="1"/>
-          </p:nvPr>
-        </p:nvSpPr>
-        <p:spPr>
-          <a:xfrm>
-            <a:off x="838200" y="1869043"/>
-            <a:ext cx="10515600" cy="4351338"/>
-          </a:xfrm>
-        </p:spPr>
-        <p:txBody>
-          <a:bodyPr/>
-          <a:lstStyle/>
-          <a:p>
-            <a:pPr>
-              <a:buFontTx/>
-              <a:buChar char="-"/>
-            </a:pPr>
-            <a:r>
-              <a:rPr lang="it-IT" dirty="0"/>
-              <a:t>BENCHMARK</a:t>
-            </a:r>
-          </a:p>
-          <a:p>
-            <a:pPr>
-              <a:buFontTx/>
-              <a:buChar char="-"/>
-            </a:pPr>
-            <a:endParaRPr lang="it-IT" dirty="0"/>
-          </a:p>
-          <a:p>
-            <a:pPr>
-              <a:buFontTx/>
-              <a:buChar char="-"/>
-            </a:pPr>
-            <a:endParaRPr lang="it-IT" dirty="0"/>
-          </a:p>
-          <a:p>
-            <a:pPr>
-              <a:buFontTx/>
-              <a:buChar char="-"/>
-            </a:pPr>
-            <a:r>
-              <a:rPr lang="it-IT" dirty="0"/>
-              <a:t>AUTOMATIC TOPIC MODELING</a:t>
-            </a:r>
-          </a:p>
-          <a:p>
-            <a:pPr>
-              <a:buFontTx/>
-              <a:buChar char="-"/>
-            </a:pPr>
-            <a:endParaRPr lang="it-IT" dirty="0"/>
-          </a:p>
-          <a:p>
-            <a:pPr>
-              <a:buFontTx/>
-              <a:buChar char="-"/>
-            </a:pPr>
-            <a:endParaRPr lang="it-IT" dirty="0"/>
-          </a:p>
-          <a:p>
-            <a:pPr>
-              <a:buFontTx/>
-              <a:buChar char="-"/>
-            </a:pPr>
-            <a:endParaRPr lang="it-IT" dirty="0"/>
-          </a:p>
-          <a:p>
-            <a:pPr>
-              <a:buFontTx/>
-              <a:buChar char="-"/>
-            </a:pPr>
-            <a:endParaRPr lang="it-IT" dirty="0"/>
-          </a:p>
-        </p:txBody>
-      </p:sp>
-      <p:graphicFrame>
-        <p:nvGraphicFramePr>
-          <p:cNvPr id="5" name="Tabella 4">
-            <a:extLst>
-              <a:ext uri="{FF2B5EF4-FFF2-40B4-BE49-F238E27FC236}">
-                <a16:creationId xmlns:a16="http://schemas.microsoft.com/office/drawing/2014/main" id="{97B19907-27BE-4907-9710-CCFB32332100}"/>
-              </a:ext>
-            </a:extLst>
-          </p:cNvPr>
-          <p:cNvGraphicFramePr>
-            <a:graphicFrameLocks noGrp="1"/>
-          </p:cNvGraphicFramePr>
-          <p:nvPr>
-            <p:extLst>
-              <p:ext uri="{D42A27DB-BD31-4B8C-83A1-F6EECF244321}">
-                <p14:modId xmlns:p14="http://schemas.microsoft.com/office/powerpoint/2010/main" val="4039936685"/>
-              </p:ext>
-            </p:extLst>
-          </p:nvPr>
-        </p:nvGraphicFramePr>
-        <p:xfrm>
-          <a:off x="1183860" y="2442449"/>
-          <a:ext cx="10515600" cy="370840"/>
-        </p:xfrm>
-        <a:graphic>
-          <a:graphicData uri="http://schemas.openxmlformats.org/drawingml/2006/table">
-            <a:tbl>
-              <a:tblPr firstRow="1" bandRow="1">
-                <a:tableStyleId>{073A0DAA-6AF3-43AB-8588-CEC1D06C72B9}</a:tableStyleId>
-              </a:tblPr>
-              <a:tblGrid>
-                <a:gridCol w="876300">
-                  <a:extLst>
-                    <a:ext uri="{9D8B030D-6E8A-4147-A177-3AD203B41FA5}">
-                      <a16:colId xmlns:a16="http://schemas.microsoft.com/office/drawing/2014/main" val="2149313485"/>
-                    </a:ext>
-                  </a:extLst>
-                </a:gridCol>
-                <a:gridCol w="876300">
-                  <a:extLst>
-                    <a:ext uri="{9D8B030D-6E8A-4147-A177-3AD203B41FA5}">
-                      <a16:colId xmlns:a16="http://schemas.microsoft.com/office/drawing/2014/main" val="3854241208"/>
-                    </a:ext>
-                  </a:extLst>
-                </a:gridCol>
-                <a:gridCol w="876300">
-                  <a:extLst>
-                    <a:ext uri="{9D8B030D-6E8A-4147-A177-3AD203B41FA5}">
-                      <a16:colId xmlns:a16="http://schemas.microsoft.com/office/drawing/2014/main" val="4001901182"/>
-                    </a:ext>
-                  </a:extLst>
-                </a:gridCol>
-                <a:gridCol w="876300">
-                  <a:extLst>
-                    <a:ext uri="{9D8B030D-6E8A-4147-A177-3AD203B41FA5}">
-                      <a16:colId xmlns:a16="http://schemas.microsoft.com/office/drawing/2014/main" val="2507569856"/>
-                    </a:ext>
-                  </a:extLst>
-                </a:gridCol>
-                <a:gridCol w="876300">
-                  <a:extLst>
-                    <a:ext uri="{9D8B030D-6E8A-4147-A177-3AD203B41FA5}">
-                      <a16:colId xmlns:a16="http://schemas.microsoft.com/office/drawing/2014/main" val="1862688535"/>
-                    </a:ext>
-                  </a:extLst>
-                </a:gridCol>
-                <a:gridCol w="876300">
-                  <a:extLst>
-                    <a:ext uri="{9D8B030D-6E8A-4147-A177-3AD203B41FA5}">
-                      <a16:colId xmlns:a16="http://schemas.microsoft.com/office/drawing/2014/main" val="1667875386"/>
-                    </a:ext>
-                  </a:extLst>
-                </a:gridCol>
-                <a:gridCol w="876300">
-                  <a:extLst>
-                    <a:ext uri="{9D8B030D-6E8A-4147-A177-3AD203B41FA5}">
-                      <a16:colId xmlns:a16="http://schemas.microsoft.com/office/drawing/2014/main" val="4117352283"/>
-                    </a:ext>
-                  </a:extLst>
-                </a:gridCol>
-                <a:gridCol w="876300">
-                  <a:extLst>
-                    <a:ext uri="{9D8B030D-6E8A-4147-A177-3AD203B41FA5}">
-                      <a16:colId xmlns:a16="http://schemas.microsoft.com/office/drawing/2014/main" val="3873308539"/>
-                    </a:ext>
-                  </a:extLst>
-                </a:gridCol>
-                <a:gridCol w="876300">
-                  <a:extLst>
-                    <a:ext uri="{9D8B030D-6E8A-4147-A177-3AD203B41FA5}">
-                      <a16:colId xmlns:a16="http://schemas.microsoft.com/office/drawing/2014/main" val="2032310861"/>
-                    </a:ext>
-                  </a:extLst>
-                </a:gridCol>
-                <a:gridCol w="876300">
-                  <a:extLst>
-                    <a:ext uri="{9D8B030D-6E8A-4147-A177-3AD203B41FA5}">
-                      <a16:colId xmlns:a16="http://schemas.microsoft.com/office/drawing/2014/main" val="2159706728"/>
-                    </a:ext>
-                  </a:extLst>
-                </a:gridCol>
-                <a:gridCol w="876300">
-                  <a:extLst>
-                    <a:ext uri="{9D8B030D-6E8A-4147-A177-3AD203B41FA5}">
-                      <a16:colId xmlns:a16="http://schemas.microsoft.com/office/drawing/2014/main" val="4031835003"/>
-                    </a:ext>
-                  </a:extLst>
-                </a:gridCol>
-                <a:gridCol w="876300">
-                  <a:extLst>
-                    <a:ext uri="{9D8B030D-6E8A-4147-A177-3AD203B41FA5}">
-                      <a16:colId xmlns:a16="http://schemas.microsoft.com/office/drawing/2014/main" val="2457313871"/>
-                    </a:ext>
-                  </a:extLst>
-                </a:gridCol>
-              </a:tblGrid>
-              <a:tr h="370840">
-                <a:tc>
-                  <a:txBody>
-                    <a:bodyPr/>
-                    <a:lstStyle/>
-                    <a:p>
-                      <a:r>
-                        <a:rPr lang="it-IT" dirty="0"/>
-                        <a:t>0.642</a:t>
-                      </a:r>
-                    </a:p>
-                  </a:txBody>
-                  <a:tcPr/>
-                </a:tc>
-                <a:tc>
-                  <a:txBody>
-                    <a:bodyPr/>
-                    <a:lstStyle/>
-                    <a:p>
-                      <a:r>
-                        <a:rPr lang="it-IT" dirty="0"/>
-                        <a:t>0.482</a:t>
-                      </a:r>
-                    </a:p>
-                  </a:txBody>
-                  <a:tcPr/>
-                </a:tc>
-                <a:tc>
-                  <a:txBody>
-                    <a:bodyPr/>
-                    <a:lstStyle/>
-                    <a:p>
-                      <a:r>
-                        <a:rPr lang="it-IT" dirty="0"/>
-                        <a:t>0.830</a:t>
-                      </a:r>
-                    </a:p>
-                  </a:txBody>
-                  <a:tcPr/>
-                </a:tc>
-                <a:tc>
-                  <a:txBody>
-                    <a:bodyPr/>
-                    <a:lstStyle/>
-                    <a:p>
-                      <a:r>
-                        <a:rPr lang="it-IT" dirty="0"/>
-                        <a:t>0.755</a:t>
-                      </a:r>
-                    </a:p>
-                  </a:txBody>
-                  <a:tcPr/>
-                </a:tc>
-                <a:tc>
-                  <a:txBody>
-                    <a:bodyPr/>
-                    <a:lstStyle/>
-                    <a:p>
-                      <a:r>
-                        <a:rPr lang="it-IT" dirty="0"/>
-                        <a:t>0.606</a:t>
-                      </a:r>
-                    </a:p>
-                  </a:txBody>
-                  <a:tcPr/>
-                </a:tc>
-                <a:tc>
-                  <a:txBody>
-                    <a:bodyPr/>
-                    <a:lstStyle/>
-                    <a:p>
-                      <a:r>
-                        <a:rPr lang="it-IT" dirty="0"/>
-                        <a:t>0.738</a:t>
-                      </a:r>
-                    </a:p>
-                  </a:txBody>
-                  <a:tcPr/>
-                </a:tc>
-                <a:tc>
-                  <a:txBody>
-                    <a:bodyPr/>
-                    <a:lstStyle/>
-                    <a:p>
-                      <a:r>
-                        <a:rPr lang="it-IT" dirty="0"/>
-                        <a:t>0.874</a:t>
-                      </a:r>
-                    </a:p>
-                  </a:txBody>
-                  <a:tcPr/>
-                </a:tc>
-                <a:tc>
-                  <a:txBody>
-                    <a:bodyPr/>
-                    <a:lstStyle/>
-                    <a:p>
-                      <a:r>
-                        <a:rPr lang="it-IT" dirty="0"/>
-                        <a:t>0.668</a:t>
-                      </a:r>
-                    </a:p>
-                  </a:txBody>
-                  <a:tcPr/>
-                </a:tc>
-                <a:tc>
-                  <a:txBody>
-                    <a:bodyPr/>
-                    <a:lstStyle/>
-                    <a:p>
-                      <a:r>
-                        <a:rPr lang="it-IT" dirty="0"/>
-                        <a:t>0.722</a:t>
-                      </a:r>
-                    </a:p>
-                  </a:txBody>
-                  <a:tcPr/>
-                </a:tc>
-                <a:tc>
-                  <a:txBody>
-                    <a:bodyPr/>
-                    <a:lstStyle/>
-                    <a:p>
-                      <a:r>
-                        <a:rPr lang="it-IT" dirty="0"/>
-                        <a:t>0.885</a:t>
-                      </a:r>
-                    </a:p>
-                  </a:txBody>
-                  <a:tcPr/>
-                </a:tc>
-                <a:tc>
-                  <a:txBody>
-                    <a:bodyPr/>
-                    <a:lstStyle/>
-                    <a:p>
-                      <a:r>
-                        <a:rPr lang="it-IT" dirty="0"/>
-                        <a:t>0.797</a:t>
-                      </a:r>
-                    </a:p>
-                  </a:txBody>
-                  <a:tcPr/>
-                </a:tc>
-                <a:tc>
-                  <a:txBody>
-                    <a:bodyPr/>
-                    <a:lstStyle/>
-                    <a:p>
-                      <a:r>
-                        <a:rPr lang="it-IT" dirty="0"/>
-                        <a:t>0.411</a:t>
-                      </a:r>
-                    </a:p>
-                  </a:txBody>
-                  <a:tcPr/>
-                </a:tc>
-                <a:extLst>
-                  <a:ext uri="{0D108BD9-81ED-4DB2-BD59-A6C34878D82A}">
-                    <a16:rowId xmlns:a16="http://schemas.microsoft.com/office/drawing/2014/main" val="2752215070"/>
-                  </a:ext>
-                </a:extLst>
-              </a:tr>
-            </a:tbl>
-          </a:graphicData>
-        </a:graphic>
-      </p:graphicFrame>
-      <p:graphicFrame>
-        <p:nvGraphicFramePr>
-          <p:cNvPr id="6" name="Tabella 5">
-            <a:extLst>
-              <a:ext uri="{FF2B5EF4-FFF2-40B4-BE49-F238E27FC236}">
-                <a16:creationId xmlns:a16="http://schemas.microsoft.com/office/drawing/2014/main" id="{894137C1-2BCD-42A6-8E39-45DBEAEE6271}"/>
-              </a:ext>
-            </a:extLst>
-          </p:cNvPr>
-          <p:cNvGraphicFramePr>
-            <a:graphicFrameLocks noGrp="1"/>
-          </p:cNvGraphicFramePr>
-          <p:nvPr>
-            <p:extLst>
-              <p:ext uri="{D42A27DB-BD31-4B8C-83A1-F6EECF244321}">
-                <p14:modId xmlns:p14="http://schemas.microsoft.com/office/powerpoint/2010/main" val="866287681"/>
-              </p:ext>
-            </p:extLst>
-          </p:nvPr>
-        </p:nvGraphicFramePr>
-        <p:xfrm>
-          <a:off x="1183860" y="4087157"/>
-          <a:ext cx="10515600" cy="370840"/>
-        </p:xfrm>
-        <a:graphic>
-          <a:graphicData uri="http://schemas.openxmlformats.org/drawingml/2006/table">
-            <a:tbl>
-              <a:tblPr firstRow="1" bandRow="1">
-                <a:tableStyleId>{073A0DAA-6AF3-43AB-8588-CEC1D06C72B9}</a:tableStyleId>
-              </a:tblPr>
-              <a:tblGrid>
-                <a:gridCol w="876300">
-                  <a:extLst>
-                    <a:ext uri="{9D8B030D-6E8A-4147-A177-3AD203B41FA5}">
-                      <a16:colId xmlns:a16="http://schemas.microsoft.com/office/drawing/2014/main" val="2098618534"/>
-                    </a:ext>
-                  </a:extLst>
-                </a:gridCol>
-                <a:gridCol w="876300">
-                  <a:extLst>
-                    <a:ext uri="{9D8B030D-6E8A-4147-A177-3AD203B41FA5}">
-                      <a16:colId xmlns:a16="http://schemas.microsoft.com/office/drawing/2014/main" val="1703190881"/>
-                    </a:ext>
-                  </a:extLst>
-                </a:gridCol>
-                <a:gridCol w="876300">
-                  <a:extLst>
-                    <a:ext uri="{9D8B030D-6E8A-4147-A177-3AD203B41FA5}">
-                      <a16:colId xmlns:a16="http://schemas.microsoft.com/office/drawing/2014/main" val="1084692573"/>
-                    </a:ext>
-                  </a:extLst>
-                </a:gridCol>
-                <a:gridCol w="876300">
-                  <a:extLst>
-                    <a:ext uri="{9D8B030D-6E8A-4147-A177-3AD203B41FA5}">
-                      <a16:colId xmlns:a16="http://schemas.microsoft.com/office/drawing/2014/main" val="2754902633"/>
-                    </a:ext>
-                  </a:extLst>
-                </a:gridCol>
-                <a:gridCol w="876300">
-                  <a:extLst>
-                    <a:ext uri="{9D8B030D-6E8A-4147-A177-3AD203B41FA5}">
-                      <a16:colId xmlns:a16="http://schemas.microsoft.com/office/drawing/2014/main" val="2793094449"/>
-                    </a:ext>
-                  </a:extLst>
-                </a:gridCol>
-                <a:gridCol w="876300">
-                  <a:extLst>
-                    <a:ext uri="{9D8B030D-6E8A-4147-A177-3AD203B41FA5}">
-                      <a16:colId xmlns:a16="http://schemas.microsoft.com/office/drawing/2014/main" val="2610784959"/>
-                    </a:ext>
-                  </a:extLst>
-                </a:gridCol>
-                <a:gridCol w="876300">
-                  <a:extLst>
-                    <a:ext uri="{9D8B030D-6E8A-4147-A177-3AD203B41FA5}">
-                      <a16:colId xmlns:a16="http://schemas.microsoft.com/office/drawing/2014/main" val="1355083632"/>
-                    </a:ext>
-                  </a:extLst>
-                </a:gridCol>
-                <a:gridCol w="876300">
-                  <a:extLst>
-                    <a:ext uri="{9D8B030D-6E8A-4147-A177-3AD203B41FA5}">
-                      <a16:colId xmlns:a16="http://schemas.microsoft.com/office/drawing/2014/main" val="75210997"/>
-                    </a:ext>
-                  </a:extLst>
-                </a:gridCol>
-                <a:gridCol w="876300">
-                  <a:extLst>
-                    <a:ext uri="{9D8B030D-6E8A-4147-A177-3AD203B41FA5}">
-                      <a16:colId xmlns:a16="http://schemas.microsoft.com/office/drawing/2014/main" val="289563779"/>
-                    </a:ext>
-                  </a:extLst>
-                </a:gridCol>
-                <a:gridCol w="876300">
-                  <a:extLst>
-                    <a:ext uri="{9D8B030D-6E8A-4147-A177-3AD203B41FA5}">
-                      <a16:colId xmlns:a16="http://schemas.microsoft.com/office/drawing/2014/main" val="1535347922"/>
-                    </a:ext>
-                  </a:extLst>
-                </a:gridCol>
-                <a:gridCol w="876300">
-                  <a:extLst>
-                    <a:ext uri="{9D8B030D-6E8A-4147-A177-3AD203B41FA5}">
-                      <a16:colId xmlns:a16="http://schemas.microsoft.com/office/drawing/2014/main" val="1203421728"/>
-                    </a:ext>
-                  </a:extLst>
-                </a:gridCol>
-                <a:gridCol w="876300">
-                  <a:extLst>
-                    <a:ext uri="{9D8B030D-6E8A-4147-A177-3AD203B41FA5}">
-                      <a16:colId xmlns:a16="http://schemas.microsoft.com/office/drawing/2014/main" val="1177487498"/>
-                    </a:ext>
-                  </a:extLst>
-                </a:gridCol>
-              </a:tblGrid>
-              <a:tr h="370840">
-                <a:tc>
-                  <a:txBody>
-                    <a:bodyPr/>
-                    <a:lstStyle/>
-                    <a:p>
-                      <a:r>
-                        <a:rPr lang="it-IT" dirty="0"/>
-                        <a:t>0.512</a:t>
-                      </a:r>
-                    </a:p>
-                  </a:txBody>
-                  <a:tcPr/>
-                </a:tc>
-                <a:tc>
-                  <a:txBody>
-                    <a:bodyPr/>
-                    <a:lstStyle/>
-                    <a:p>
-                      <a:r>
-                        <a:rPr lang="it-IT" dirty="0"/>
-                        <a:t>0.286</a:t>
-                      </a:r>
-                    </a:p>
-                  </a:txBody>
-                  <a:tcPr/>
-                </a:tc>
-                <a:tc>
-                  <a:txBody>
-                    <a:bodyPr/>
-                    <a:lstStyle/>
-                    <a:p>
-                      <a:r>
-                        <a:rPr lang="it-IT" dirty="0"/>
-                        <a:t>0.773</a:t>
-                      </a:r>
-                    </a:p>
-                  </a:txBody>
-                  <a:tcPr/>
-                </a:tc>
-                <a:tc>
-                  <a:txBody>
-                    <a:bodyPr/>
-                    <a:lstStyle/>
-                    <a:p>
-                      <a:r>
-                        <a:rPr lang="it-IT" dirty="0"/>
-                        <a:t>0.637</a:t>
-                      </a:r>
-                    </a:p>
-                  </a:txBody>
-                  <a:tcPr/>
-                </a:tc>
-                <a:tc>
-                  <a:txBody>
-                    <a:bodyPr/>
-                    <a:lstStyle/>
-                    <a:p>
-                      <a:r>
-                        <a:rPr lang="it-IT" dirty="0"/>
-                        <a:t>0.662</a:t>
-                      </a:r>
-                    </a:p>
-                  </a:txBody>
-                  <a:tcPr/>
-                </a:tc>
-                <a:tc>
-                  <a:txBody>
-                    <a:bodyPr/>
-                    <a:lstStyle/>
-                    <a:p>
-                      <a:r>
-                        <a:rPr lang="it-IT" dirty="0"/>
-                        <a:t>0.704</a:t>
-                      </a:r>
-                    </a:p>
-                  </a:txBody>
-                  <a:tcPr/>
-                </a:tc>
-                <a:tc>
-                  <a:txBody>
-                    <a:bodyPr/>
-                    <a:lstStyle/>
-                    <a:p>
-                      <a:r>
-                        <a:rPr lang="it-IT" dirty="0"/>
-                        <a:t>0.984</a:t>
-                      </a:r>
-                    </a:p>
-                  </a:txBody>
-                  <a:tcPr/>
-                </a:tc>
-                <a:tc>
-                  <a:txBody>
-                    <a:bodyPr/>
-                    <a:lstStyle/>
-                    <a:p>
-                      <a:r>
-                        <a:rPr lang="it-IT" dirty="0"/>
-                        <a:t>0.394</a:t>
-                      </a:r>
-                    </a:p>
-                  </a:txBody>
-                  <a:tcPr/>
-                </a:tc>
-                <a:tc>
-                  <a:txBody>
-                    <a:bodyPr/>
-                    <a:lstStyle/>
-                    <a:p>
-                      <a:r>
-                        <a:rPr lang="it-IT" dirty="0"/>
-                        <a:t>0.845</a:t>
-                      </a:r>
-                    </a:p>
-                  </a:txBody>
-                  <a:tcPr/>
-                </a:tc>
-                <a:tc>
-                  <a:txBody>
-                    <a:bodyPr/>
-                    <a:lstStyle/>
-                    <a:p>
-                      <a:r>
-                        <a:rPr lang="it-IT" dirty="0"/>
-                        <a:t>0.659</a:t>
-                      </a:r>
-                    </a:p>
-                  </a:txBody>
-                  <a:tcPr/>
-                </a:tc>
-                <a:tc>
-                  <a:txBody>
-                    <a:bodyPr/>
-                    <a:lstStyle/>
-                    <a:p>
-                      <a:r>
-                        <a:rPr lang="it-IT" dirty="0"/>
-                        <a:t>0.700</a:t>
-                      </a:r>
-                    </a:p>
-                  </a:txBody>
-                  <a:tcPr/>
-                </a:tc>
-                <a:tc>
-                  <a:txBody>
-                    <a:bodyPr/>
-                    <a:lstStyle/>
-                    <a:p>
-                      <a:r>
-                        <a:rPr lang="it-IT" dirty="0"/>
-                        <a:t>0.565</a:t>
-                      </a:r>
-                    </a:p>
-                  </a:txBody>
-                  <a:tcPr/>
-                </a:tc>
-                <a:extLst>
-                  <a:ext uri="{0D108BD9-81ED-4DB2-BD59-A6C34878D82A}">
-                    <a16:rowId xmlns:a16="http://schemas.microsoft.com/office/drawing/2014/main" val="3952138311"/>
-                  </a:ext>
-                </a:extLst>
-              </a:tr>
-            </a:tbl>
-          </a:graphicData>
-        </a:graphic>
-      </p:graphicFrame>
-    </p:spTree>
-    <p:extLst>
-      <p:ext uri="{BB962C8B-B14F-4D97-AF65-F5344CB8AC3E}">
-        <p14:creationId xmlns:p14="http://schemas.microsoft.com/office/powerpoint/2010/main" val="1510172884"/>
-      </p:ext>
-    </p:extLst>
-  </p:cSld>
-  <p:clrMapOvr>
-    <a:masterClrMapping/>
-  </p:clrMapOvr>
-</p:sld>
-</file>
-
-<file path=ppt/slides/slide2.xml><?xml version="1.0" encoding="utf-8"?>
-<p:sld xmlns:a="http://schemas.openxmlformats.org/drawingml/2006/main" xmlns:r="http://schemas.openxmlformats.org/officeDocument/2006/relationships" xmlns:p="http://schemas.openxmlformats.org/presentationml/2006/main">
-  <p:cSld>
-    <p:spTree>
-      <p:nvGrpSpPr>
-        <p:cNvPr id="1" name=""/>
-        <p:cNvGrpSpPr/>
-        <p:nvPr/>
-      </p:nvGrpSpPr>
-      <p:grpSpPr>
-        <a:xfrm>
-          <a:off x="0" y="0"/>
-          <a:ext cx="0" cy="0"/>
-          <a:chOff x="0" y="0"/>
-          <a:chExt cx="0" cy="0"/>
-        </a:xfrm>
-      </p:grpSpPr>
-      <p:sp>
-        <p:nvSpPr>
-          <p:cNvPr id="2" name="Titolo 1">
-            <a:extLst>
-              <a:ext uri="{FF2B5EF4-FFF2-40B4-BE49-F238E27FC236}">
-                <a16:creationId xmlns:a16="http://schemas.microsoft.com/office/drawing/2014/main" id="{FF0C36E4-C6AA-40E6-96FC-140C6AB89F64}"/>
-              </a:ext>
-            </a:extLst>
-          </p:cNvPr>
-          <p:cNvSpPr>
-            <a:spLocks noGrp="1"/>
-          </p:cNvSpPr>
-          <p:nvPr>
-            <p:ph type="title"/>
-          </p:nvPr>
-        </p:nvSpPr>
-        <p:spPr/>
-        <p:txBody>
-          <a:bodyPr/>
-          <a:lstStyle/>
-          <a:p>
-            <a:r>
-              <a:rPr lang="it-IT" dirty="0"/>
-              <a:t>DATA PREPARATION</a:t>
-            </a:r>
-          </a:p>
-        </p:txBody>
-      </p:sp>
-      <p:sp>
-        <p:nvSpPr>
-          <p:cNvPr id="3" name="Segnaposto contenuto 2">
-            <a:extLst>
-              <a:ext uri="{FF2B5EF4-FFF2-40B4-BE49-F238E27FC236}">
-                <a16:creationId xmlns:a16="http://schemas.microsoft.com/office/drawing/2014/main" id="{331F4B5B-B91D-4E39-9BEF-68123BC799AF}"/>
-              </a:ext>
-            </a:extLst>
-          </p:cNvPr>
-          <p:cNvSpPr>
-            <a:spLocks noGrp="1"/>
-          </p:cNvSpPr>
-          <p:nvPr>
-            <p:ph idx="1"/>
-          </p:nvPr>
-        </p:nvSpPr>
-        <p:spPr/>
-        <p:txBody>
-          <a:bodyPr/>
-          <a:lstStyle/>
-          <a:p>
-            <a:r>
-              <a:rPr lang="it-IT" dirty="0"/>
-              <a:t>Rimozione punteggiatura, numeri, simboli particolari e parole poco informative;</a:t>
-            </a:r>
-          </a:p>
-          <a:p>
-            <a:r>
-              <a:rPr lang="it-IT" dirty="0"/>
-              <a:t>rimozione </a:t>
-            </a:r>
-            <a:r>
-              <a:rPr lang="it-IT" dirty="0" err="1"/>
-              <a:t>stopwords</a:t>
-            </a:r>
-            <a:r>
-              <a:rPr lang="it-IT" dirty="0"/>
-              <a:t> (dizionario Smart);</a:t>
-            </a:r>
-          </a:p>
-          <a:p>
-            <a:r>
-              <a:rPr lang="it-IT" dirty="0" err="1"/>
-              <a:t>stemming</a:t>
-            </a:r>
-            <a:r>
-              <a:rPr lang="it-IT" dirty="0"/>
-              <a:t>;</a:t>
-            </a:r>
-          </a:p>
-          <a:p>
-            <a:r>
-              <a:rPr lang="it-IT" dirty="0" err="1"/>
-              <a:t>destemming</a:t>
-            </a:r>
-            <a:r>
-              <a:rPr lang="it-IT" dirty="0"/>
-              <a:t>;</a:t>
-            </a:r>
-          </a:p>
-          <a:p>
-            <a:r>
-              <a:rPr lang="it-IT" dirty="0" err="1"/>
-              <a:t>Document-Term</a:t>
-            </a:r>
-            <a:r>
-              <a:rPr lang="it-IT" dirty="0"/>
-              <a:t> </a:t>
-            </a:r>
-            <a:r>
-              <a:rPr lang="it-IT" dirty="0" err="1"/>
-              <a:t>matrix</a:t>
-            </a:r>
-            <a:r>
-              <a:rPr lang="it-IT" dirty="0"/>
-              <a:t> imputando le frequenze con il metodo </a:t>
-            </a:r>
-            <a:r>
-              <a:rPr lang="it-IT" dirty="0" err="1"/>
-              <a:t>tf-idf</a:t>
-            </a:r>
-            <a:endParaRPr lang="it-IT" dirty="0"/>
-          </a:p>
-          <a:p>
-            <a:endParaRPr lang="it-IT" dirty="0"/>
-          </a:p>
-        </p:txBody>
-      </p:sp>
-    </p:spTree>
-    <p:extLst>
-      <p:ext uri="{BB962C8B-B14F-4D97-AF65-F5344CB8AC3E}">
-        <p14:creationId xmlns:p14="http://schemas.microsoft.com/office/powerpoint/2010/main" val="1315427184"/>
-      </p:ext>
-    </p:extLst>
-  </p:cSld>
-  <p:clrMapOvr>
-    <a:masterClrMapping/>
-  </p:clrMapOvr>
-</p:sld>
-</file>
-
-<file path=ppt/slides/slide3.xml><?xml version="1.0" encoding="utf-8"?>
-<p:sld xmlns:a="http://schemas.openxmlformats.org/drawingml/2006/main" xmlns:r="http://schemas.openxmlformats.org/officeDocument/2006/relationships" xmlns:p="http://schemas.openxmlformats.org/presentationml/2006/main">
-  <p:cSld>
-    <p:spTree>
-      <p:nvGrpSpPr>
-        <p:cNvPr id="1" name=""/>
-        <p:cNvGrpSpPr/>
-        <p:nvPr/>
-      </p:nvGrpSpPr>
-      <p:grpSpPr>
-        <a:xfrm>
-          <a:off x="0" y="0"/>
-          <a:ext cx="0" cy="0"/>
-          <a:chOff x="0" y="0"/>
-          <a:chExt cx="0" cy="0"/>
-        </a:xfrm>
-      </p:grpSpPr>
-      <p:pic>
-        <p:nvPicPr>
-          <p:cNvPr id="5" name="Segnaposto contenuto 4">
-            <a:extLst>
-              <a:ext uri="{FF2B5EF4-FFF2-40B4-BE49-F238E27FC236}">
-                <a16:creationId xmlns:a16="http://schemas.microsoft.com/office/drawing/2014/main" id="{5878720D-B48D-4BC8-A778-DA6606EA9DC2}"/>
-              </a:ext>
-            </a:extLst>
-          </p:cNvPr>
-          <p:cNvPicPr>
-            <a:picLocks noGrp="1" noChangeAspect="1"/>
-          </p:cNvPicPr>
-          <p:nvPr>
-            <p:ph idx="1"/>
-          </p:nvPr>
-        </p:nvPicPr>
-        <p:blipFill>
-          <a:blip r:embed="rId2">
-            <a:extLst>
-              <a:ext uri="{28A0092B-C50C-407E-A947-70E740481C1C}">
-                <a14:useLocalDpi xmlns:a14="http://schemas.microsoft.com/office/drawing/2010/main" val="0"/>
-              </a:ext>
-            </a:extLst>
-          </a:blip>
-          <a:stretch>
-            <a:fillRect/>
-          </a:stretch>
-        </p:blipFill>
-        <p:spPr>
-          <a:xfrm>
-            <a:off x="2342451" y="-314774"/>
-            <a:ext cx="7507097" cy="7487548"/>
-          </a:xfrm>
-        </p:spPr>
-      </p:pic>
-    </p:spTree>
-    <p:extLst>
-      <p:ext uri="{BB962C8B-B14F-4D97-AF65-F5344CB8AC3E}">
-        <p14:creationId xmlns:p14="http://schemas.microsoft.com/office/powerpoint/2010/main" val="1145204618"/>
-      </p:ext>
-    </p:extLst>
-  </p:cSld>
-  <p:clrMapOvr>
-    <a:masterClrMapping/>
-  </p:clrMapOvr>
-</p:sld>
-</file>
-
-<file path=ppt/slides/slide4.xml><?xml version="1.0" encoding="utf-8"?>
-<p:sld xmlns:a="http://schemas.openxmlformats.org/drawingml/2006/main" xmlns:r="http://schemas.openxmlformats.org/officeDocument/2006/relationships" xmlns:p="http://schemas.openxmlformats.org/presentationml/2006/main">
-  <p:cSld>
-    <p:spTree>
-      <p:nvGrpSpPr>
-        <p:cNvPr id="1" name=""/>
-        <p:cNvGrpSpPr/>
-        <p:nvPr/>
-      </p:nvGrpSpPr>
-      <p:grpSpPr>
-        <a:xfrm>
-          <a:off x="0" y="0"/>
-          <a:ext cx="0" cy="0"/>
-          <a:chOff x="0" y="0"/>
-          <a:chExt cx="0" cy="0"/>
-        </a:xfrm>
-      </p:grpSpPr>
-      <p:sp>
-        <p:nvSpPr>
-          <p:cNvPr id="2" name="Titolo 1">
-            <a:extLst>
-              <a:ext uri="{FF2B5EF4-FFF2-40B4-BE49-F238E27FC236}">
-                <a16:creationId xmlns:a16="http://schemas.microsoft.com/office/drawing/2014/main" id="{3FEA1E3F-77C7-4A34-9797-8B02EC9A16F2}"/>
-              </a:ext>
-            </a:extLst>
-          </p:cNvPr>
-          <p:cNvSpPr>
-            <a:spLocks noGrp="1"/>
-          </p:cNvSpPr>
-          <p:nvPr>
-            <p:ph type="title"/>
-          </p:nvPr>
-        </p:nvSpPr>
-        <p:spPr/>
-        <p:txBody>
-          <a:bodyPr/>
-          <a:lstStyle/>
-          <a:p>
-            <a:r>
-              <a:rPr lang="it-IT" dirty="0"/>
-              <a:t>CLUSTERING</a:t>
-            </a:r>
-          </a:p>
-        </p:txBody>
-      </p:sp>
-      <p:sp>
-        <p:nvSpPr>
-          <p:cNvPr id="3" name="Segnaposto contenuto 2">
-            <a:extLst>
-              <a:ext uri="{FF2B5EF4-FFF2-40B4-BE49-F238E27FC236}">
-                <a16:creationId xmlns:a16="http://schemas.microsoft.com/office/drawing/2014/main" id="{730EE669-25F0-42D2-873B-DC4357100433}"/>
-              </a:ext>
-            </a:extLst>
-          </p:cNvPr>
-          <p:cNvSpPr>
-            <a:spLocks noGrp="1"/>
-          </p:cNvSpPr>
-          <p:nvPr>
-            <p:ph idx="1"/>
-          </p:nvPr>
-        </p:nvSpPr>
-        <p:spPr>
-          <a:xfrm>
-            <a:off x="838200" y="1825625"/>
-            <a:ext cx="10515600" cy="1169366"/>
-          </a:xfrm>
-        </p:spPr>
-        <p:txBody>
-          <a:bodyPr/>
-          <a:lstStyle/>
-          <a:p>
-            <a:r>
-              <a:rPr lang="it-IT" dirty="0"/>
-              <a:t>Algoritmo dei k-</a:t>
-            </a:r>
-            <a:r>
-              <a:rPr lang="it-IT" dirty="0" err="1"/>
-              <a:t>medoidi</a:t>
-            </a:r>
-            <a:r>
-              <a:rPr lang="it-IT" dirty="0"/>
-              <a:t> per k da 1 a 15;</a:t>
-            </a:r>
-          </a:p>
-          <a:p>
-            <a:r>
-              <a:rPr lang="it-IT" dirty="0"/>
-              <a:t>selezione di k = 12 poiché massimizza la silhouette media;</a:t>
-            </a:r>
-          </a:p>
-          <a:p>
-            <a:endParaRPr lang="it-IT" dirty="0"/>
-          </a:p>
-        </p:txBody>
-      </p:sp>
-    </p:spTree>
-    <p:extLst>
-      <p:ext uri="{BB962C8B-B14F-4D97-AF65-F5344CB8AC3E}">
-        <p14:creationId xmlns:p14="http://schemas.microsoft.com/office/powerpoint/2010/main" val="1746162479"/>
-      </p:ext>
-    </p:extLst>
-  </p:cSld>
-  <p:clrMapOvr>
-    <a:masterClrMapping/>
-  </p:clrMapOvr>
-</p:sld>
-</file>
-
-<file path=ppt/slides/slide5.xml><?xml version="1.0" encoding="utf-8"?>
-<p:sld xmlns:a="http://schemas.openxmlformats.org/drawingml/2006/main" xmlns:r="http://schemas.openxmlformats.org/officeDocument/2006/relationships" xmlns:p="http://schemas.openxmlformats.org/presentationml/2006/main">
-  <p:cSld>
-    <p:spTree>
-      <p:nvGrpSpPr>
-        <p:cNvPr id="1" name=""/>
-        <p:cNvGrpSpPr/>
-        <p:nvPr/>
-      </p:nvGrpSpPr>
-      <p:grpSpPr>
-        <a:xfrm>
-          <a:off x="0" y="0"/>
-          <a:ext cx="0" cy="0"/>
-          <a:chOff x="0" y="0"/>
-          <a:chExt cx="0" cy="0"/>
-        </a:xfrm>
-      </p:grpSpPr>
-      <p:sp>
-        <p:nvSpPr>
-          <p:cNvPr id="2" name="Titolo 1">
-            <a:extLst>
-              <a:ext uri="{FF2B5EF4-FFF2-40B4-BE49-F238E27FC236}">
-                <a16:creationId xmlns:a16="http://schemas.microsoft.com/office/drawing/2014/main" id="{ED099012-D5C4-4093-A1B0-25A43D4912EA}"/>
-              </a:ext>
-            </a:extLst>
-          </p:cNvPr>
-          <p:cNvSpPr>
-            <a:spLocks noGrp="1"/>
-          </p:cNvSpPr>
-          <p:nvPr>
-            <p:ph type="title"/>
-          </p:nvPr>
-        </p:nvSpPr>
-        <p:spPr>
-          <a:xfrm>
-            <a:off x="838200" y="75992"/>
-            <a:ext cx="10515600" cy="1325563"/>
-          </a:xfrm>
-        </p:spPr>
-        <p:txBody>
-          <a:bodyPr/>
-          <a:lstStyle/>
-          <a:p>
-            <a:r>
-              <a:rPr lang="it-IT" dirty="0"/>
-              <a:t>RISULTATI</a:t>
-            </a:r>
-          </a:p>
-        </p:txBody>
-      </p:sp>
-      <p:sp>
-        <p:nvSpPr>
-          <p:cNvPr id="3" name="Segnaposto contenuto 2">
-            <a:extLst>
-              <a:ext uri="{FF2B5EF4-FFF2-40B4-BE49-F238E27FC236}">
-                <a16:creationId xmlns:a16="http://schemas.microsoft.com/office/drawing/2014/main" id="{0D796348-123B-4F41-9E8E-3B5329376078}"/>
-              </a:ext>
-            </a:extLst>
-          </p:cNvPr>
-          <p:cNvSpPr>
-            <a:spLocks noGrp="1"/>
-          </p:cNvSpPr>
-          <p:nvPr>
-            <p:ph idx="1"/>
-          </p:nvPr>
-        </p:nvSpPr>
-        <p:spPr>
-          <a:xfrm>
-            <a:off x="838201" y="1401555"/>
-            <a:ext cx="4767470" cy="3634271"/>
-          </a:xfrm>
-        </p:spPr>
-        <p:txBody>
-          <a:bodyPr>
-            <a:normAutofit fontScale="55000" lnSpcReduction="20000"/>
-          </a:bodyPr>
-          <a:lstStyle/>
-          <a:p>
-            <a:pPr marL="0" indent="0">
-              <a:buNone/>
-            </a:pPr>
-            <a:r>
-              <a:rPr lang="it-IT" b="1" dirty="0"/>
-              <a:t>1. profit    sale    game  share   </a:t>
-            </a:r>
-            <a:r>
-              <a:rPr lang="it-IT" b="1" dirty="0" err="1"/>
-              <a:t>quarter</a:t>
-            </a:r>
-            <a:r>
-              <a:rPr lang="it-IT" b="1" dirty="0"/>
-              <a:t>   </a:t>
-            </a:r>
-            <a:r>
-              <a:rPr lang="it-IT" b="1" dirty="0" err="1"/>
-              <a:t>earn</a:t>
-            </a:r>
-            <a:endParaRPr lang="it-IT" b="1" dirty="0"/>
-          </a:p>
-          <a:p>
-            <a:pPr marL="0" indent="0">
-              <a:buNone/>
-            </a:pPr>
-            <a:r>
-              <a:rPr lang="it-IT" dirty="0"/>
-              <a:t>    2.52    1.45    1.31      1.16    0.97        0.91</a:t>
-            </a:r>
-          </a:p>
-          <a:p>
-            <a:pPr marL="0" indent="0">
-              <a:buNone/>
-            </a:pPr>
-            <a:r>
-              <a:rPr lang="it-IT" b="1" dirty="0"/>
-              <a:t>2. deficit   </a:t>
-            </a:r>
-            <a:r>
-              <a:rPr lang="it-IT" b="1" dirty="0" err="1"/>
-              <a:t>dollar</a:t>
-            </a:r>
-            <a:r>
-              <a:rPr lang="it-IT" b="1" dirty="0"/>
-              <a:t>   crude   budget   </a:t>
-            </a:r>
-            <a:r>
-              <a:rPr lang="it-IT" b="1" dirty="0" err="1"/>
-              <a:t>bush</a:t>
-            </a:r>
-            <a:endParaRPr lang="it-IT" b="1" dirty="0"/>
-          </a:p>
-          <a:p>
-            <a:pPr marL="0" indent="0">
-              <a:buNone/>
-            </a:pPr>
-            <a:r>
-              <a:rPr lang="it-IT" dirty="0"/>
-              <a:t>    2.02        2.01     1.46     1.27        1.12</a:t>
-            </a:r>
-          </a:p>
-          <a:p>
-            <a:pPr marL="0" indent="0">
-              <a:buNone/>
-            </a:pPr>
-            <a:r>
-              <a:rPr lang="it-IT" b="1" dirty="0"/>
-              <a:t>3. </a:t>
-            </a:r>
-            <a:r>
-              <a:rPr lang="it-IT" b="1" dirty="0" err="1"/>
-              <a:t>Yukos</a:t>
-            </a:r>
-            <a:r>
-              <a:rPr lang="it-IT" b="1" dirty="0"/>
-              <a:t>     Russia   Gazprom   court   </a:t>
-            </a:r>
-            <a:r>
-              <a:rPr lang="it-IT" b="1" dirty="0" err="1"/>
-              <a:t>Yugansk</a:t>
-            </a:r>
-            <a:r>
-              <a:rPr lang="it-IT" b="1" dirty="0"/>
-              <a:t>   </a:t>
-            </a:r>
-            <a:r>
-              <a:rPr lang="it-IT" b="1" dirty="0" err="1"/>
-              <a:t>Rosneft</a:t>
-            </a:r>
-            <a:endParaRPr lang="it-IT" b="1" dirty="0"/>
-          </a:p>
-          <a:p>
-            <a:pPr marL="0" indent="0">
-              <a:buNone/>
-            </a:pPr>
-            <a:r>
-              <a:rPr lang="it-IT" dirty="0"/>
-              <a:t>     3.97       3.45      1.76            1.68     1.51         1.43</a:t>
-            </a:r>
-          </a:p>
-          <a:p>
-            <a:pPr marL="0" indent="0">
-              <a:buNone/>
-            </a:pPr>
-            <a:r>
-              <a:rPr lang="it-IT" b="1" dirty="0"/>
-              <a:t>4. Fiat    </a:t>
-            </a:r>
-            <a:r>
-              <a:rPr lang="it-IT" b="1" dirty="0" err="1"/>
-              <a:t>italian</a:t>
-            </a:r>
-            <a:r>
-              <a:rPr lang="it-IT" b="1" dirty="0"/>
-              <a:t>   Romeo   Alfa    </a:t>
-            </a:r>
-            <a:r>
-              <a:rPr lang="it-IT" b="1" dirty="0" err="1"/>
-              <a:t>engine</a:t>
-            </a:r>
-            <a:r>
-              <a:rPr lang="it-IT" b="1" dirty="0"/>
-              <a:t>   </a:t>
-            </a:r>
-            <a:r>
-              <a:rPr lang="it-IT" b="1" dirty="0" err="1"/>
-              <a:t>Alliance</a:t>
-            </a:r>
-            <a:r>
-              <a:rPr lang="it-IT" b="1" dirty="0"/>
-              <a:t>  </a:t>
-            </a:r>
-          </a:p>
-          <a:p>
-            <a:pPr marL="0" indent="0">
-              <a:buNone/>
-            </a:pPr>
-            <a:r>
-              <a:rPr lang="it-IT" dirty="0"/>
-              <a:t>     2.99   0.74      0.55        0.52   0.48       0.45</a:t>
-            </a:r>
-          </a:p>
-          <a:p>
-            <a:pPr marL="0" indent="0">
-              <a:buNone/>
-            </a:pPr>
-            <a:r>
-              <a:rPr lang="it-IT" b="1" dirty="0"/>
-              <a:t>5. </a:t>
-            </a:r>
-            <a:r>
-              <a:rPr lang="it-IT" b="1" dirty="0" err="1"/>
-              <a:t>economic</a:t>
-            </a:r>
-            <a:r>
-              <a:rPr lang="it-IT" b="1" dirty="0"/>
-              <a:t>   rate   </a:t>
-            </a:r>
-            <a:r>
-              <a:rPr lang="it-IT" b="1" dirty="0" err="1"/>
-              <a:t>growth</a:t>
-            </a:r>
-            <a:r>
-              <a:rPr lang="it-IT" b="1" dirty="0"/>
-              <a:t>   house   figure   </a:t>
-            </a:r>
-            <a:r>
-              <a:rPr lang="it-IT" b="1" dirty="0" err="1"/>
-              <a:t>manufacture</a:t>
-            </a:r>
-            <a:endParaRPr lang="it-IT" b="1" dirty="0"/>
-          </a:p>
-          <a:p>
-            <a:pPr marL="0" indent="0">
-              <a:buNone/>
-            </a:pPr>
-            <a:r>
-              <a:rPr lang="it-IT" dirty="0"/>
-              <a:t>     3.01             2.99   2.22        1.76      1.76      1.62</a:t>
-            </a:r>
-          </a:p>
-          <a:p>
-            <a:pPr marL="0" indent="0">
-              <a:buNone/>
-            </a:pPr>
-            <a:r>
-              <a:rPr lang="it-IT" b="1" dirty="0"/>
-              <a:t>6.  China    </a:t>
-            </a:r>
-            <a:r>
-              <a:rPr lang="it-IT" b="1" dirty="0" err="1"/>
-              <a:t>bank</a:t>
-            </a:r>
-            <a:r>
-              <a:rPr lang="it-IT" b="1" dirty="0"/>
-              <a:t>     Rover   Yuan   </a:t>
-            </a:r>
-            <a:r>
-              <a:rPr lang="it-IT" b="1" dirty="0" err="1"/>
-              <a:t>project</a:t>
-            </a:r>
-            <a:r>
-              <a:rPr lang="it-IT" b="1" dirty="0"/>
-              <a:t>   </a:t>
-            </a:r>
-            <a:r>
-              <a:rPr lang="it-IT" b="1" dirty="0" err="1"/>
-              <a:t>foreign</a:t>
-            </a:r>
-            <a:endParaRPr lang="it-IT" b="1" dirty="0"/>
-          </a:p>
-          <a:p>
-            <a:pPr marL="0" indent="0">
-              <a:buNone/>
-            </a:pPr>
-            <a:r>
-              <a:rPr lang="it-IT" dirty="0"/>
-              <a:t>      2.93     2.61        0.96     0.80    0.71       0.70</a:t>
-            </a:r>
-          </a:p>
-          <a:p>
-            <a:pPr marL="514350" indent="-514350">
-              <a:buAutoNum type="arabicPeriod" startAt="9"/>
-            </a:pPr>
-            <a:endParaRPr lang="it-IT" b="1" dirty="0"/>
-          </a:p>
-        </p:txBody>
-      </p:sp>
-      <p:sp>
-        <p:nvSpPr>
-          <p:cNvPr id="7" name="CasellaDiTesto 6">
-            <a:extLst>
-              <a:ext uri="{FF2B5EF4-FFF2-40B4-BE49-F238E27FC236}">
-                <a16:creationId xmlns:a16="http://schemas.microsoft.com/office/drawing/2014/main" id="{0CC93D94-83A7-4AD6-BC5E-A5D7663227EF}"/>
-              </a:ext>
-            </a:extLst>
-          </p:cNvPr>
-          <p:cNvSpPr txBox="1"/>
-          <p:nvPr/>
-        </p:nvSpPr>
-        <p:spPr>
-          <a:xfrm>
-            <a:off x="6096000" y="1401555"/>
-            <a:ext cx="5976730" cy="3231654"/>
-          </a:xfrm>
-          <a:prstGeom prst="rect">
-            <a:avLst/>
-          </a:prstGeom>
-          <a:noFill/>
-        </p:spPr>
-        <p:txBody>
-          <a:bodyPr wrap="square" rtlCol="0">
-            <a:spAutoFit/>
-          </a:bodyPr>
-          <a:lstStyle/>
-          <a:p>
-            <a:r>
-              <a:rPr lang="it-IT" b="1" dirty="0"/>
-              <a:t>7. </a:t>
-            </a:r>
-            <a:r>
-              <a:rPr lang="it-IT" sz="1500" b="1" dirty="0"/>
-              <a:t> </a:t>
-            </a:r>
-            <a:r>
-              <a:rPr lang="it-IT" sz="1500" b="1" dirty="0" err="1"/>
-              <a:t>countries</a:t>
-            </a:r>
-            <a:r>
-              <a:rPr lang="it-IT" sz="1500" b="1" dirty="0"/>
-              <a:t>    </a:t>
-            </a:r>
-            <a:r>
-              <a:rPr lang="it-IT" sz="1500" b="1" dirty="0" err="1"/>
-              <a:t>drug</a:t>
-            </a:r>
-            <a:r>
-              <a:rPr lang="it-IT" sz="1500" b="1" dirty="0"/>
-              <a:t>    </a:t>
-            </a:r>
-            <a:r>
-              <a:rPr lang="it-IT" sz="1500" b="1" dirty="0" err="1"/>
-              <a:t>people</a:t>
-            </a:r>
-            <a:r>
-              <a:rPr lang="it-IT" sz="1500" b="1" dirty="0"/>
-              <a:t>   Indonesia   </a:t>
-            </a:r>
-            <a:r>
-              <a:rPr lang="it-IT" sz="1500" b="1" dirty="0" err="1"/>
-              <a:t>economic</a:t>
-            </a:r>
-            <a:r>
-              <a:rPr lang="it-IT" sz="1500" b="1" dirty="0"/>
-              <a:t>   </a:t>
-            </a:r>
-            <a:r>
-              <a:rPr lang="it-IT" sz="1500" b="1" dirty="0" err="1"/>
-              <a:t>disaster</a:t>
-            </a:r>
-            <a:r>
-              <a:rPr lang="it-IT" sz="1500" b="1" dirty="0"/>
-              <a:t> </a:t>
-            </a:r>
-          </a:p>
-          <a:p>
-            <a:r>
-              <a:rPr lang="it-IT" sz="1500" dirty="0"/>
-              <a:t>      1.09              0.93    0.93        0.84              0.79            0.78</a:t>
-            </a:r>
-          </a:p>
-          <a:p>
-            <a:r>
-              <a:rPr lang="it-IT" sz="1500" b="1" dirty="0"/>
-              <a:t>8.  </a:t>
-            </a:r>
-            <a:r>
-              <a:rPr lang="it-IT" sz="1500" b="1" dirty="0" err="1"/>
-              <a:t>airline</a:t>
-            </a:r>
-            <a:r>
-              <a:rPr lang="it-IT" sz="1500" b="1" dirty="0"/>
-              <a:t>   India   </a:t>
-            </a:r>
-            <a:r>
-              <a:rPr lang="it-IT" sz="1500" b="1" dirty="0" err="1"/>
-              <a:t>flight</a:t>
-            </a:r>
-            <a:r>
-              <a:rPr lang="it-IT" sz="1500" b="1" dirty="0"/>
-              <a:t>   </a:t>
-            </a:r>
-            <a:r>
-              <a:rPr lang="it-IT" sz="1500" b="1" dirty="0" err="1"/>
-              <a:t>plane</a:t>
-            </a:r>
-            <a:r>
-              <a:rPr lang="it-IT" sz="1500" b="1" dirty="0"/>
-              <a:t>   </a:t>
-            </a:r>
-            <a:r>
-              <a:rPr lang="it-IT" sz="1500" b="1" dirty="0" err="1"/>
-              <a:t>carrier</a:t>
-            </a:r>
-            <a:r>
-              <a:rPr lang="it-IT" sz="1500" b="1" dirty="0"/>
-              <a:t>   </a:t>
-            </a:r>
-            <a:r>
-              <a:rPr lang="it-IT" sz="1500" b="1" dirty="0" err="1"/>
-              <a:t>Quantas</a:t>
-            </a:r>
-            <a:endParaRPr lang="it-IT" sz="1500" b="1" dirty="0"/>
-          </a:p>
-          <a:p>
-            <a:r>
-              <a:rPr lang="it-IT" sz="1500" dirty="0"/>
-              <a:t>     3.59       1.77     1.28      1.12    1,11       0.99</a:t>
-            </a:r>
-          </a:p>
-          <a:p>
-            <a:r>
-              <a:rPr lang="it-IT" sz="1500" b="1" dirty="0"/>
-              <a:t>9.  </a:t>
-            </a:r>
-            <a:r>
-              <a:rPr lang="it-IT" sz="1500" b="1" dirty="0" err="1"/>
-              <a:t>retail</a:t>
-            </a:r>
-            <a:r>
-              <a:rPr lang="it-IT" sz="1500" b="1" dirty="0"/>
-              <a:t>   sale     store   </a:t>
-            </a:r>
-            <a:r>
-              <a:rPr lang="it-IT" sz="1500" b="1" dirty="0" err="1"/>
-              <a:t>mart</a:t>
-            </a:r>
-            <a:r>
-              <a:rPr lang="it-IT" sz="1500" b="1" dirty="0"/>
-              <a:t>   card     </a:t>
-            </a:r>
-            <a:r>
-              <a:rPr lang="it-IT" sz="1500" b="1" dirty="0" err="1"/>
-              <a:t>christmas</a:t>
-            </a:r>
-            <a:endParaRPr lang="it-IT" sz="1500" b="1" dirty="0"/>
-          </a:p>
-          <a:p>
-            <a:r>
-              <a:rPr lang="it-IT" sz="1500" b="1" dirty="0"/>
-              <a:t>     </a:t>
-            </a:r>
-            <a:r>
-              <a:rPr lang="it-IT" sz="1500" dirty="0"/>
-              <a:t>1.76       1.65    1.62     0.89     0.82     0.78   </a:t>
-            </a:r>
-          </a:p>
-          <a:p>
-            <a:pPr marL="342900" indent="-342900">
-              <a:buAutoNum type="arabicPeriod" startAt="10"/>
-            </a:pPr>
-            <a:r>
-              <a:rPr lang="it-IT" sz="1500" b="1" dirty="0" err="1"/>
-              <a:t>Ebbers</a:t>
-            </a:r>
-            <a:r>
-              <a:rPr lang="it-IT" sz="1500" b="1" dirty="0"/>
-              <a:t>   </a:t>
-            </a:r>
-            <a:r>
-              <a:rPr lang="it-IT" sz="1500" b="1" dirty="0" err="1"/>
-              <a:t>Worldcom</a:t>
-            </a:r>
-            <a:r>
-              <a:rPr lang="it-IT" sz="1500" b="1" dirty="0"/>
-              <a:t>   Sullivan   </a:t>
-            </a:r>
-            <a:r>
-              <a:rPr lang="it-IT" sz="1500" b="1" dirty="0" err="1"/>
-              <a:t>fraud</a:t>
-            </a:r>
-            <a:r>
-              <a:rPr lang="it-IT" sz="1500" b="1" dirty="0"/>
-              <a:t>   </a:t>
-            </a:r>
-            <a:r>
-              <a:rPr lang="it-IT" sz="1500" b="1" dirty="0" err="1"/>
-              <a:t>Verizon</a:t>
-            </a:r>
-            <a:r>
-              <a:rPr lang="it-IT" sz="1500" b="1" dirty="0"/>
-              <a:t>   </a:t>
-            </a:r>
-            <a:r>
-              <a:rPr lang="it-IT" sz="1500" b="1" dirty="0" err="1"/>
-              <a:t>Qwest</a:t>
-            </a:r>
-            <a:endParaRPr lang="it-IT" sz="1500" b="1" dirty="0"/>
-          </a:p>
-          <a:p>
-            <a:r>
-              <a:rPr lang="it-IT" sz="1500" b="1" dirty="0"/>
-              <a:t>       </a:t>
-            </a:r>
-            <a:r>
-              <a:rPr lang="it-IT" sz="1500" dirty="0"/>
-              <a:t>2.16        2.00              1.29         1.22     0.80         0.75</a:t>
-            </a:r>
-          </a:p>
-          <a:p>
-            <a:r>
-              <a:rPr lang="it-IT" sz="1500" b="1" dirty="0"/>
-              <a:t>11.  </a:t>
-            </a:r>
-            <a:r>
-              <a:rPr lang="it-IT" sz="1500" b="1" dirty="0" err="1"/>
-              <a:t>insurance</a:t>
-            </a:r>
-            <a:r>
-              <a:rPr lang="it-IT" sz="1500" b="1" dirty="0"/>
-              <a:t>   </a:t>
-            </a:r>
-            <a:r>
-              <a:rPr lang="it-IT" sz="1500" b="1" dirty="0" err="1"/>
-              <a:t>Marsh</a:t>
-            </a:r>
-            <a:r>
-              <a:rPr lang="it-IT" sz="1500" b="1" dirty="0"/>
-              <a:t>   </a:t>
-            </a:r>
-            <a:r>
-              <a:rPr lang="it-IT" sz="1500" b="1" dirty="0" err="1"/>
-              <a:t>Spitzer</a:t>
-            </a:r>
-            <a:r>
-              <a:rPr lang="it-IT" sz="1500" b="1" dirty="0"/>
-              <a:t>   Citigroup   </a:t>
-            </a:r>
-            <a:r>
-              <a:rPr lang="it-IT" sz="1500" b="1" dirty="0" err="1"/>
-              <a:t>pension</a:t>
-            </a:r>
-            <a:r>
-              <a:rPr lang="it-IT" sz="1500" b="1" dirty="0"/>
-              <a:t>   broker</a:t>
-            </a:r>
-          </a:p>
-          <a:p>
-            <a:r>
-              <a:rPr lang="it-IT" sz="1500" b="1" dirty="0"/>
-              <a:t>        </a:t>
-            </a:r>
-            <a:r>
-              <a:rPr lang="it-IT" sz="1500" dirty="0"/>
-              <a:t>1.73            1.61        0.75        0.60            0.60         0.53</a:t>
-            </a:r>
-          </a:p>
-          <a:p>
-            <a:pPr marL="342900" indent="-342900">
-              <a:buAutoNum type="arabicPeriod" startAt="12"/>
-            </a:pPr>
-            <a:r>
-              <a:rPr lang="it-IT" sz="1500" b="1" dirty="0" err="1"/>
-              <a:t>B</a:t>
-            </a:r>
-            <a:r>
-              <a:rPr lang="it-IT" sz="1600" dirty="0" err="1"/>
-              <a:t>ö</a:t>
-            </a:r>
-            <a:r>
-              <a:rPr lang="it-IT" sz="1500" b="1" dirty="0" err="1"/>
-              <a:t>rse</a:t>
-            </a:r>
-            <a:r>
-              <a:rPr lang="it-IT" sz="1500" b="1" dirty="0"/>
-              <a:t>   </a:t>
-            </a:r>
-            <a:r>
-              <a:rPr lang="it-IT" sz="1500" b="1" dirty="0" err="1"/>
-              <a:t>deutsche</a:t>
-            </a:r>
-            <a:r>
-              <a:rPr lang="it-IT" sz="1500" b="1" dirty="0"/>
-              <a:t>  </a:t>
-            </a:r>
-            <a:r>
-              <a:rPr lang="it-IT" sz="1500" b="1" dirty="0" err="1"/>
-              <a:t>Euronext</a:t>
-            </a:r>
-            <a:r>
-              <a:rPr lang="it-IT" sz="1500" b="1" dirty="0"/>
-              <a:t>  </a:t>
-            </a:r>
-            <a:r>
-              <a:rPr lang="it-IT" sz="1500" b="1" dirty="0" err="1"/>
-              <a:t>Fosters</a:t>
-            </a:r>
-            <a:r>
-              <a:rPr lang="it-IT" sz="1500" b="1" dirty="0"/>
-              <a:t>   </a:t>
-            </a:r>
-            <a:r>
-              <a:rPr lang="it-IT" sz="1500" b="1" dirty="0" err="1"/>
-              <a:t>takeover</a:t>
-            </a:r>
-            <a:r>
-              <a:rPr lang="it-IT" sz="1500" b="1" dirty="0"/>
-              <a:t>   </a:t>
-            </a:r>
-            <a:r>
-              <a:rPr lang="it-IT" sz="1500" b="1" dirty="0" err="1"/>
-              <a:t>London</a:t>
-            </a:r>
-            <a:endParaRPr lang="it-IT" sz="1500" b="1" dirty="0"/>
-          </a:p>
-          <a:p>
-            <a:r>
-              <a:rPr lang="it-IT" sz="1500" dirty="0"/>
-              <a:t>      2.15         1.83            1.21          1.07        0.87           0.79</a:t>
-            </a:r>
-          </a:p>
-          <a:p>
-            <a:endParaRPr lang="it-IT" dirty="0"/>
-          </a:p>
-        </p:txBody>
-      </p:sp>
-    </p:spTree>
-    <p:extLst>
-      <p:ext uri="{BB962C8B-B14F-4D97-AF65-F5344CB8AC3E}">
-        <p14:creationId xmlns:p14="http://schemas.microsoft.com/office/powerpoint/2010/main" val="866454138"/>
-      </p:ext>
-    </p:extLst>
-  </p:cSld>
-  <p:clrMapOvr>
-    <a:masterClrMapping/>
-  </p:clrMapOvr>
-</p:sld>
-</file>
-
-<file path=ppt/slides/slide6.xml><?xml version="1.0" encoding="utf-8"?>
-<p:sld xmlns:a="http://schemas.openxmlformats.org/drawingml/2006/main" xmlns:r="http://schemas.openxmlformats.org/officeDocument/2006/relationships" xmlns:p="http://schemas.openxmlformats.org/presentationml/2006/main">
-  <p:cSld>
-    <p:spTree>
-      <p:nvGrpSpPr>
-        <p:cNvPr id="1" name=""/>
-        <p:cNvGrpSpPr/>
-        <p:nvPr/>
-      </p:nvGrpSpPr>
-      <p:grpSpPr>
-        <a:xfrm>
-          <a:off x="0" y="0"/>
-          <a:ext cx="0" cy="0"/>
-          <a:chOff x="0" y="0"/>
-          <a:chExt cx="0" cy="0"/>
-        </a:xfrm>
-      </p:grpSpPr>
-      <p:sp>
-        <p:nvSpPr>
-          <p:cNvPr id="2" name="Titolo 1">
-            <a:extLst>
-              <a:ext uri="{FF2B5EF4-FFF2-40B4-BE49-F238E27FC236}">
-                <a16:creationId xmlns:a16="http://schemas.microsoft.com/office/drawing/2014/main" id="{6C43A2E6-E22C-4CC3-9480-6CFB0CD86685}"/>
-              </a:ext>
-            </a:extLst>
-          </p:cNvPr>
-          <p:cNvSpPr>
-            <a:spLocks noGrp="1"/>
-          </p:cNvSpPr>
-          <p:nvPr>
-            <p:ph type="title"/>
-          </p:nvPr>
-        </p:nvSpPr>
-        <p:spPr/>
-        <p:txBody>
-          <a:bodyPr/>
-          <a:lstStyle/>
-          <a:p>
-            <a:r>
-              <a:rPr lang="it-IT" dirty="0"/>
-              <a:t>COSTRUZIONE MANUALE DEL BENCHMARK</a:t>
-            </a:r>
-          </a:p>
-        </p:txBody>
-      </p:sp>
-      <p:sp>
-        <p:nvSpPr>
-          <p:cNvPr id="3" name="Segnaposto contenuto 2">
-            <a:extLst>
-              <a:ext uri="{FF2B5EF4-FFF2-40B4-BE49-F238E27FC236}">
-                <a16:creationId xmlns:a16="http://schemas.microsoft.com/office/drawing/2014/main" id="{E15EB9F8-3F9E-4FB0-9E80-D3A60AA91E79}"/>
-              </a:ext>
-            </a:extLst>
-          </p:cNvPr>
-          <p:cNvSpPr>
-            <a:spLocks noGrp="1"/>
-          </p:cNvSpPr>
-          <p:nvPr>
-            <p:ph idx="1"/>
-          </p:nvPr>
-        </p:nvSpPr>
-        <p:spPr/>
-        <p:txBody>
-          <a:bodyPr>
-            <a:normAutofit fontScale="62500" lnSpcReduction="20000"/>
-          </a:bodyPr>
-          <a:lstStyle/>
-          <a:p>
-            <a:r>
-              <a:rPr lang="it-IT" dirty="0"/>
-              <a:t>Selezione manuale delle parole maggiormente identificative di ogni gruppo:</a:t>
-            </a:r>
-          </a:p>
-          <a:p>
-            <a:pPr marL="514350" indent="-514350">
-              <a:buAutoNum type="arabicParenR"/>
-            </a:pPr>
-            <a:r>
-              <a:rPr lang="it-IT" dirty="0"/>
-              <a:t>profit, sale, game, share, </a:t>
-            </a:r>
-            <a:r>
-              <a:rPr lang="it-IT" dirty="0" err="1"/>
-              <a:t>earn</a:t>
-            </a:r>
-            <a:r>
-              <a:rPr lang="it-IT" dirty="0"/>
-              <a:t>;</a:t>
-            </a:r>
-          </a:p>
-          <a:p>
-            <a:pPr marL="514350" indent="-514350">
-              <a:buAutoNum type="arabicParenR"/>
-            </a:pPr>
-            <a:r>
-              <a:rPr lang="it-IT" dirty="0" err="1"/>
-              <a:t>dollar</a:t>
-            </a:r>
-            <a:r>
-              <a:rPr lang="it-IT" dirty="0"/>
-              <a:t>, crude, deficit, Bush, </a:t>
-            </a:r>
-            <a:r>
-              <a:rPr lang="it-IT" dirty="0" err="1"/>
-              <a:t>barrel</a:t>
-            </a:r>
-            <a:r>
-              <a:rPr lang="it-IT" dirty="0"/>
-              <a:t>;</a:t>
-            </a:r>
-          </a:p>
-          <a:p>
-            <a:pPr marL="514350" indent="-514350">
-              <a:buAutoNum type="arabicParenR"/>
-            </a:pPr>
-            <a:r>
-              <a:rPr lang="it-IT" dirty="0" err="1"/>
-              <a:t>Yukos</a:t>
-            </a:r>
-            <a:r>
-              <a:rPr lang="it-IT" dirty="0"/>
-              <a:t>, Russia, Gazprom, court, </a:t>
-            </a:r>
-            <a:r>
-              <a:rPr lang="it-IT" dirty="0" err="1"/>
-              <a:t>auction</a:t>
-            </a:r>
-            <a:r>
-              <a:rPr lang="it-IT" dirty="0"/>
-              <a:t>;</a:t>
-            </a:r>
-          </a:p>
-          <a:p>
-            <a:pPr marL="514350" indent="-514350">
-              <a:buAutoNum type="arabicParenR"/>
-            </a:pPr>
-            <a:r>
-              <a:rPr lang="it-IT" dirty="0"/>
-              <a:t>fiat, </a:t>
-            </a:r>
-            <a:r>
-              <a:rPr lang="it-IT" dirty="0" err="1"/>
-              <a:t>Italy</a:t>
-            </a:r>
-            <a:r>
-              <a:rPr lang="it-IT" dirty="0"/>
-              <a:t>, Saab, Opel, </a:t>
-            </a:r>
-            <a:r>
-              <a:rPr lang="it-IT" dirty="0" err="1"/>
-              <a:t>motor</a:t>
-            </a:r>
-            <a:r>
-              <a:rPr lang="it-IT" dirty="0"/>
-              <a:t>;</a:t>
-            </a:r>
-          </a:p>
-          <a:p>
-            <a:pPr marL="514350" indent="-514350">
-              <a:buAutoNum type="arabicParenR"/>
-            </a:pPr>
-            <a:r>
-              <a:rPr lang="it-IT" dirty="0"/>
-              <a:t>economy, </a:t>
-            </a:r>
-            <a:r>
-              <a:rPr lang="it-IT" dirty="0" err="1"/>
-              <a:t>growth</a:t>
-            </a:r>
-            <a:r>
-              <a:rPr lang="it-IT" dirty="0"/>
-              <a:t>, house, </a:t>
-            </a:r>
-            <a:r>
-              <a:rPr lang="it-IT" dirty="0" err="1"/>
-              <a:t>unemployed</a:t>
-            </a:r>
-            <a:r>
-              <a:rPr lang="it-IT" dirty="0"/>
-              <a:t>, </a:t>
-            </a:r>
-            <a:r>
-              <a:rPr lang="it-IT" dirty="0" err="1"/>
-              <a:t>inflation</a:t>
-            </a:r>
-            <a:r>
-              <a:rPr lang="it-IT" dirty="0"/>
-              <a:t>;</a:t>
-            </a:r>
-          </a:p>
-          <a:p>
-            <a:pPr marL="514350" indent="-514350">
-              <a:buAutoNum type="arabicParenR"/>
-            </a:pPr>
-            <a:r>
-              <a:rPr lang="it-IT" dirty="0"/>
-              <a:t>China, yuan, Japan, </a:t>
-            </a:r>
-            <a:r>
-              <a:rPr lang="it-IT" dirty="0" err="1"/>
-              <a:t>Israel</a:t>
-            </a:r>
-            <a:r>
-              <a:rPr lang="it-IT" dirty="0"/>
-              <a:t>, Islam;</a:t>
-            </a:r>
-          </a:p>
-          <a:p>
-            <a:pPr marL="514350" indent="-514350">
-              <a:buAutoNum type="arabicParenR"/>
-            </a:pPr>
-            <a:r>
-              <a:rPr lang="it-IT" dirty="0"/>
-              <a:t>Lanka, </a:t>
-            </a:r>
-            <a:r>
-              <a:rPr lang="it-IT" dirty="0" err="1"/>
-              <a:t>disaster</a:t>
-            </a:r>
-            <a:r>
-              <a:rPr lang="it-IT" dirty="0"/>
-              <a:t>, </a:t>
-            </a:r>
-            <a:r>
-              <a:rPr lang="it-IT" dirty="0" err="1"/>
-              <a:t>people</a:t>
-            </a:r>
-            <a:r>
-              <a:rPr lang="it-IT" dirty="0"/>
-              <a:t>, Indonesia, tsunami;</a:t>
-            </a:r>
-          </a:p>
-          <a:p>
-            <a:pPr marL="514350" indent="-514350">
-              <a:buAutoNum type="arabicParenR"/>
-            </a:pPr>
-            <a:r>
-              <a:rPr lang="it-IT" dirty="0" err="1"/>
-              <a:t>airline</a:t>
-            </a:r>
-            <a:r>
-              <a:rPr lang="it-IT" dirty="0"/>
-              <a:t>, India, </a:t>
-            </a:r>
-            <a:r>
-              <a:rPr lang="it-IT" dirty="0" err="1"/>
-              <a:t>Qantas</a:t>
-            </a:r>
-            <a:r>
-              <a:rPr lang="it-IT" dirty="0"/>
-              <a:t>, Airbus, Lufthansa;</a:t>
-            </a:r>
-          </a:p>
-          <a:p>
-            <a:pPr marL="514350" indent="-514350">
-              <a:buAutoNum type="arabicParenR"/>
-            </a:pPr>
-            <a:r>
-              <a:rPr lang="it-IT" dirty="0" err="1"/>
-              <a:t>Börse</a:t>
-            </a:r>
-            <a:r>
-              <a:rPr lang="it-IT" dirty="0"/>
-              <a:t>, </a:t>
-            </a:r>
-            <a:r>
-              <a:rPr lang="it-IT" dirty="0" err="1"/>
-              <a:t>deutsche</a:t>
-            </a:r>
-            <a:r>
-              <a:rPr lang="it-IT" dirty="0"/>
-              <a:t>, </a:t>
-            </a:r>
-            <a:r>
-              <a:rPr lang="it-IT" dirty="0" err="1"/>
-              <a:t>Euronext</a:t>
-            </a:r>
-            <a:r>
-              <a:rPr lang="it-IT" dirty="0"/>
-              <a:t>, </a:t>
-            </a:r>
-            <a:r>
-              <a:rPr lang="it-IT" dirty="0" err="1"/>
-              <a:t>takeover</a:t>
-            </a:r>
-            <a:r>
-              <a:rPr lang="it-IT" dirty="0"/>
-              <a:t>, </a:t>
-            </a:r>
-            <a:r>
-              <a:rPr lang="it-IT" dirty="0" err="1"/>
-              <a:t>shareholder</a:t>
-            </a:r>
-            <a:r>
-              <a:rPr lang="it-IT" dirty="0"/>
-              <a:t>;</a:t>
-            </a:r>
-          </a:p>
-          <a:p>
-            <a:pPr marL="514350" indent="-514350">
-              <a:buAutoNum type="arabicParenR"/>
-            </a:pPr>
-            <a:r>
-              <a:rPr lang="it-IT" dirty="0" err="1"/>
-              <a:t>retail</a:t>
-            </a:r>
-            <a:r>
-              <a:rPr lang="it-IT" dirty="0"/>
-              <a:t>, sale, store, </a:t>
-            </a:r>
-            <a:r>
-              <a:rPr lang="it-IT" dirty="0" err="1"/>
-              <a:t>christmas</a:t>
-            </a:r>
-            <a:r>
-              <a:rPr lang="it-IT" dirty="0"/>
-              <a:t>, Lvmh;</a:t>
-            </a:r>
-          </a:p>
-          <a:p>
-            <a:pPr marL="514350" indent="-514350">
-              <a:buAutoNum type="arabicParenR"/>
-            </a:pPr>
-            <a:r>
-              <a:rPr lang="it-IT" dirty="0" err="1"/>
-              <a:t>Ebbers</a:t>
-            </a:r>
-            <a:r>
-              <a:rPr lang="it-IT" dirty="0"/>
-              <a:t>, </a:t>
-            </a:r>
-            <a:r>
-              <a:rPr lang="it-IT" dirty="0" err="1"/>
-              <a:t>fraud</a:t>
-            </a:r>
-            <a:r>
-              <a:rPr lang="it-IT" dirty="0"/>
-              <a:t>, </a:t>
-            </a:r>
-            <a:r>
-              <a:rPr lang="it-IT" dirty="0" err="1"/>
-              <a:t>Verizon</a:t>
-            </a:r>
-            <a:r>
-              <a:rPr lang="it-IT" dirty="0"/>
-              <a:t>, </a:t>
-            </a:r>
-            <a:r>
-              <a:rPr lang="it-IT" dirty="0" err="1"/>
-              <a:t>Qwest</a:t>
-            </a:r>
-            <a:r>
-              <a:rPr lang="it-IT" dirty="0"/>
-              <a:t>, </a:t>
-            </a:r>
-            <a:r>
-              <a:rPr lang="it-IT" dirty="0" err="1"/>
-              <a:t>lawyer</a:t>
-            </a:r>
-            <a:r>
-              <a:rPr lang="it-IT" dirty="0"/>
-              <a:t>;</a:t>
-            </a:r>
-          </a:p>
-          <a:p>
-            <a:pPr marL="514350" indent="-514350">
-              <a:buAutoNum type="arabicParenR"/>
-            </a:pPr>
-            <a:r>
-              <a:rPr lang="it-IT" dirty="0" err="1"/>
-              <a:t>insurance</a:t>
-            </a:r>
-            <a:r>
-              <a:rPr lang="it-IT" dirty="0"/>
-              <a:t>, </a:t>
-            </a:r>
-            <a:r>
-              <a:rPr lang="it-IT" dirty="0" err="1"/>
-              <a:t>Marsh</a:t>
-            </a:r>
-            <a:r>
-              <a:rPr lang="it-IT" dirty="0"/>
-              <a:t>, </a:t>
-            </a:r>
-            <a:r>
-              <a:rPr lang="it-IT" dirty="0" err="1"/>
-              <a:t>pension</a:t>
-            </a:r>
-            <a:r>
-              <a:rPr lang="it-IT" dirty="0"/>
-              <a:t>, </a:t>
-            </a:r>
-            <a:r>
-              <a:rPr lang="it-IT" dirty="0" err="1"/>
-              <a:t>investigation</a:t>
-            </a:r>
-            <a:r>
-              <a:rPr lang="it-IT" dirty="0"/>
-              <a:t>, </a:t>
-            </a:r>
-            <a:r>
-              <a:rPr lang="it-IT" dirty="0" err="1"/>
-              <a:t>plead</a:t>
-            </a:r>
-            <a:r>
-              <a:rPr lang="it-IT" dirty="0"/>
-              <a:t>.</a:t>
-            </a:r>
-          </a:p>
-          <a:p>
-            <a:pPr marL="514350" indent="-514350">
-              <a:buAutoNum type="arabicParenR"/>
-            </a:pPr>
-            <a:endParaRPr lang="it-IT" dirty="0"/>
-          </a:p>
-          <a:p>
-            <a:pPr marL="514350" indent="-514350">
-              <a:buAutoNum type="arabicParenR"/>
-            </a:pPr>
-            <a:endParaRPr lang="it-IT" dirty="0"/>
-          </a:p>
-        </p:txBody>
-      </p:sp>
-    </p:spTree>
-    <p:extLst>
-      <p:ext uri="{BB962C8B-B14F-4D97-AF65-F5344CB8AC3E}">
-        <p14:creationId xmlns:p14="http://schemas.microsoft.com/office/powerpoint/2010/main" val="1339058791"/>
-      </p:ext>
-    </p:extLst>
-  </p:cSld>
-  <p:clrMapOvr>
-    <a:masterClrMapping/>
-  </p:clrMapOvr>
-</p:sld>
-</file>
-
-<file path=ppt/slides/slide7.xml><?xml version="1.0" encoding="utf-8"?>
-<p:sld xmlns:a="http://schemas.openxmlformats.org/drawingml/2006/main" xmlns:r="http://schemas.openxmlformats.org/officeDocument/2006/relationships" xmlns:p="http://schemas.openxmlformats.org/presentationml/2006/main">
-  <p:cSld>
-    <p:spTree>
-      <p:nvGrpSpPr>
-        <p:cNvPr id="1" name=""/>
-        <p:cNvGrpSpPr/>
-        <p:nvPr/>
-      </p:nvGrpSpPr>
-      <p:grpSpPr>
-        <a:xfrm>
-          <a:off x="0" y="0"/>
-          <a:ext cx="0" cy="0"/>
-          <a:chOff x="0" y="0"/>
-          <a:chExt cx="0" cy="0"/>
-        </a:xfrm>
-      </p:grpSpPr>
-      <p:sp>
-        <p:nvSpPr>
-          <p:cNvPr id="2" name="Titolo 1">
-            <a:extLst>
-              <a:ext uri="{FF2B5EF4-FFF2-40B4-BE49-F238E27FC236}">
-                <a16:creationId xmlns:a16="http://schemas.microsoft.com/office/drawing/2014/main" id="{9D050A9D-375A-4EB3-97C3-BB112A7BC98A}"/>
-              </a:ext>
-            </a:extLst>
-          </p:cNvPr>
-          <p:cNvSpPr>
-            <a:spLocks noGrp="1"/>
-          </p:cNvSpPr>
-          <p:nvPr>
-            <p:ph type="title"/>
-          </p:nvPr>
-        </p:nvSpPr>
-        <p:spPr/>
-        <p:txBody>
-          <a:bodyPr/>
-          <a:lstStyle/>
-          <a:p>
-            <a:r>
-              <a:rPr lang="it-IT" dirty="0"/>
-              <a:t>SELEZIONE AUTOMATIZZATA DEI TOPICS</a:t>
-            </a:r>
-          </a:p>
-        </p:txBody>
-      </p:sp>
-      <p:sp>
-        <p:nvSpPr>
-          <p:cNvPr id="3" name="Segnaposto contenuto 2">
-            <a:extLst>
-              <a:ext uri="{FF2B5EF4-FFF2-40B4-BE49-F238E27FC236}">
-                <a16:creationId xmlns:a16="http://schemas.microsoft.com/office/drawing/2014/main" id="{01BCD1EC-FDF4-424D-913A-37B4DDFD92ED}"/>
-              </a:ext>
-            </a:extLst>
-          </p:cNvPr>
-          <p:cNvSpPr>
-            <a:spLocks noGrp="1"/>
-          </p:cNvSpPr>
-          <p:nvPr>
-            <p:ph idx="1"/>
-          </p:nvPr>
-        </p:nvSpPr>
-        <p:spPr/>
-        <p:txBody>
-          <a:bodyPr/>
-          <a:lstStyle/>
-          <a:p>
-            <a:r>
-              <a:rPr lang="it-IT" dirty="0"/>
-              <a:t>Applicazione del modello </a:t>
-            </a:r>
-            <a:r>
-              <a:rPr lang="it-IT" dirty="0" err="1"/>
-              <a:t>Latent</a:t>
-            </a:r>
-            <a:r>
-              <a:rPr lang="it-IT" dirty="0"/>
-              <a:t> </a:t>
-            </a:r>
-            <a:r>
-              <a:rPr lang="it-IT" dirty="0" err="1"/>
-              <a:t>Dirichlet</a:t>
-            </a:r>
-            <a:r>
-              <a:rPr lang="it-IT" dirty="0"/>
-              <a:t> </a:t>
-            </a:r>
-            <a:r>
-              <a:rPr lang="it-IT" dirty="0" err="1"/>
-              <a:t>Allocation</a:t>
-            </a:r>
-            <a:r>
-              <a:rPr lang="it-IT" dirty="0"/>
-              <a:t> (LDA) al corpus di testi;</a:t>
-            </a:r>
-          </a:p>
-          <a:p>
-            <a:r>
-              <a:rPr lang="it-IT" dirty="0"/>
-              <a:t>selezione dei primi 5 termini per percentuale di appartenenza ai </a:t>
-            </a:r>
-            <a:r>
-              <a:rPr lang="it-IT" dirty="0" err="1"/>
-              <a:t>topics</a:t>
-            </a:r>
-            <a:r>
-              <a:rPr lang="it-IT" dirty="0"/>
-              <a:t> per ognuno dei 12;</a:t>
-            </a:r>
-          </a:p>
-        </p:txBody>
-      </p:sp>
-    </p:spTree>
-    <p:extLst>
-      <p:ext uri="{BB962C8B-B14F-4D97-AF65-F5344CB8AC3E}">
-        <p14:creationId xmlns:p14="http://schemas.microsoft.com/office/powerpoint/2010/main" val="2979503268"/>
-      </p:ext>
-    </p:extLst>
-  </p:cSld>
-  <p:clrMapOvr>
-    <a:masterClrMapping/>
-  </p:clrMapOvr>
-</p:sld>
-</file>
-
-<file path=ppt/slides/slide8.xml><?xml version="1.0" encoding="utf-8"?>
-<p:sld xmlns:a="http://schemas.openxmlformats.org/drawingml/2006/main" xmlns:r="http://schemas.openxmlformats.org/officeDocument/2006/relationships" xmlns:p="http://schemas.openxmlformats.org/presentationml/2006/main">
-  <p:cSld>
-    <p:spTree>
-      <p:nvGrpSpPr>
-        <p:cNvPr id="1" name=""/>
-        <p:cNvGrpSpPr/>
-        <p:nvPr/>
-      </p:nvGrpSpPr>
-      <p:grpSpPr>
-        <a:xfrm>
-          <a:off x="0" y="0"/>
-          <a:ext cx="0" cy="0"/>
-          <a:chOff x="0" y="0"/>
-          <a:chExt cx="0" cy="0"/>
-        </a:xfrm>
-      </p:grpSpPr>
-      <p:sp>
-        <p:nvSpPr>
-          <p:cNvPr id="2" name="Titolo 1">
-            <a:extLst>
-              <a:ext uri="{FF2B5EF4-FFF2-40B4-BE49-F238E27FC236}">
-                <a16:creationId xmlns:a16="http://schemas.microsoft.com/office/drawing/2014/main" id="{C0DD7025-EAE2-4A15-81C9-A0C54FE8EA07}"/>
-              </a:ext>
-            </a:extLst>
-          </p:cNvPr>
-          <p:cNvSpPr>
-            <a:spLocks noGrp="1"/>
-          </p:cNvSpPr>
-          <p:nvPr>
-            <p:ph type="title"/>
-          </p:nvPr>
-        </p:nvSpPr>
-        <p:spPr/>
-        <p:txBody>
-          <a:bodyPr/>
-          <a:lstStyle/>
-          <a:p>
-            <a:r>
-              <a:rPr lang="it-IT" dirty="0"/>
-              <a:t>TOPICS SELEZIONATI AUTOMATICAMENTE</a:t>
-            </a:r>
-          </a:p>
-        </p:txBody>
-      </p:sp>
-      <p:sp>
-        <p:nvSpPr>
-          <p:cNvPr id="3" name="Segnaposto contenuto 2">
-            <a:extLst>
-              <a:ext uri="{FF2B5EF4-FFF2-40B4-BE49-F238E27FC236}">
-                <a16:creationId xmlns:a16="http://schemas.microsoft.com/office/drawing/2014/main" id="{214F0052-1EE1-4C92-8D70-E12A9DE61BA8}"/>
-              </a:ext>
-            </a:extLst>
-          </p:cNvPr>
-          <p:cNvSpPr>
-            <a:spLocks noGrp="1"/>
-          </p:cNvSpPr>
-          <p:nvPr>
-            <p:ph idx="1"/>
-          </p:nvPr>
-        </p:nvSpPr>
-        <p:spPr/>
-        <p:txBody>
-          <a:bodyPr>
-            <a:normAutofit fontScale="77500" lnSpcReduction="20000"/>
-          </a:bodyPr>
-          <a:lstStyle/>
-          <a:p>
-            <a:pPr marL="514350" indent="-514350">
-              <a:buAutoNum type="arabicParenR"/>
-            </a:pPr>
-            <a:r>
-              <a:rPr lang="it-IT" dirty="0" err="1"/>
-              <a:t>dollar</a:t>
-            </a:r>
-            <a:r>
-              <a:rPr lang="it-IT" dirty="0"/>
-              <a:t>, deficit, euro, budget, trade;</a:t>
-            </a:r>
-          </a:p>
-          <a:p>
-            <a:pPr marL="514350" indent="-514350">
-              <a:buAutoNum type="arabicParenR"/>
-            </a:pPr>
-            <a:r>
-              <a:rPr lang="it-IT" dirty="0" err="1"/>
-              <a:t>bank</a:t>
-            </a:r>
-            <a:r>
-              <a:rPr lang="it-IT" dirty="0"/>
-              <a:t>, companies, </a:t>
-            </a:r>
-            <a:r>
-              <a:rPr lang="it-IT" dirty="0" err="1"/>
-              <a:t>firm</a:t>
-            </a:r>
-            <a:r>
-              <a:rPr lang="it-IT" dirty="0"/>
-              <a:t>, deal, </a:t>
-            </a:r>
-            <a:r>
-              <a:rPr lang="it-IT" dirty="0" err="1"/>
-              <a:t>financial</a:t>
-            </a:r>
-            <a:r>
-              <a:rPr lang="it-IT" dirty="0"/>
-              <a:t>;</a:t>
-            </a:r>
-          </a:p>
-          <a:p>
-            <a:pPr marL="514350" indent="-514350">
-              <a:buAutoNum type="arabicParenR"/>
-            </a:pPr>
-            <a:r>
-              <a:rPr lang="it-IT" dirty="0"/>
-              <a:t>companies, </a:t>
-            </a:r>
-            <a:r>
-              <a:rPr lang="it-IT" dirty="0" err="1"/>
-              <a:t>firm</a:t>
-            </a:r>
-            <a:r>
-              <a:rPr lang="it-IT" dirty="0"/>
-              <a:t>, </a:t>
-            </a:r>
-            <a:r>
-              <a:rPr lang="it-IT" dirty="0" err="1"/>
-              <a:t>Worldcom</a:t>
-            </a:r>
-            <a:r>
-              <a:rPr lang="it-IT" dirty="0"/>
-              <a:t>, </a:t>
-            </a:r>
-            <a:r>
-              <a:rPr lang="it-IT" dirty="0" err="1"/>
-              <a:t>Ebbers</a:t>
-            </a:r>
-            <a:r>
-              <a:rPr lang="it-IT" dirty="0"/>
-              <a:t>, </a:t>
-            </a:r>
-            <a:r>
-              <a:rPr lang="it-IT" dirty="0" err="1"/>
-              <a:t>telecom</a:t>
-            </a:r>
-            <a:r>
-              <a:rPr lang="it-IT" dirty="0"/>
-              <a:t>;</a:t>
-            </a:r>
-          </a:p>
-          <a:p>
-            <a:pPr marL="514350" indent="-514350">
-              <a:buAutoNum type="arabicParenR"/>
-            </a:pPr>
-            <a:r>
-              <a:rPr lang="it-IT" dirty="0"/>
-              <a:t>Russia, </a:t>
-            </a:r>
-            <a:r>
-              <a:rPr lang="it-IT" dirty="0" err="1"/>
-              <a:t>Yukos</a:t>
-            </a:r>
-            <a:r>
-              <a:rPr lang="it-IT" dirty="0"/>
-              <a:t>, court, companies, </a:t>
-            </a:r>
-            <a:r>
-              <a:rPr lang="it-IT" dirty="0" err="1"/>
-              <a:t>firm</a:t>
-            </a:r>
-            <a:r>
-              <a:rPr lang="it-IT" dirty="0"/>
-              <a:t>;</a:t>
-            </a:r>
-          </a:p>
-          <a:p>
-            <a:pPr marL="0" indent="0">
-              <a:buNone/>
-            </a:pPr>
-            <a:r>
-              <a:rPr lang="it-IT" dirty="0"/>
-              <a:t>5) </a:t>
-            </a:r>
-            <a:r>
-              <a:rPr lang="it-IT" dirty="0" err="1"/>
-              <a:t>airline</a:t>
-            </a:r>
-            <a:r>
-              <a:rPr lang="it-IT" dirty="0"/>
-              <a:t>, cost, report, </a:t>
-            </a:r>
-            <a:r>
-              <a:rPr lang="it-IT" dirty="0" err="1"/>
-              <a:t>fuel</a:t>
-            </a:r>
-            <a:r>
-              <a:rPr lang="it-IT" dirty="0"/>
-              <a:t>, India;</a:t>
-            </a:r>
-          </a:p>
-          <a:p>
-            <a:pPr marL="514350" indent="-514350">
-              <a:buAutoNum type="arabicParenR" startAt="6"/>
-            </a:pPr>
-            <a:r>
-              <a:rPr lang="it-IT" dirty="0" err="1"/>
-              <a:t>offer</a:t>
-            </a:r>
-            <a:r>
-              <a:rPr lang="it-IT" dirty="0"/>
-              <a:t>, </a:t>
-            </a:r>
-            <a:r>
-              <a:rPr lang="it-IT" dirty="0" err="1"/>
-              <a:t>deutsche</a:t>
-            </a:r>
-            <a:r>
-              <a:rPr lang="it-IT" dirty="0"/>
-              <a:t>, share, </a:t>
-            </a:r>
-            <a:r>
-              <a:rPr lang="it-IT" dirty="0" err="1"/>
-              <a:t>Börse</a:t>
-            </a:r>
-            <a:r>
-              <a:rPr lang="it-IT" dirty="0"/>
-              <a:t>, </a:t>
-            </a:r>
-            <a:r>
-              <a:rPr lang="it-IT" dirty="0" err="1"/>
-              <a:t>London</a:t>
-            </a:r>
-            <a:r>
-              <a:rPr lang="it-IT" dirty="0"/>
-              <a:t>;</a:t>
-            </a:r>
-          </a:p>
-          <a:p>
-            <a:pPr marL="514350" indent="-514350">
-              <a:buAutoNum type="arabicParenR" startAt="6"/>
-            </a:pPr>
-            <a:r>
-              <a:rPr lang="it-IT" dirty="0" err="1"/>
-              <a:t>price</a:t>
-            </a:r>
-            <a:r>
-              <a:rPr lang="it-IT" dirty="0"/>
-              <a:t>, house, market, China, </a:t>
-            </a:r>
-            <a:r>
-              <a:rPr lang="it-IT" dirty="0" err="1"/>
-              <a:t>mortgage</a:t>
-            </a:r>
-            <a:r>
-              <a:rPr lang="it-IT" dirty="0"/>
-              <a:t>;</a:t>
-            </a:r>
-          </a:p>
-          <a:p>
-            <a:pPr marL="514350" indent="-514350">
-              <a:buAutoNum type="arabicParenR" startAt="6"/>
-            </a:pPr>
-            <a:r>
-              <a:rPr lang="it-IT" dirty="0" err="1"/>
-              <a:t>economic</a:t>
-            </a:r>
-            <a:r>
-              <a:rPr lang="it-IT" dirty="0"/>
-              <a:t>, </a:t>
-            </a:r>
-            <a:r>
-              <a:rPr lang="it-IT" dirty="0" err="1"/>
-              <a:t>growth</a:t>
-            </a:r>
-            <a:r>
-              <a:rPr lang="it-IT" dirty="0"/>
-              <a:t>, rate, rise, figure;</a:t>
-            </a:r>
-          </a:p>
-          <a:p>
-            <a:pPr marL="514350" indent="-514350">
-              <a:buAutoNum type="arabicParenR" startAt="6"/>
-            </a:pPr>
-            <a:r>
-              <a:rPr lang="it-IT" dirty="0"/>
-              <a:t>club, </a:t>
-            </a:r>
-            <a:r>
-              <a:rPr lang="it-IT" dirty="0" err="1"/>
-              <a:t>unit</a:t>
-            </a:r>
-            <a:r>
-              <a:rPr lang="it-IT" dirty="0"/>
-              <a:t>, </a:t>
-            </a:r>
-            <a:r>
-              <a:rPr lang="it-IT" dirty="0" err="1"/>
-              <a:t>Glazer</a:t>
-            </a:r>
-            <a:r>
-              <a:rPr lang="it-IT" dirty="0"/>
-              <a:t>, </a:t>
-            </a:r>
-            <a:r>
-              <a:rPr lang="it-IT" dirty="0" err="1"/>
-              <a:t>invest</a:t>
-            </a:r>
-            <a:r>
-              <a:rPr lang="it-IT" dirty="0"/>
-              <a:t>, Argentina;</a:t>
-            </a:r>
-          </a:p>
-          <a:p>
-            <a:pPr marL="514350" indent="-514350">
-              <a:buAutoNum type="arabicParenR" startAt="6"/>
-            </a:pPr>
-            <a:r>
-              <a:rPr lang="it-IT" dirty="0" err="1"/>
-              <a:t>economic</a:t>
-            </a:r>
-            <a:r>
-              <a:rPr lang="it-IT" dirty="0"/>
-              <a:t>, </a:t>
-            </a:r>
-            <a:r>
-              <a:rPr lang="it-IT" dirty="0" err="1"/>
-              <a:t>countries</a:t>
-            </a:r>
-            <a:r>
-              <a:rPr lang="it-IT" dirty="0"/>
-              <a:t>, </a:t>
-            </a:r>
-            <a:r>
-              <a:rPr lang="it-IT" dirty="0" err="1"/>
-              <a:t>govern</a:t>
-            </a:r>
-            <a:r>
-              <a:rPr lang="it-IT" dirty="0"/>
-              <a:t>, world, </a:t>
-            </a:r>
-            <a:r>
-              <a:rPr lang="it-IT" dirty="0" err="1"/>
-              <a:t>people</a:t>
-            </a:r>
-            <a:r>
-              <a:rPr lang="it-IT" dirty="0"/>
-              <a:t>;</a:t>
-            </a:r>
-          </a:p>
-          <a:p>
-            <a:pPr marL="514350" indent="-514350">
-              <a:buAutoNum type="arabicParenR" startAt="6"/>
-            </a:pPr>
-            <a:r>
-              <a:rPr lang="it-IT" dirty="0"/>
-              <a:t>profit, sale, share, market, companies;</a:t>
-            </a:r>
-          </a:p>
-          <a:p>
-            <a:pPr marL="514350" indent="-514350">
-              <a:buAutoNum type="arabicParenR" startAt="6"/>
-            </a:pPr>
-            <a:r>
-              <a:rPr lang="it-IT" dirty="0"/>
-              <a:t>companies,  </a:t>
-            </a:r>
-            <a:r>
-              <a:rPr lang="it-IT" dirty="0" err="1"/>
-              <a:t>drug</a:t>
-            </a:r>
-            <a:r>
-              <a:rPr lang="it-IT" dirty="0"/>
-              <a:t>, call, </a:t>
-            </a:r>
-            <a:r>
-              <a:rPr lang="it-IT" dirty="0" err="1"/>
-              <a:t>firm</a:t>
-            </a:r>
-            <a:r>
-              <a:rPr lang="it-IT" dirty="0"/>
-              <a:t>, </a:t>
-            </a:r>
-            <a:r>
-              <a:rPr lang="it-IT" dirty="0" err="1"/>
-              <a:t>customer</a:t>
-            </a:r>
-            <a:r>
-              <a:rPr lang="it-IT" dirty="0"/>
-              <a:t>.</a:t>
-            </a:r>
-          </a:p>
-          <a:p>
-            <a:pPr marL="514350" indent="-514350">
-              <a:buAutoNum type="arabicParenR" startAt="6"/>
-            </a:pPr>
-            <a:endParaRPr lang="it-IT" dirty="0"/>
-          </a:p>
-        </p:txBody>
-      </p:sp>
-    </p:spTree>
-    <p:extLst>
-      <p:ext uri="{BB962C8B-B14F-4D97-AF65-F5344CB8AC3E}">
-        <p14:creationId xmlns:p14="http://schemas.microsoft.com/office/powerpoint/2010/main" val="2191596942"/>
-      </p:ext>
-    </p:extLst>
-  </p:cSld>
-  <p:clrMapOvr>
-    <a:masterClrMapping/>
-  </p:clrMapOvr>
-</p:sld>
-</file>
-
-<file path=ppt/slides/slide9.xml><?xml version="1.0" encoding="utf-8"?>
 <p:sld xmlns:a="http://schemas.openxmlformats.org/drawingml/2006/main" xmlns:r="http://schemas.openxmlformats.org/officeDocument/2006/relationships" xmlns:p="http://schemas.openxmlformats.org/presentationml/2006/main">
   <p:cSld>
     <p:spTree>
@@ -6672,6 +4013,2120 @@
 </p:sld>
 </file>
 
+<file path=ppt/slides/slide11.xml><?xml version="1.0" encoding="utf-8"?>
+<p:sld xmlns:a="http://schemas.openxmlformats.org/drawingml/2006/main" xmlns:r="http://schemas.openxmlformats.org/officeDocument/2006/relationships" xmlns:p="http://schemas.openxmlformats.org/presentationml/2006/main">
+  <p:cSld>
+    <p:spTree>
+      <p:nvGrpSpPr>
+        <p:cNvPr id="1" name=""/>
+        <p:cNvGrpSpPr/>
+        <p:nvPr/>
+      </p:nvGrpSpPr>
+      <p:grpSpPr>
+        <a:xfrm>
+          <a:off x="0" y="0"/>
+          <a:ext cx="0" cy="0"/>
+          <a:chOff x="0" y="0"/>
+          <a:chExt cx="0" cy="0"/>
+        </a:xfrm>
+      </p:grpSpPr>
+      <p:sp>
+        <p:nvSpPr>
+          <p:cNvPr id="2" name="Titolo 1">
+            <a:extLst>
+              <a:ext uri="{FF2B5EF4-FFF2-40B4-BE49-F238E27FC236}">
+                <a16:creationId xmlns:a16="http://schemas.microsoft.com/office/drawing/2014/main" id="{96913DCE-1795-4461-9B49-AC92BE338FF8}"/>
+              </a:ext>
+            </a:extLst>
+          </p:cNvPr>
+          <p:cNvSpPr>
+            <a:spLocks noGrp="1"/>
+          </p:cNvSpPr>
+          <p:nvPr>
+            <p:ph type="title"/>
+          </p:nvPr>
+        </p:nvSpPr>
+        <p:spPr>
+          <a:xfrm>
+            <a:off x="0" y="0"/>
+            <a:ext cx="10515600" cy="1325563"/>
+          </a:xfrm>
+        </p:spPr>
+        <p:txBody>
+          <a:bodyPr/>
+          <a:lstStyle/>
+          <a:p>
+            <a:r>
+              <a:rPr lang="it-IT" dirty="0"/>
+              <a:t>CONFRONTO RISULTATI</a:t>
+            </a:r>
+          </a:p>
+        </p:txBody>
+      </p:sp>
+      <p:pic>
+        <p:nvPicPr>
+          <p:cNvPr id="5" name="Segnaposto contenuto 4">
+            <a:extLst>
+              <a:ext uri="{FF2B5EF4-FFF2-40B4-BE49-F238E27FC236}">
+                <a16:creationId xmlns:a16="http://schemas.microsoft.com/office/drawing/2014/main" id="{859B97E2-37DA-4315-8D14-2F68BF7A11BB}"/>
+              </a:ext>
+            </a:extLst>
+          </p:cNvPr>
+          <p:cNvPicPr>
+            <a:picLocks noGrp="1" noChangeAspect="1"/>
+          </p:cNvPicPr>
+          <p:nvPr>
+            <p:ph idx="1"/>
+          </p:nvPr>
+        </p:nvPicPr>
+        <p:blipFill>
+          <a:blip r:embed="rId2">
+            <a:extLst>
+              <a:ext uri="{28A0092B-C50C-407E-A947-70E740481C1C}">
+                <a14:useLocalDpi xmlns:a14="http://schemas.microsoft.com/office/drawing/2010/main" val="0"/>
+              </a:ext>
+            </a:extLst>
+          </a:blip>
+          <a:stretch>
+            <a:fillRect/>
+          </a:stretch>
+        </p:blipFill>
+        <p:spPr>
+          <a:xfrm>
+            <a:off x="46467" y="1176569"/>
+            <a:ext cx="6049533" cy="2984614"/>
+          </a:xfrm>
+        </p:spPr>
+      </p:pic>
+      <p:pic>
+        <p:nvPicPr>
+          <p:cNvPr id="7" name="Immagine 6">
+            <a:extLst>
+              <a:ext uri="{FF2B5EF4-FFF2-40B4-BE49-F238E27FC236}">
+                <a16:creationId xmlns:a16="http://schemas.microsoft.com/office/drawing/2014/main" id="{0852CE40-FDBD-4AE5-A25C-4B2CE153C0B1}"/>
+              </a:ext>
+            </a:extLst>
+          </p:cNvPr>
+          <p:cNvPicPr>
+            <a:picLocks noChangeAspect="1"/>
+          </p:cNvPicPr>
+          <p:nvPr/>
+        </p:nvPicPr>
+        <p:blipFill>
+          <a:blip r:embed="rId3">
+            <a:extLst>
+              <a:ext uri="{28A0092B-C50C-407E-A947-70E740481C1C}">
+                <a14:useLocalDpi xmlns:a14="http://schemas.microsoft.com/office/drawing/2010/main" val="0"/>
+              </a:ext>
+            </a:extLst>
+          </a:blip>
+          <a:stretch>
+            <a:fillRect/>
+          </a:stretch>
+        </p:blipFill>
+        <p:spPr>
+          <a:xfrm>
+            <a:off x="6415638" y="3687268"/>
+            <a:ext cx="5617336" cy="3017466"/>
+          </a:xfrm>
+          <a:prstGeom prst="rect">
+            <a:avLst/>
+          </a:prstGeom>
+        </p:spPr>
+      </p:pic>
+    </p:spTree>
+    <p:extLst>
+      <p:ext uri="{BB962C8B-B14F-4D97-AF65-F5344CB8AC3E}">
+        <p14:creationId xmlns:p14="http://schemas.microsoft.com/office/powerpoint/2010/main" val="813746141"/>
+      </p:ext>
+    </p:extLst>
+  </p:cSld>
+  <p:clrMapOvr>
+    <a:masterClrMapping/>
+  </p:clrMapOvr>
+</p:sld>
+</file>
+
+<file path=ppt/slides/slide12.xml><?xml version="1.0" encoding="utf-8"?>
+<p:sld xmlns:a="http://schemas.openxmlformats.org/drawingml/2006/main" xmlns:r="http://schemas.openxmlformats.org/officeDocument/2006/relationships" xmlns:p="http://schemas.openxmlformats.org/presentationml/2006/main">
+  <p:cSld>
+    <p:spTree>
+      <p:nvGrpSpPr>
+        <p:cNvPr id="1" name=""/>
+        <p:cNvGrpSpPr/>
+        <p:nvPr/>
+      </p:nvGrpSpPr>
+      <p:grpSpPr>
+        <a:xfrm>
+          <a:off x="0" y="0"/>
+          <a:ext cx="0" cy="0"/>
+          <a:chOff x="0" y="0"/>
+          <a:chExt cx="0" cy="0"/>
+        </a:xfrm>
+      </p:grpSpPr>
+      <p:sp>
+        <p:nvSpPr>
+          <p:cNvPr id="2" name="Titolo 1">
+            <a:extLst>
+              <a:ext uri="{FF2B5EF4-FFF2-40B4-BE49-F238E27FC236}">
+                <a16:creationId xmlns:a16="http://schemas.microsoft.com/office/drawing/2014/main" id="{16BA6EBE-A639-4DB6-8D5B-B2B793A6DFD9}"/>
+              </a:ext>
+            </a:extLst>
+          </p:cNvPr>
+          <p:cNvSpPr>
+            <a:spLocks noGrp="1"/>
+          </p:cNvSpPr>
+          <p:nvPr>
+            <p:ph type="title"/>
+          </p:nvPr>
+        </p:nvSpPr>
+        <p:spPr/>
+        <p:txBody>
+          <a:bodyPr/>
+          <a:lstStyle/>
+          <a:p>
+            <a:r>
+              <a:rPr lang="it-IT" dirty="0"/>
+              <a:t>STATO DELL’ARTE</a:t>
+            </a:r>
+          </a:p>
+        </p:txBody>
+      </p:sp>
+      <p:sp>
+        <p:nvSpPr>
+          <p:cNvPr id="3" name="Segnaposto contenuto 2">
+            <a:extLst>
+              <a:ext uri="{FF2B5EF4-FFF2-40B4-BE49-F238E27FC236}">
+                <a16:creationId xmlns:a16="http://schemas.microsoft.com/office/drawing/2014/main" id="{59416F75-C89A-4B59-AE98-F3E76C5C0E9C}"/>
+              </a:ext>
+            </a:extLst>
+          </p:cNvPr>
+          <p:cNvSpPr>
+            <a:spLocks noGrp="1"/>
+          </p:cNvSpPr>
+          <p:nvPr>
+            <p:ph idx="1"/>
+          </p:nvPr>
+        </p:nvSpPr>
+        <p:spPr>
+          <a:xfrm>
+            <a:off x="838200" y="1865381"/>
+            <a:ext cx="10515600" cy="4351338"/>
+          </a:xfrm>
+        </p:spPr>
+        <p:txBody>
+          <a:bodyPr/>
+          <a:lstStyle/>
+          <a:p>
+            <a:pPr marL="0" indent="0" algn="ctr">
+              <a:buNone/>
+            </a:pPr>
+            <a:r>
+              <a:rPr lang="it-IT" dirty="0"/>
+              <a:t> Applicazione di IBM Watson sul primo testo del corpus</a:t>
+            </a:r>
+          </a:p>
+        </p:txBody>
+      </p:sp>
+      <p:cxnSp>
+        <p:nvCxnSpPr>
+          <p:cNvPr id="5" name="Connettore 2 4">
+            <a:extLst>
+              <a:ext uri="{FF2B5EF4-FFF2-40B4-BE49-F238E27FC236}">
+                <a16:creationId xmlns:a16="http://schemas.microsoft.com/office/drawing/2014/main" id="{B522252D-FC64-41BF-8F38-5C0BBE0F9A26}"/>
+              </a:ext>
+            </a:extLst>
+          </p:cNvPr>
+          <p:cNvCxnSpPr>
+            <a:cxnSpLocks/>
+          </p:cNvCxnSpPr>
+          <p:nvPr/>
+        </p:nvCxnSpPr>
+        <p:spPr>
+          <a:xfrm>
+            <a:off x="6400800" y="2345635"/>
+            <a:ext cx="0" cy="1417983"/>
+          </a:xfrm>
+          <a:prstGeom prst="straightConnector1">
+            <a:avLst/>
+          </a:prstGeom>
+          <a:ln>
+            <a:solidFill>
+              <a:schemeClr val="tx1"/>
+            </a:solidFill>
+            <a:tailEnd type="triangle"/>
+          </a:ln>
+        </p:spPr>
+        <p:style>
+          <a:lnRef idx="1">
+            <a:schemeClr val="dk1"/>
+          </a:lnRef>
+          <a:fillRef idx="0">
+            <a:schemeClr val="dk1"/>
+          </a:fillRef>
+          <a:effectRef idx="0">
+            <a:schemeClr val="dk1"/>
+          </a:effectRef>
+          <a:fontRef idx="minor">
+            <a:schemeClr val="tx1"/>
+          </a:fontRef>
+        </p:style>
+      </p:cxnSp>
+      <p:sp>
+        <p:nvSpPr>
+          <p:cNvPr id="7" name="CasellaDiTesto 6">
+            <a:extLst>
+              <a:ext uri="{FF2B5EF4-FFF2-40B4-BE49-F238E27FC236}">
+                <a16:creationId xmlns:a16="http://schemas.microsoft.com/office/drawing/2014/main" id="{7EF04320-CB09-4427-92C5-8D06FF32AE58}"/>
+              </a:ext>
+            </a:extLst>
+          </p:cNvPr>
+          <p:cNvSpPr txBox="1"/>
+          <p:nvPr/>
+        </p:nvSpPr>
+        <p:spPr>
+          <a:xfrm>
+            <a:off x="2186609" y="3763618"/>
+            <a:ext cx="8454887" cy="646331"/>
+          </a:xfrm>
+          <a:prstGeom prst="rect">
+            <a:avLst/>
+          </a:prstGeom>
+          <a:noFill/>
+        </p:spPr>
+        <p:txBody>
+          <a:bodyPr wrap="square" rtlCol="0">
+            <a:spAutoFit/>
+          </a:bodyPr>
+          <a:lstStyle/>
+          <a:p>
+            <a:pPr algn="ctr"/>
+            <a:r>
+              <a:rPr lang="it-IT" dirty="0" err="1"/>
+              <a:t>Keywords</a:t>
+            </a:r>
+            <a:r>
+              <a:rPr lang="it-IT" dirty="0"/>
+              <a:t> </a:t>
+            </a:r>
+          </a:p>
+          <a:p>
+            <a:pPr algn="ctr"/>
+            <a:r>
+              <a:rPr lang="it-IT" i="1" dirty="0"/>
+              <a:t>Time Warner, Time Warner profit, </a:t>
+            </a:r>
+            <a:r>
+              <a:rPr lang="it-IT" i="1" dirty="0" err="1"/>
+              <a:t>higher</a:t>
+            </a:r>
+            <a:r>
+              <a:rPr lang="it-IT" i="1" dirty="0"/>
+              <a:t> </a:t>
+            </a:r>
+            <a:r>
+              <a:rPr lang="it-IT" i="1" dirty="0" err="1"/>
+              <a:t>advert</a:t>
+            </a:r>
+            <a:r>
+              <a:rPr lang="it-IT" i="1" dirty="0"/>
+              <a:t> sale, AOL Europe</a:t>
+            </a:r>
+          </a:p>
+        </p:txBody>
+      </p:sp>
+    </p:spTree>
+    <p:extLst>
+      <p:ext uri="{BB962C8B-B14F-4D97-AF65-F5344CB8AC3E}">
+        <p14:creationId xmlns:p14="http://schemas.microsoft.com/office/powerpoint/2010/main" val="2969848804"/>
+      </p:ext>
+    </p:extLst>
+  </p:cSld>
+  <p:clrMapOvr>
+    <a:masterClrMapping/>
+  </p:clrMapOvr>
+</p:sld>
+</file>
+
+<file path=ppt/slides/slide2.xml><?xml version="1.0" encoding="utf-8"?>
+<p:sld xmlns:a="http://schemas.openxmlformats.org/drawingml/2006/main" xmlns:r="http://schemas.openxmlformats.org/officeDocument/2006/relationships" xmlns:p="http://schemas.openxmlformats.org/presentationml/2006/main">
+  <p:cSld>
+    <p:spTree>
+      <p:nvGrpSpPr>
+        <p:cNvPr id="1" name=""/>
+        <p:cNvGrpSpPr/>
+        <p:nvPr/>
+      </p:nvGrpSpPr>
+      <p:grpSpPr>
+        <a:xfrm>
+          <a:off x="0" y="0"/>
+          <a:ext cx="0" cy="0"/>
+          <a:chOff x="0" y="0"/>
+          <a:chExt cx="0" cy="0"/>
+        </a:xfrm>
+      </p:grpSpPr>
+      <p:sp>
+        <p:nvSpPr>
+          <p:cNvPr id="2" name="Titolo 1">
+            <a:extLst>
+              <a:ext uri="{FF2B5EF4-FFF2-40B4-BE49-F238E27FC236}">
+                <a16:creationId xmlns:a16="http://schemas.microsoft.com/office/drawing/2014/main" id="{FF0C36E4-C6AA-40E6-96FC-140C6AB89F64}"/>
+              </a:ext>
+            </a:extLst>
+          </p:cNvPr>
+          <p:cNvSpPr>
+            <a:spLocks noGrp="1"/>
+          </p:cNvSpPr>
+          <p:nvPr>
+            <p:ph type="title"/>
+          </p:nvPr>
+        </p:nvSpPr>
+        <p:spPr/>
+        <p:txBody>
+          <a:bodyPr/>
+          <a:lstStyle/>
+          <a:p>
+            <a:r>
+              <a:rPr lang="it-IT" dirty="0"/>
+              <a:t>DATA PREPARATION</a:t>
+            </a:r>
+          </a:p>
+        </p:txBody>
+      </p:sp>
+      <p:sp>
+        <p:nvSpPr>
+          <p:cNvPr id="3" name="Segnaposto contenuto 2">
+            <a:extLst>
+              <a:ext uri="{FF2B5EF4-FFF2-40B4-BE49-F238E27FC236}">
+                <a16:creationId xmlns:a16="http://schemas.microsoft.com/office/drawing/2014/main" id="{331F4B5B-B91D-4E39-9BEF-68123BC799AF}"/>
+              </a:ext>
+            </a:extLst>
+          </p:cNvPr>
+          <p:cNvSpPr>
+            <a:spLocks noGrp="1"/>
+          </p:cNvSpPr>
+          <p:nvPr>
+            <p:ph idx="1"/>
+          </p:nvPr>
+        </p:nvSpPr>
+        <p:spPr/>
+        <p:txBody>
+          <a:bodyPr/>
+          <a:lstStyle/>
+          <a:p>
+            <a:r>
+              <a:rPr lang="it-IT" dirty="0"/>
+              <a:t>Rimozione punteggiatura, numeri, simboli particolari e parole poco informative;</a:t>
+            </a:r>
+          </a:p>
+          <a:p>
+            <a:r>
+              <a:rPr lang="it-IT" dirty="0"/>
+              <a:t>rimozione </a:t>
+            </a:r>
+            <a:r>
+              <a:rPr lang="it-IT" dirty="0" err="1"/>
+              <a:t>stopwords</a:t>
+            </a:r>
+            <a:r>
+              <a:rPr lang="it-IT" dirty="0"/>
+              <a:t> (dizionario Smart);</a:t>
+            </a:r>
+          </a:p>
+          <a:p>
+            <a:r>
+              <a:rPr lang="it-IT" dirty="0" err="1"/>
+              <a:t>stemming</a:t>
+            </a:r>
+            <a:r>
+              <a:rPr lang="it-IT" dirty="0"/>
+              <a:t>;</a:t>
+            </a:r>
+          </a:p>
+          <a:p>
+            <a:r>
+              <a:rPr lang="it-IT" dirty="0" err="1"/>
+              <a:t>destemming</a:t>
+            </a:r>
+            <a:r>
+              <a:rPr lang="it-IT" dirty="0"/>
+              <a:t>;</a:t>
+            </a:r>
+          </a:p>
+          <a:p>
+            <a:r>
+              <a:rPr lang="it-IT" dirty="0" err="1"/>
+              <a:t>Document-Term</a:t>
+            </a:r>
+            <a:r>
+              <a:rPr lang="it-IT" dirty="0"/>
+              <a:t> </a:t>
+            </a:r>
+            <a:r>
+              <a:rPr lang="it-IT" dirty="0" err="1"/>
+              <a:t>matrix</a:t>
+            </a:r>
+            <a:r>
+              <a:rPr lang="it-IT" dirty="0"/>
+              <a:t> imputando le frequenze con il metodo </a:t>
+            </a:r>
+            <a:r>
+              <a:rPr lang="it-IT" dirty="0" err="1"/>
+              <a:t>tf-idf</a:t>
+            </a:r>
+            <a:endParaRPr lang="it-IT" dirty="0"/>
+          </a:p>
+          <a:p>
+            <a:endParaRPr lang="it-IT" dirty="0"/>
+          </a:p>
+        </p:txBody>
+      </p:sp>
+      <mc:AlternateContent xmlns:mc="http://schemas.openxmlformats.org/markup-compatibility/2006">
+        <mc:Choice xmlns:a14="http://schemas.microsoft.com/office/drawing/2010/main" Requires="a14">
+          <p:sp>
+            <p:nvSpPr>
+              <p:cNvPr id="4" name="CasellaDiTesto 3">
+                <a:extLst>
+                  <a:ext uri="{FF2B5EF4-FFF2-40B4-BE49-F238E27FC236}">
+                    <a16:creationId xmlns:a16="http://schemas.microsoft.com/office/drawing/2014/main" id="{8CE08AE4-1C95-4B36-8A2A-0F4318D5AEAE}"/>
+                  </a:ext>
+                </a:extLst>
+              </p:cNvPr>
+              <p:cNvSpPr txBox="1"/>
+              <p:nvPr/>
+            </p:nvSpPr>
+            <p:spPr>
+              <a:xfrm>
+                <a:off x="993913" y="5128591"/>
+                <a:ext cx="9992139" cy="989823"/>
+              </a:xfrm>
+              <a:prstGeom prst="rect">
+                <a:avLst/>
+              </a:prstGeom>
+              <a:noFill/>
+            </p:spPr>
+            <p:txBody>
+              <a:bodyPr wrap="square" rtlCol="0">
+                <a:spAutoFit/>
+              </a:bodyPr>
+              <a:lstStyle/>
+              <a:p>
+                <a14:m>
+                  <m:oMathPara xmlns:m="http://schemas.openxmlformats.org/officeDocument/2006/math">
+                    <m:oMathParaPr>
+                      <m:jc m:val="centerGroup"/>
+                    </m:oMathParaPr>
+                    <m:oMath xmlns:m="http://schemas.openxmlformats.org/officeDocument/2006/math">
+                      <m:sSub>
+                        <m:sSubPr>
+                          <m:ctrlPr>
+                            <a:rPr lang="it-IT" i="1"/>
+                          </m:ctrlPr>
+                        </m:sSubPr>
+                        <m:e>
+                          <m:r>
+                            <a:rPr lang="it-IT" i="1"/>
+                            <m:t>𝑤</m:t>
+                          </m:r>
+                        </m:e>
+                        <m:sub>
+                          <m:r>
+                            <a:rPr lang="it-IT" i="1"/>
+                            <m:t>𝑖𝑗</m:t>
+                          </m:r>
+                        </m:sub>
+                      </m:sSub>
+                      <m:r>
+                        <a:rPr lang="it-IT" i="1"/>
+                        <m:t>= </m:t>
+                      </m:r>
+                      <m:f>
+                        <m:fPr>
+                          <m:ctrlPr>
+                            <a:rPr lang="it-IT" i="1"/>
+                          </m:ctrlPr>
+                        </m:fPr>
+                        <m:num>
+                          <m:sSub>
+                            <m:sSubPr>
+                              <m:ctrlPr>
+                                <a:rPr lang="it-IT" i="1"/>
+                              </m:ctrlPr>
+                            </m:sSubPr>
+                            <m:e>
+                              <m:r>
+                                <a:rPr lang="it-IT" i="1"/>
+                                <m:t>𝑓</m:t>
+                              </m:r>
+                            </m:e>
+                            <m:sub>
+                              <m:r>
+                                <a:rPr lang="it-IT" i="1"/>
+                                <m:t>𝑖𝑗</m:t>
+                              </m:r>
+                            </m:sub>
+                          </m:sSub>
+                        </m:num>
+                        <m:den>
+                          <m:r>
+                            <m:rPr>
+                              <m:sty m:val="p"/>
+                            </m:rPr>
+                            <a:rPr lang="it-IT"/>
+                            <m:t>max</m:t>
+                          </m:r>
+                          <m:r>
+                            <a:rPr lang="it-IT" i="1"/>
+                            <m:t>{</m:t>
+                          </m:r>
+                          <m:sSub>
+                            <m:sSubPr>
+                              <m:ctrlPr>
+                                <a:rPr lang="it-IT" i="1"/>
+                              </m:ctrlPr>
+                            </m:sSubPr>
+                            <m:e>
+                              <m:r>
+                                <a:rPr lang="it-IT" i="1"/>
+                                <m:t>𝑓</m:t>
+                              </m:r>
+                            </m:e>
+                            <m:sub>
+                              <m:r>
+                                <a:rPr lang="it-IT" i="1"/>
+                                <m:t>1</m:t>
+                              </m:r>
+                              <m:r>
+                                <a:rPr lang="it-IT" i="1"/>
+                                <m:t>𝑗</m:t>
+                              </m:r>
+                            </m:sub>
+                          </m:sSub>
+                          <m:r>
+                            <a:rPr lang="it-IT" i="1"/>
+                            <m:t>,…,</m:t>
+                          </m:r>
+                          <m:sSub>
+                            <m:sSubPr>
+                              <m:ctrlPr>
+                                <a:rPr lang="it-IT" i="1"/>
+                              </m:ctrlPr>
+                            </m:sSubPr>
+                            <m:e>
+                              <m:r>
+                                <a:rPr lang="it-IT" i="1"/>
+                                <m:t>𝑓</m:t>
+                              </m:r>
+                            </m:e>
+                            <m:sub>
+                              <m:d>
+                                <m:dPr>
+                                  <m:begChr m:val="|"/>
+                                  <m:endChr m:val="|"/>
+                                  <m:ctrlPr>
+                                    <a:rPr lang="it-IT" i="1"/>
+                                  </m:ctrlPr>
+                                </m:dPr>
+                                <m:e>
+                                  <m:r>
+                                    <a:rPr lang="it-IT" i="1"/>
+                                    <m:t>𝑉</m:t>
+                                  </m:r>
+                                </m:e>
+                              </m:d>
+                              <m:r>
+                                <a:rPr lang="it-IT" i="1"/>
+                                <m:t>𝑗</m:t>
+                              </m:r>
+                            </m:sub>
+                          </m:sSub>
+                          <m:r>
+                            <a:rPr lang="it-IT" i="1"/>
+                            <m:t>}</m:t>
+                          </m:r>
+                        </m:den>
+                      </m:f>
+                      <m:r>
+                        <a:rPr lang="it-IT" i="1"/>
+                        <m:t>𝑙𝑜𝑔</m:t>
+                      </m:r>
+                      <m:r>
+                        <a:rPr lang="it-IT" i="1"/>
+                        <m:t> </m:t>
+                      </m:r>
+                      <m:f>
+                        <m:fPr>
+                          <m:ctrlPr>
+                            <a:rPr lang="it-IT" i="1"/>
+                          </m:ctrlPr>
+                        </m:fPr>
+                        <m:num>
+                          <m:r>
+                            <a:rPr lang="it-IT" i="1"/>
+                            <m:t>𝑁</m:t>
+                          </m:r>
+                        </m:num>
+                        <m:den>
+                          <m:sSub>
+                            <m:sSubPr>
+                              <m:ctrlPr>
+                                <a:rPr lang="it-IT" i="1"/>
+                              </m:ctrlPr>
+                            </m:sSubPr>
+                            <m:e>
+                              <m:r>
+                                <a:rPr lang="it-IT" i="1"/>
+                                <m:t>𝑑𝑓</m:t>
+                              </m:r>
+                            </m:e>
+                            <m:sub>
+                              <m:r>
+                                <a:rPr lang="it-IT" i="1"/>
+                                <m:t>𝑖</m:t>
+                              </m:r>
+                            </m:sub>
+                          </m:sSub>
+                        </m:den>
+                      </m:f>
+                    </m:oMath>
+                  </m:oMathPara>
+                </a14:m>
+                <a:endParaRPr lang="it-IT" dirty="0"/>
+              </a:p>
+              <a:p>
+                <a:endParaRPr lang="it-IT" dirty="0"/>
+              </a:p>
+            </p:txBody>
+          </p:sp>
+        </mc:Choice>
+        <mc:Fallback>
+          <p:sp>
+            <p:nvSpPr>
+              <p:cNvPr id="4" name="CasellaDiTesto 3">
+                <a:extLst>
+                  <a:ext uri="{FF2B5EF4-FFF2-40B4-BE49-F238E27FC236}">
+                    <a16:creationId xmlns:a16="http://schemas.microsoft.com/office/drawing/2014/main" id="{8CE08AE4-1C95-4B36-8A2A-0F4318D5AEAE}"/>
+                  </a:ext>
+                </a:extLst>
+              </p:cNvPr>
+              <p:cNvSpPr txBox="1">
+                <a:spLocks noRot="1" noChangeAspect="1" noMove="1" noResize="1" noEditPoints="1" noAdjustHandles="1" noChangeArrowheads="1" noChangeShapeType="1" noTextEdit="1"/>
+              </p:cNvSpPr>
+              <p:nvPr/>
+            </p:nvSpPr>
+            <p:spPr>
+              <a:xfrm>
+                <a:off x="993913" y="5128591"/>
+                <a:ext cx="9992139" cy="989823"/>
+              </a:xfrm>
+              <a:prstGeom prst="rect">
+                <a:avLst/>
+              </a:prstGeom>
+              <a:blipFill>
+                <a:blip r:embed="rId2"/>
+                <a:stretch>
+                  <a:fillRect/>
+                </a:stretch>
+              </a:blipFill>
+            </p:spPr>
+            <p:txBody>
+              <a:bodyPr/>
+              <a:lstStyle/>
+              <a:p>
+                <a:r>
+                  <a:rPr lang="it-IT">
+                    <a:noFill/>
+                  </a:rPr>
+                  <a:t> </a:t>
+                </a:r>
+              </a:p>
+            </p:txBody>
+          </p:sp>
+        </mc:Fallback>
+      </mc:AlternateContent>
+    </p:spTree>
+    <p:extLst>
+      <p:ext uri="{BB962C8B-B14F-4D97-AF65-F5344CB8AC3E}">
+        <p14:creationId xmlns:p14="http://schemas.microsoft.com/office/powerpoint/2010/main" val="1315427184"/>
+      </p:ext>
+    </p:extLst>
+  </p:cSld>
+  <p:clrMapOvr>
+    <a:masterClrMapping/>
+  </p:clrMapOvr>
+</p:sld>
+</file>
+
+<file path=ppt/slides/slide3.xml><?xml version="1.0" encoding="utf-8"?>
+<p:sld xmlns:a="http://schemas.openxmlformats.org/drawingml/2006/main" xmlns:r="http://schemas.openxmlformats.org/officeDocument/2006/relationships" xmlns:p="http://schemas.openxmlformats.org/presentationml/2006/main">
+  <p:cSld>
+    <p:spTree>
+      <p:nvGrpSpPr>
+        <p:cNvPr id="1" name=""/>
+        <p:cNvGrpSpPr/>
+        <p:nvPr/>
+      </p:nvGrpSpPr>
+      <p:grpSpPr>
+        <a:xfrm>
+          <a:off x="0" y="0"/>
+          <a:ext cx="0" cy="0"/>
+          <a:chOff x="0" y="0"/>
+          <a:chExt cx="0" cy="0"/>
+        </a:xfrm>
+      </p:grpSpPr>
+      <p:pic>
+        <p:nvPicPr>
+          <p:cNvPr id="5" name="Segnaposto contenuto 4">
+            <a:extLst>
+              <a:ext uri="{FF2B5EF4-FFF2-40B4-BE49-F238E27FC236}">
+                <a16:creationId xmlns:a16="http://schemas.microsoft.com/office/drawing/2014/main" id="{5878720D-B48D-4BC8-A778-DA6606EA9DC2}"/>
+              </a:ext>
+            </a:extLst>
+          </p:cNvPr>
+          <p:cNvPicPr>
+            <a:picLocks noGrp="1" noChangeAspect="1"/>
+          </p:cNvPicPr>
+          <p:nvPr>
+            <p:ph idx="1"/>
+          </p:nvPr>
+        </p:nvPicPr>
+        <p:blipFill>
+          <a:blip r:embed="rId2">
+            <a:extLst>
+              <a:ext uri="{28A0092B-C50C-407E-A947-70E740481C1C}">
+                <a14:useLocalDpi xmlns:a14="http://schemas.microsoft.com/office/drawing/2010/main" val="0"/>
+              </a:ext>
+            </a:extLst>
+          </a:blip>
+          <a:stretch>
+            <a:fillRect/>
+          </a:stretch>
+        </p:blipFill>
+        <p:spPr>
+          <a:xfrm>
+            <a:off x="2342451" y="-314774"/>
+            <a:ext cx="7507097" cy="7487548"/>
+          </a:xfrm>
+        </p:spPr>
+      </p:pic>
+    </p:spTree>
+    <p:extLst>
+      <p:ext uri="{BB962C8B-B14F-4D97-AF65-F5344CB8AC3E}">
+        <p14:creationId xmlns:p14="http://schemas.microsoft.com/office/powerpoint/2010/main" val="1145204618"/>
+      </p:ext>
+    </p:extLst>
+  </p:cSld>
+  <p:clrMapOvr>
+    <a:masterClrMapping/>
+  </p:clrMapOvr>
+</p:sld>
+</file>
+
+<file path=ppt/slides/slide4.xml><?xml version="1.0" encoding="utf-8"?>
+<p:sld xmlns:a="http://schemas.openxmlformats.org/drawingml/2006/main" xmlns:r="http://schemas.openxmlformats.org/officeDocument/2006/relationships" xmlns:p="http://schemas.openxmlformats.org/presentationml/2006/main">
+  <p:cSld>
+    <p:spTree>
+      <p:nvGrpSpPr>
+        <p:cNvPr id="1" name=""/>
+        <p:cNvGrpSpPr/>
+        <p:nvPr/>
+      </p:nvGrpSpPr>
+      <p:grpSpPr>
+        <a:xfrm>
+          <a:off x="0" y="0"/>
+          <a:ext cx="0" cy="0"/>
+          <a:chOff x="0" y="0"/>
+          <a:chExt cx="0" cy="0"/>
+        </a:xfrm>
+      </p:grpSpPr>
+      <p:sp>
+        <p:nvSpPr>
+          <p:cNvPr id="2" name="Titolo 1">
+            <a:extLst>
+              <a:ext uri="{FF2B5EF4-FFF2-40B4-BE49-F238E27FC236}">
+                <a16:creationId xmlns:a16="http://schemas.microsoft.com/office/drawing/2014/main" id="{3FEA1E3F-77C7-4A34-9797-8B02EC9A16F2}"/>
+              </a:ext>
+            </a:extLst>
+          </p:cNvPr>
+          <p:cNvSpPr>
+            <a:spLocks noGrp="1"/>
+          </p:cNvSpPr>
+          <p:nvPr>
+            <p:ph type="title"/>
+          </p:nvPr>
+        </p:nvSpPr>
+        <p:spPr/>
+        <p:txBody>
+          <a:bodyPr/>
+          <a:lstStyle/>
+          <a:p>
+            <a:r>
+              <a:rPr lang="it-IT" dirty="0"/>
+              <a:t>CLUSTERING</a:t>
+            </a:r>
+          </a:p>
+        </p:txBody>
+      </p:sp>
+      <p:sp>
+        <p:nvSpPr>
+          <p:cNvPr id="3" name="Segnaposto contenuto 2">
+            <a:extLst>
+              <a:ext uri="{FF2B5EF4-FFF2-40B4-BE49-F238E27FC236}">
+                <a16:creationId xmlns:a16="http://schemas.microsoft.com/office/drawing/2014/main" id="{730EE669-25F0-42D2-873B-DC4357100433}"/>
+              </a:ext>
+            </a:extLst>
+          </p:cNvPr>
+          <p:cNvSpPr>
+            <a:spLocks noGrp="1"/>
+          </p:cNvSpPr>
+          <p:nvPr>
+            <p:ph idx="1"/>
+          </p:nvPr>
+        </p:nvSpPr>
+        <p:spPr>
+          <a:xfrm>
+            <a:off x="838200" y="1838877"/>
+            <a:ext cx="10515600" cy="1169366"/>
+          </a:xfrm>
+        </p:spPr>
+        <p:txBody>
+          <a:bodyPr>
+            <a:normAutofit fontScale="85000" lnSpcReduction="20000"/>
+          </a:bodyPr>
+          <a:lstStyle/>
+          <a:p>
+            <a:r>
+              <a:rPr lang="it-IT" dirty="0"/>
+              <a:t>Calcolo della distanza coseno;</a:t>
+            </a:r>
+          </a:p>
+          <a:p>
+            <a:r>
+              <a:rPr lang="it-IT" dirty="0"/>
+              <a:t>Algoritmo dei k-</a:t>
+            </a:r>
+            <a:r>
+              <a:rPr lang="it-IT" dirty="0" err="1"/>
+              <a:t>medoidi</a:t>
+            </a:r>
+            <a:r>
+              <a:rPr lang="it-IT" dirty="0"/>
+              <a:t> per k da 2 a 15;</a:t>
+            </a:r>
+          </a:p>
+          <a:p>
+            <a:r>
+              <a:rPr lang="it-IT" dirty="0"/>
+              <a:t>selezione di k = 12 poiché massimizza la silhouette media;</a:t>
+            </a:r>
+          </a:p>
+          <a:p>
+            <a:endParaRPr lang="it-IT" dirty="0"/>
+          </a:p>
+        </p:txBody>
+      </p:sp>
+    </p:spTree>
+    <p:extLst>
+      <p:ext uri="{BB962C8B-B14F-4D97-AF65-F5344CB8AC3E}">
+        <p14:creationId xmlns:p14="http://schemas.microsoft.com/office/powerpoint/2010/main" val="1746162479"/>
+      </p:ext>
+    </p:extLst>
+  </p:cSld>
+  <p:clrMapOvr>
+    <a:masterClrMapping/>
+  </p:clrMapOvr>
+</p:sld>
+</file>
+
+<file path=ppt/slides/slide5.xml><?xml version="1.0" encoding="utf-8"?>
+<p:sld xmlns:a="http://schemas.openxmlformats.org/drawingml/2006/main" xmlns:r="http://schemas.openxmlformats.org/officeDocument/2006/relationships" xmlns:p="http://schemas.openxmlformats.org/presentationml/2006/main">
+  <p:cSld>
+    <p:spTree>
+      <p:nvGrpSpPr>
+        <p:cNvPr id="1" name=""/>
+        <p:cNvGrpSpPr/>
+        <p:nvPr/>
+      </p:nvGrpSpPr>
+      <p:grpSpPr>
+        <a:xfrm>
+          <a:off x="0" y="0"/>
+          <a:ext cx="0" cy="0"/>
+          <a:chOff x="0" y="0"/>
+          <a:chExt cx="0" cy="0"/>
+        </a:xfrm>
+      </p:grpSpPr>
+      <p:sp>
+        <p:nvSpPr>
+          <p:cNvPr id="2" name="Titolo 1">
+            <a:extLst>
+              <a:ext uri="{FF2B5EF4-FFF2-40B4-BE49-F238E27FC236}">
+                <a16:creationId xmlns:a16="http://schemas.microsoft.com/office/drawing/2014/main" id="{ED099012-D5C4-4093-A1B0-25A43D4912EA}"/>
+              </a:ext>
+            </a:extLst>
+          </p:cNvPr>
+          <p:cNvSpPr>
+            <a:spLocks noGrp="1"/>
+          </p:cNvSpPr>
+          <p:nvPr>
+            <p:ph type="title"/>
+          </p:nvPr>
+        </p:nvSpPr>
+        <p:spPr>
+          <a:xfrm>
+            <a:off x="838200" y="75992"/>
+            <a:ext cx="10515600" cy="1325563"/>
+          </a:xfrm>
+        </p:spPr>
+        <p:txBody>
+          <a:bodyPr/>
+          <a:lstStyle/>
+          <a:p>
+            <a:r>
+              <a:rPr lang="it-IT" dirty="0"/>
+              <a:t>QUALCHE RISULTATO</a:t>
+            </a:r>
+          </a:p>
+        </p:txBody>
+      </p:sp>
+      <p:sp>
+        <p:nvSpPr>
+          <p:cNvPr id="3" name="Segnaposto contenuto 2">
+            <a:extLst>
+              <a:ext uri="{FF2B5EF4-FFF2-40B4-BE49-F238E27FC236}">
+                <a16:creationId xmlns:a16="http://schemas.microsoft.com/office/drawing/2014/main" id="{0D796348-123B-4F41-9E8E-3B5329376078}"/>
+              </a:ext>
+            </a:extLst>
+          </p:cNvPr>
+          <p:cNvSpPr>
+            <a:spLocks noGrp="1"/>
+          </p:cNvSpPr>
+          <p:nvPr>
+            <p:ph idx="1"/>
+          </p:nvPr>
+        </p:nvSpPr>
+        <p:spPr>
+          <a:xfrm>
+            <a:off x="838201" y="1401555"/>
+            <a:ext cx="10850216" cy="3276462"/>
+          </a:xfrm>
+        </p:spPr>
+        <p:txBody>
+          <a:bodyPr>
+            <a:normAutofit fontScale="62500" lnSpcReduction="20000"/>
+          </a:bodyPr>
+          <a:lstStyle/>
+          <a:p>
+            <a:pPr marL="0" indent="0">
+              <a:buNone/>
+            </a:pPr>
+            <a:r>
+              <a:rPr lang="it-IT" b="1" dirty="0"/>
+              <a:t>1. profit    sale    game  share   </a:t>
+            </a:r>
+            <a:r>
+              <a:rPr lang="it-IT" b="1" dirty="0" err="1"/>
+              <a:t>quarter</a:t>
+            </a:r>
+            <a:r>
+              <a:rPr lang="it-IT" b="1" dirty="0"/>
+              <a:t>   </a:t>
+            </a:r>
+            <a:r>
+              <a:rPr lang="it-IT" b="1" dirty="0" err="1"/>
+              <a:t>earn</a:t>
+            </a:r>
+            <a:endParaRPr lang="it-IT" b="1" dirty="0"/>
+          </a:p>
+          <a:p>
+            <a:pPr marL="0" indent="0">
+              <a:buNone/>
+            </a:pPr>
+            <a:r>
+              <a:rPr lang="it-IT" dirty="0"/>
+              <a:t>    2.52    1.45    1.31      1.16    0.97        0.91</a:t>
+            </a:r>
+          </a:p>
+          <a:p>
+            <a:pPr marL="0" indent="0">
+              <a:buNone/>
+            </a:pPr>
+            <a:r>
+              <a:rPr lang="it-IT" b="1" dirty="0"/>
+              <a:t>3. </a:t>
+            </a:r>
+            <a:r>
+              <a:rPr lang="it-IT" b="1" dirty="0" err="1"/>
+              <a:t>Yukos</a:t>
+            </a:r>
+            <a:r>
+              <a:rPr lang="it-IT" b="1" dirty="0"/>
+              <a:t>     Russia   Gazprom   court   </a:t>
+            </a:r>
+            <a:r>
+              <a:rPr lang="it-IT" b="1" dirty="0" err="1"/>
+              <a:t>Yugansk</a:t>
+            </a:r>
+            <a:r>
+              <a:rPr lang="it-IT" b="1" dirty="0"/>
+              <a:t>   </a:t>
+            </a:r>
+            <a:r>
+              <a:rPr lang="it-IT" b="1" dirty="0" err="1"/>
+              <a:t>Rosneft</a:t>
+            </a:r>
+            <a:endParaRPr lang="it-IT" b="1" dirty="0"/>
+          </a:p>
+          <a:p>
+            <a:pPr marL="0" indent="0">
+              <a:buNone/>
+            </a:pPr>
+            <a:r>
+              <a:rPr lang="it-IT" dirty="0"/>
+              <a:t>     3.97       3.45      1.76            1.68     1.51         1.43</a:t>
+            </a:r>
+          </a:p>
+          <a:p>
+            <a:pPr marL="0" indent="0">
+              <a:buNone/>
+            </a:pPr>
+            <a:r>
+              <a:rPr lang="it-IT" b="1" dirty="0"/>
+              <a:t>4. Fiat    </a:t>
+            </a:r>
+            <a:r>
+              <a:rPr lang="it-IT" b="1" dirty="0" err="1"/>
+              <a:t>italian</a:t>
+            </a:r>
+            <a:r>
+              <a:rPr lang="it-IT" b="1" dirty="0"/>
+              <a:t>   Romeo   Alfa    </a:t>
+            </a:r>
+            <a:r>
+              <a:rPr lang="it-IT" b="1" dirty="0" err="1"/>
+              <a:t>engine</a:t>
+            </a:r>
+            <a:r>
+              <a:rPr lang="it-IT" b="1" dirty="0"/>
+              <a:t>   </a:t>
+            </a:r>
+            <a:r>
+              <a:rPr lang="it-IT" b="1" dirty="0" err="1"/>
+              <a:t>Alliance</a:t>
+            </a:r>
+            <a:r>
+              <a:rPr lang="it-IT" b="1" dirty="0"/>
+              <a:t>  </a:t>
+            </a:r>
+          </a:p>
+          <a:p>
+            <a:pPr marL="0" indent="0">
+              <a:buNone/>
+            </a:pPr>
+            <a:r>
+              <a:rPr lang="it-IT" dirty="0"/>
+              <a:t>     2.99   0.74      0.55        0.52   0.48       0.45</a:t>
+            </a:r>
+          </a:p>
+          <a:p>
+            <a:pPr marL="0" indent="0">
+              <a:buNone/>
+            </a:pPr>
+            <a:r>
+              <a:rPr lang="it-IT" b="1" dirty="0"/>
+              <a:t>5. </a:t>
+            </a:r>
+            <a:r>
+              <a:rPr lang="it-IT" b="1" dirty="0" err="1"/>
+              <a:t>economic</a:t>
+            </a:r>
+            <a:r>
+              <a:rPr lang="it-IT" b="1" dirty="0"/>
+              <a:t>   rate   </a:t>
+            </a:r>
+            <a:r>
+              <a:rPr lang="it-IT" b="1" dirty="0" err="1"/>
+              <a:t>growth</a:t>
+            </a:r>
+            <a:r>
+              <a:rPr lang="it-IT" b="1" dirty="0"/>
+              <a:t>   house   figure   </a:t>
+            </a:r>
+            <a:r>
+              <a:rPr lang="it-IT" b="1" dirty="0" err="1"/>
+              <a:t>manufacture</a:t>
+            </a:r>
+            <a:endParaRPr lang="it-IT" b="1" dirty="0"/>
+          </a:p>
+          <a:p>
+            <a:pPr marL="0" indent="0">
+              <a:buNone/>
+            </a:pPr>
+            <a:r>
+              <a:rPr lang="it-IT" dirty="0"/>
+              <a:t>     3.01             2.99   2.22        1.76      1.76      1.62</a:t>
+            </a:r>
+          </a:p>
+          <a:p>
+            <a:pPr marL="0" indent="0">
+              <a:buNone/>
+            </a:pPr>
+            <a:r>
+              <a:rPr lang="it-IT" b="1" dirty="0"/>
+              <a:t>8.  </a:t>
+            </a:r>
+            <a:r>
+              <a:rPr lang="it-IT" b="1" dirty="0" err="1"/>
+              <a:t>airline</a:t>
+            </a:r>
+            <a:r>
+              <a:rPr lang="it-IT" b="1" dirty="0"/>
+              <a:t>   India   </a:t>
+            </a:r>
+            <a:r>
+              <a:rPr lang="it-IT" b="1" dirty="0" err="1"/>
+              <a:t>flight</a:t>
+            </a:r>
+            <a:r>
+              <a:rPr lang="it-IT" b="1" dirty="0"/>
+              <a:t>   </a:t>
+            </a:r>
+            <a:r>
+              <a:rPr lang="it-IT" b="1" dirty="0" err="1"/>
+              <a:t>plane</a:t>
+            </a:r>
+            <a:r>
+              <a:rPr lang="it-IT" b="1" dirty="0"/>
+              <a:t>   </a:t>
+            </a:r>
+            <a:r>
+              <a:rPr lang="it-IT" b="1" dirty="0" err="1"/>
+              <a:t>carrier</a:t>
+            </a:r>
+            <a:r>
+              <a:rPr lang="it-IT" b="1" dirty="0"/>
+              <a:t>   </a:t>
+            </a:r>
+            <a:r>
+              <a:rPr lang="it-IT" b="1" dirty="0" err="1"/>
+              <a:t>Quantas</a:t>
+            </a:r>
+            <a:endParaRPr lang="it-IT" b="1" dirty="0"/>
+          </a:p>
+          <a:p>
+            <a:pPr marL="0" indent="0">
+              <a:buNone/>
+            </a:pPr>
+            <a:r>
+              <a:rPr lang="it-IT" dirty="0"/>
+              <a:t>     3.59       1.77     1.28      1.12    1,11       0.99</a:t>
+            </a:r>
+          </a:p>
+        </p:txBody>
+      </p:sp>
+    </p:spTree>
+    <p:extLst>
+      <p:ext uri="{BB962C8B-B14F-4D97-AF65-F5344CB8AC3E}">
+        <p14:creationId xmlns:p14="http://schemas.microsoft.com/office/powerpoint/2010/main" val="866454138"/>
+      </p:ext>
+    </p:extLst>
+  </p:cSld>
+  <p:clrMapOvr>
+    <a:masterClrMapping/>
+  </p:clrMapOvr>
+</p:sld>
+</file>
+
+<file path=ppt/slides/slide6.xml><?xml version="1.0" encoding="utf-8"?>
+<p:sld xmlns:a="http://schemas.openxmlformats.org/drawingml/2006/main" xmlns:r="http://schemas.openxmlformats.org/officeDocument/2006/relationships" xmlns:p="http://schemas.openxmlformats.org/presentationml/2006/main">
+  <p:cSld>
+    <p:spTree>
+      <p:nvGrpSpPr>
+        <p:cNvPr id="1" name=""/>
+        <p:cNvGrpSpPr/>
+        <p:nvPr/>
+      </p:nvGrpSpPr>
+      <p:grpSpPr>
+        <a:xfrm>
+          <a:off x="0" y="0"/>
+          <a:ext cx="0" cy="0"/>
+          <a:chOff x="0" y="0"/>
+          <a:chExt cx="0" cy="0"/>
+        </a:xfrm>
+      </p:grpSpPr>
+      <p:sp>
+        <p:nvSpPr>
+          <p:cNvPr id="2" name="Titolo 1">
+            <a:extLst>
+              <a:ext uri="{FF2B5EF4-FFF2-40B4-BE49-F238E27FC236}">
+                <a16:creationId xmlns:a16="http://schemas.microsoft.com/office/drawing/2014/main" id="{9CDA1FF6-2972-4E6D-ADC4-72B655A6AA8A}"/>
+              </a:ext>
+            </a:extLst>
+          </p:cNvPr>
+          <p:cNvSpPr>
+            <a:spLocks noGrp="1"/>
+          </p:cNvSpPr>
+          <p:nvPr>
+            <p:ph type="title"/>
+          </p:nvPr>
+        </p:nvSpPr>
+        <p:spPr>
+          <a:xfrm>
+            <a:off x="265043" y="104355"/>
+            <a:ext cx="10515600" cy="1325563"/>
+          </a:xfrm>
+        </p:spPr>
+        <p:txBody>
+          <a:bodyPr/>
+          <a:lstStyle/>
+          <a:p>
+            <a:r>
+              <a:rPr lang="it-IT" dirty="0"/>
+              <a:t>SENTIMENT ANALYSIS</a:t>
+            </a:r>
+          </a:p>
+        </p:txBody>
+      </p:sp>
+      <p:sp>
+        <p:nvSpPr>
+          <p:cNvPr id="8" name="CasellaDiTesto 7">
+            <a:extLst>
+              <a:ext uri="{FF2B5EF4-FFF2-40B4-BE49-F238E27FC236}">
+                <a16:creationId xmlns:a16="http://schemas.microsoft.com/office/drawing/2014/main" id="{5A8E00B9-541E-4161-B6F2-3EA41BFFE008}"/>
+              </a:ext>
+            </a:extLst>
+          </p:cNvPr>
+          <p:cNvSpPr txBox="1"/>
+          <p:nvPr/>
+        </p:nvSpPr>
+        <p:spPr>
+          <a:xfrm>
+            <a:off x="265043" y="2332382"/>
+            <a:ext cx="2928731" cy="1200329"/>
+          </a:xfrm>
+          <a:prstGeom prst="rect">
+            <a:avLst/>
+          </a:prstGeom>
+          <a:noFill/>
+        </p:spPr>
+        <p:txBody>
+          <a:bodyPr wrap="square" rtlCol="0">
+            <a:spAutoFit/>
+          </a:bodyPr>
+          <a:lstStyle/>
+          <a:p>
+            <a:r>
+              <a:rPr lang="it-IT" dirty="0"/>
+              <a:t>Gruppo 1</a:t>
+            </a:r>
+          </a:p>
+          <a:p>
+            <a:r>
+              <a:rPr lang="it-IT" dirty="0"/>
+              <a:t>profit sale game share   </a:t>
+            </a:r>
+            <a:r>
+              <a:rPr lang="it-IT" dirty="0" err="1"/>
+              <a:t>quarter</a:t>
+            </a:r>
+            <a:r>
+              <a:rPr lang="it-IT" dirty="0"/>
+              <a:t>   </a:t>
+            </a:r>
+            <a:r>
+              <a:rPr lang="it-IT" dirty="0" err="1"/>
+              <a:t>earn</a:t>
+            </a:r>
+            <a:endParaRPr lang="it-IT" dirty="0"/>
+          </a:p>
+          <a:p>
+            <a:endParaRPr lang="it-IT" dirty="0"/>
+          </a:p>
+        </p:txBody>
+      </p:sp>
+      <p:pic>
+        <p:nvPicPr>
+          <p:cNvPr id="12" name="Segnaposto contenuto 11">
+            <a:extLst>
+              <a:ext uri="{FF2B5EF4-FFF2-40B4-BE49-F238E27FC236}">
+                <a16:creationId xmlns:a16="http://schemas.microsoft.com/office/drawing/2014/main" id="{3549409E-27A6-4689-9D1F-1A30CC284366}"/>
+              </a:ext>
+            </a:extLst>
+          </p:cNvPr>
+          <p:cNvPicPr>
+            <a:picLocks noGrp="1" noChangeAspect="1"/>
+          </p:cNvPicPr>
+          <p:nvPr>
+            <p:ph idx="1"/>
+          </p:nvPr>
+        </p:nvPicPr>
+        <p:blipFill>
+          <a:blip r:embed="rId2">
+            <a:extLst>
+              <a:ext uri="{28A0092B-C50C-407E-A947-70E740481C1C}">
+                <a14:useLocalDpi xmlns:a14="http://schemas.microsoft.com/office/drawing/2010/main" val="0"/>
+              </a:ext>
+            </a:extLst>
+          </a:blip>
+          <a:stretch>
+            <a:fillRect/>
+          </a:stretch>
+        </p:blipFill>
+        <p:spPr>
+          <a:xfrm>
+            <a:off x="4234830" y="1146410"/>
+            <a:ext cx="6578943" cy="5607235"/>
+          </a:xfrm>
+        </p:spPr>
+      </p:pic>
+    </p:spTree>
+    <p:extLst>
+      <p:ext uri="{BB962C8B-B14F-4D97-AF65-F5344CB8AC3E}">
+        <p14:creationId xmlns:p14="http://schemas.microsoft.com/office/powerpoint/2010/main" val="870550768"/>
+      </p:ext>
+    </p:extLst>
+  </p:cSld>
+  <p:clrMapOvr>
+    <a:masterClrMapping/>
+  </p:clrMapOvr>
+</p:sld>
+</file>
+
+<file path=ppt/slides/slide7.xml><?xml version="1.0" encoding="utf-8"?>
+<p:sld xmlns:a="http://schemas.openxmlformats.org/drawingml/2006/main" xmlns:r="http://schemas.openxmlformats.org/officeDocument/2006/relationships" xmlns:p="http://schemas.openxmlformats.org/presentationml/2006/main">
+  <p:cSld>
+    <p:spTree>
+      <p:nvGrpSpPr>
+        <p:cNvPr id="1" name=""/>
+        <p:cNvGrpSpPr/>
+        <p:nvPr/>
+      </p:nvGrpSpPr>
+      <p:grpSpPr>
+        <a:xfrm>
+          <a:off x="0" y="0"/>
+          <a:ext cx="0" cy="0"/>
+          <a:chOff x="0" y="0"/>
+          <a:chExt cx="0" cy="0"/>
+        </a:xfrm>
+      </p:grpSpPr>
+      <p:pic>
+        <p:nvPicPr>
+          <p:cNvPr id="7" name="Immagine 6">
+            <a:extLst>
+              <a:ext uri="{FF2B5EF4-FFF2-40B4-BE49-F238E27FC236}">
+                <a16:creationId xmlns:a16="http://schemas.microsoft.com/office/drawing/2014/main" id="{7EE7C7C2-C80A-4E19-B88D-312EC639A9A9}"/>
+              </a:ext>
+            </a:extLst>
+          </p:cNvPr>
+          <p:cNvPicPr>
+            <a:picLocks noChangeAspect="1"/>
+          </p:cNvPicPr>
+          <p:nvPr/>
+        </p:nvPicPr>
+        <p:blipFill>
+          <a:blip r:embed="rId2">
+            <a:extLst>
+              <a:ext uri="{28A0092B-C50C-407E-A947-70E740481C1C}">
+                <a14:useLocalDpi xmlns:a14="http://schemas.microsoft.com/office/drawing/2010/main" val="0"/>
+              </a:ext>
+            </a:extLst>
+          </a:blip>
+          <a:stretch>
+            <a:fillRect/>
+          </a:stretch>
+        </p:blipFill>
+        <p:spPr>
+          <a:xfrm>
+            <a:off x="5296042" y="924316"/>
+            <a:ext cx="6644168" cy="5590825"/>
+          </a:xfrm>
+          <a:prstGeom prst="rect">
+            <a:avLst/>
+          </a:prstGeom>
+        </p:spPr>
+      </p:pic>
+      <p:sp>
+        <p:nvSpPr>
+          <p:cNvPr id="10" name="CasellaDiTesto 9">
+            <a:extLst>
+              <a:ext uri="{FF2B5EF4-FFF2-40B4-BE49-F238E27FC236}">
+                <a16:creationId xmlns:a16="http://schemas.microsoft.com/office/drawing/2014/main" id="{6CD0AF6B-8CB9-4473-A547-4DCE9F9B6FCC}"/>
+              </a:ext>
+            </a:extLst>
+          </p:cNvPr>
+          <p:cNvSpPr txBox="1"/>
+          <p:nvPr/>
+        </p:nvSpPr>
+        <p:spPr>
+          <a:xfrm>
+            <a:off x="331304" y="1669774"/>
+            <a:ext cx="4373218" cy="923330"/>
+          </a:xfrm>
+          <a:prstGeom prst="rect">
+            <a:avLst/>
+          </a:prstGeom>
+          <a:noFill/>
+        </p:spPr>
+        <p:txBody>
+          <a:bodyPr wrap="square" rtlCol="0">
+            <a:spAutoFit/>
+          </a:bodyPr>
+          <a:lstStyle/>
+          <a:p>
+            <a:r>
+              <a:rPr lang="it-IT" dirty="0"/>
+              <a:t>3) </a:t>
+            </a:r>
+            <a:r>
+              <a:rPr lang="it-IT" dirty="0" err="1"/>
+              <a:t>Yukos</a:t>
+            </a:r>
+            <a:r>
+              <a:rPr lang="it-IT" dirty="0"/>
+              <a:t> Russia Gazprom court </a:t>
+            </a:r>
+            <a:r>
+              <a:rPr lang="it-IT" dirty="0" err="1"/>
+              <a:t>Yugansk</a:t>
+            </a:r>
+            <a:r>
+              <a:rPr lang="it-IT" dirty="0"/>
+              <a:t>   </a:t>
+            </a:r>
+            <a:r>
+              <a:rPr lang="it-IT" dirty="0" err="1"/>
+              <a:t>Rosneft</a:t>
+            </a:r>
+            <a:endParaRPr lang="it-IT" dirty="0"/>
+          </a:p>
+          <a:p>
+            <a:endParaRPr lang="it-IT" dirty="0"/>
+          </a:p>
+        </p:txBody>
+      </p:sp>
+      <p:sp>
+        <p:nvSpPr>
+          <p:cNvPr id="11" name="CasellaDiTesto 10">
+            <a:extLst>
+              <a:ext uri="{FF2B5EF4-FFF2-40B4-BE49-F238E27FC236}">
+                <a16:creationId xmlns:a16="http://schemas.microsoft.com/office/drawing/2014/main" id="{1D08CCB3-5E05-4D94-84DC-79986F385803}"/>
+              </a:ext>
+            </a:extLst>
+          </p:cNvPr>
+          <p:cNvSpPr txBox="1"/>
+          <p:nvPr/>
+        </p:nvSpPr>
+        <p:spPr>
+          <a:xfrm>
+            <a:off x="331304" y="3856382"/>
+            <a:ext cx="4068418" cy="923330"/>
+          </a:xfrm>
+          <a:prstGeom prst="rect">
+            <a:avLst/>
+          </a:prstGeom>
+          <a:noFill/>
+        </p:spPr>
+        <p:txBody>
+          <a:bodyPr wrap="square" rtlCol="0">
+            <a:spAutoFit/>
+          </a:bodyPr>
+          <a:lstStyle/>
+          <a:p>
+            <a:r>
+              <a:rPr lang="it-IT" dirty="0"/>
+              <a:t>Da notare che </a:t>
+            </a:r>
+            <a:r>
+              <a:rPr lang="it-IT" dirty="0" err="1"/>
+              <a:t>Yukos</a:t>
+            </a:r>
+            <a:r>
+              <a:rPr lang="it-IT" dirty="0"/>
+              <a:t> è associata al 64% con la parola </a:t>
+            </a:r>
+            <a:r>
+              <a:rPr lang="it-IT" dirty="0" err="1"/>
+              <a:t>evasion</a:t>
+            </a:r>
+            <a:r>
+              <a:rPr lang="it-IT" dirty="0"/>
+              <a:t> ed al 63% con la parola court</a:t>
+            </a:r>
+          </a:p>
+        </p:txBody>
+      </p:sp>
+    </p:spTree>
+    <p:extLst>
+      <p:ext uri="{BB962C8B-B14F-4D97-AF65-F5344CB8AC3E}">
+        <p14:creationId xmlns:p14="http://schemas.microsoft.com/office/powerpoint/2010/main" val="3170650169"/>
+      </p:ext>
+    </p:extLst>
+  </p:cSld>
+  <p:clrMapOvr>
+    <a:masterClrMapping/>
+  </p:clrMapOvr>
+</p:sld>
+</file>
+
+<file path=ppt/slides/slide8.xml><?xml version="1.0" encoding="utf-8"?>
+<p:sld xmlns:a="http://schemas.openxmlformats.org/drawingml/2006/main" xmlns:r="http://schemas.openxmlformats.org/officeDocument/2006/relationships" xmlns:p="http://schemas.openxmlformats.org/presentationml/2006/main">
+  <p:cSld>
+    <p:spTree>
+      <p:nvGrpSpPr>
+        <p:cNvPr id="1" name=""/>
+        <p:cNvGrpSpPr/>
+        <p:nvPr/>
+      </p:nvGrpSpPr>
+      <p:grpSpPr>
+        <a:xfrm>
+          <a:off x="0" y="0"/>
+          <a:ext cx="0" cy="0"/>
+          <a:chOff x="0" y="0"/>
+          <a:chExt cx="0" cy="0"/>
+        </a:xfrm>
+      </p:grpSpPr>
+      <p:sp>
+        <p:nvSpPr>
+          <p:cNvPr id="2" name="Titolo 1">
+            <a:extLst>
+              <a:ext uri="{FF2B5EF4-FFF2-40B4-BE49-F238E27FC236}">
+                <a16:creationId xmlns:a16="http://schemas.microsoft.com/office/drawing/2014/main" id="{6C43A2E6-E22C-4CC3-9480-6CFB0CD86685}"/>
+              </a:ext>
+            </a:extLst>
+          </p:cNvPr>
+          <p:cNvSpPr>
+            <a:spLocks noGrp="1"/>
+          </p:cNvSpPr>
+          <p:nvPr>
+            <p:ph type="title"/>
+          </p:nvPr>
+        </p:nvSpPr>
+        <p:spPr/>
+        <p:txBody>
+          <a:bodyPr/>
+          <a:lstStyle/>
+          <a:p>
+            <a:r>
+              <a:rPr lang="it-IT" dirty="0"/>
+              <a:t>COSTRUZIONE MANUALE DEL BENCHMARK</a:t>
+            </a:r>
+          </a:p>
+        </p:txBody>
+      </p:sp>
+      <p:sp>
+        <p:nvSpPr>
+          <p:cNvPr id="3" name="Segnaposto contenuto 2">
+            <a:extLst>
+              <a:ext uri="{FF2B5EF4-FFF2-40B4-BE49-F238E27FC236}">
+                <a16:creationId xmlns:a16="http://schemas.microsoft.com/office/drawing/2014/main" id="{E15EB9F8-3F9E-4FB0-9E80-D3A60AA91E79}"/>
+              </a:ext>
+            </a:extLst>
+          </p:cNvPr>
+          <p:cNvSpPr>
+            <a:spLocks noGrp="1"/>
+          </p:cNvSpPr>
+          <p:nvPr>
+            <p:ph idx="1"/>
+          </p:nvPr>
+        </p:nvSpPr>
+        <p:spPr/>
+        <p:txBody>
+          <a:bodyPr>
+            <a:normAutofit fontScale="62500" lnSpcReduction="20000"/>
+          </a:bodyPr>
+          <a:lstStyle/>
+          <a:p>
+            <a:r>
+              <a:rPr lang="it-IT" dirty="0"/>
+              <a:t>Selezione manuale delle parole maggiormente identificative di ogni gruppo:</a:t>
+            </a:r>
+          </a:p>
+          <a:p>
+            <a:pPr marL="514350" indent="-514350">
+              <a:buAutoNum type="arabicParenR"/>
+            </a:pPr>
+            <a:r>
+              <a:rPr lang="it-IT" dirty="0"/>
+              <a:t>profit, sale, game, share, </a:t>
+            </a:r>
+            <a:r>
+              <a:rPr lang="it-IT" dirty="0" err="1"/>
+              <a:t>earn</a:t>
+            </a:r>
+            <a:r>
+              <a:rPr lang="it-IT" dirty="0"/>
+              <a:t>;</a:t>
+            </a:r>
+          </a:p>
+          <a:p>
+            <a:pPr marL="514350" indent="-514350">
+              <a:buAutoNum type="arabicParenR"/>
+            </a:pPr>
+            <a:r>
+              <a:rPr lang="it-IT" dirty="0" err="1"/>
+              <a:t>dollar</a:t>
+            </a:r>
+            <a:r>
+              <a:rPr lang="it-IT" dirty="0"/>
+              <a:t>, crude, deficit, Bush, </a:t>
+            </a:r>
+            <a:r>
+              <a:rPr lang="it-IT" dirty="0" err="1"/>
+              <a:t>barrel</a:t>
+            </a:r>
+            <a:r>
+              <a:rPr lang="it-IT" dirty="0"/>
+              <a:t>;</a:t>
+            </a:r>
+          </a:p>
+          <a:p>
+            <a:pPr marL="514350" indent="-514350">
+              <a:buAutoNum type="arabicParenR"/>
+            </a:pPr>
+            <a:r>
+              <a:rPr lang="it-IT" dirty="0" err="1"/>
+              <a:t>Yukos</a:t>
+            </a:r>
+            <a:r>
+              <a:rPr lang="it-IT" dirty="0"/>
+              <a:t>, Russia, Gazprom, court, </a:t>
+            </a:r>
+            <a:r>
+              <a:rPr lang="it-IT" dirty="0" err="1"/>
+              <a:t>auction</a:t>
+            </a:r>
+            <a:r>
+              <a:rPr lang="it-IT" dirty="0"/>
+              <a:t>;</a:t>
+            </a:r>
+          </a:p>
+          <a:p>
+            <a:pPr marL="514350" indent="-514350">
+              <a:buAutoNum type="arabicParenR"/>
+            </a:pPr>
+            <a:r>
+              <a:rPr lang="it-IT" dirty="0"/>
+              <a:t>fiat, </a:t>
+            </a:r>
+            <a:r>
+              <a:rPr lang="it-IT" dirty="0" err="1"/>
+              <a:t>Italy</a:t>
+            </a:r>
+            <a:r>
+              <a:rPr lang="it-IT" dirty="0"/>
+              <a:t>, Saab, Opel, </a:t>
+            </a:r>
+            <a:r>
+              <a:rPr lang="it-IT" dirty="0" err="1"/>
+              <a:t>motor</a:t>
+            </a:r>
+            <a:r>
+              <a:rPr lang="it-IT" dirty="0"/>
+              <a:t>;</a:t>
+            </a:r>
+          </a:p>
+          <a:p>
+            <a:pPr marL="514350" indent="-514350">
+              <a:buAutoNum type="arabicParenR"/>
+            </a:pPr>
+            <a:r>
+              <a:rPr lang="it-IT" dirty="0"/>
+              <a:t>economy, </a:t>
+            </a:r>
+            <a:r>
+              <a:rPr lang="it-IT" dirty="0" err="1"/>
+              <a:t>growth</a:t>
+            </a:r>
+            <a:r>
+              <a:rPr lang="it-IT" dirty="0"/>
+              <a:t>, house, </a:t>
+            </a:r>
+            <a:r>
+              <a:rPr lang="it-IT" dirty="0" err="1"/>
+              <a:t>unemployed</a:t>
+            </a:r>
+            <a:r>
+              <a:rPr lang="it-IT" dirty="0"/>
+              <a:t>, </a:t>
+            </a:r>
+            <a:r>
+              <a:rPr lang="it-IT" dirty="0" err="1"/>
+              <a:t>inflation</a:t>
+            </a:r>
+            <a:r>
+              <a:rPr lang="it-IT" dirty="0"/>
+              <a:t>;</a:t>
+            </a:r>
+          </a:p>
+          <a:p>
+            <a:pPr marL="514350" indent="-514350">
+              <a:buAutoNum type="arabicParenR"/>
+            </a:pPr>
+            <a:r>
+              <a:rPr lang="it-IT" dirty="0"/>
+              <a:t>China, yuan, Japan, </a:t>
+            </a:r>
+            <a:r>
+              <a:rPr lang="it-IT" dirty="0" err="1"/>
+              <a:t>Israel</a:t>
+            </a:r>
+            <a:r>
+              <a:rPr lang="it-IT" dirty="0"/>
+              <a:t>, Islam;</a:t>
+            </a:r>
+          </a:p>
+          <a:p>
+            <a:pPr marL="514350" indent="-514350">
+              <a:buAutoNum type="arabicParenR"/>
+            </a:pPr>
+            <a:r>
+              <a:rPr lang="it-IT" dirty="0"/>
+              <a:t>Lanka, </a:t>
+            </a:r>
+            <a:r>
+              <a:rPr lang="it-IT" dirty="0" err="1"/>
+              <a:t>disaster</a:t>
+            </a:r>
+            <a:r>
+              <a:rPr lang="it-IT" dirty="0"/>
+              <a:t>, </a:t>
+            </a:r>
+            <a:r>
+              <a:rPr lang="it-IT" dirty="0" err="1"/>
+              <a:t>people</a:t>
+            </a:r>
+            <a:r>
+              <a:rPr lang="it-IT" dirty="0"/>
+              <a:t>, Indonesia, tsunami;</a:t>
+            </a:r>
+          </a:p>
+          <a:p>
+            <a:pPr marL="514350" indent="-514350">
+              <a:buAutoNum type="arabicParenR"/>
+            </a:pPr>
+            <a:r>
+              <a:rPr lang="it-IT" dirty="0" err="1"/>
+              <a:t>airline</a:t>
+            </a:r>
+            <a:r>
+              <a:rPr lang="it-IT" dirty="0"/>
+              <a:t>, India, </a:t>
+            </a:r>
+            <a:r>
+              <a:rPr lang="it-IT" dirty="0" err="1"/>
+              <a:t>Qantas</a:t>
+            </a:r>
+            <a:r>
+              <a:rPr lang="it-IT" dirty="0"/>
+              <a:t>, Airbus, Lufthansa;</a:t>
+            </a:r>
+          </a:p>
+          <a:p>
+            <a:pPr marL="514350" indent="-514350">
+              <a:buAutoNum type="arabicParenR"/>
+            </a:pPr>
+            <a:r>
+              <a:rPr lang="it-IT" dirty="0" err="1"/>
+              <a:t>Börse</a:t>
+            </a:r>
+            <a:r>
+              <a:rPr lang="it-IT" dirty="0"/>
+              <a:t>, </a:t>
+            </a:r>
+            <a:r>
+              <a:rPr lang="it-IT" dirty="0" err="1"/>
+              <a:t>deutsche</a:t>
+            </a:r>
+            <a:r>
+              <a:rPr lang="it-IT" dirty="0"/>
+              <a:t>, </a:t>
+            </a:r>
+            <a:r>
+              <a:rPr lang="it-IT" dirty="0" err="1"/>
+              <a:t>Euronext</a:t>
+            </a:r>
+            <a:r>
+              <a:rPr lang="it-IT" dirty="0"/>
+              <a:t>, </a:t>
+            </a:r>
+            <a:r>
+              <a:rPr lang="it-IT" dirty="0" err="1"/>
+              <a:t>takeover</a:t>
+            </a:r>
+            <a:r>
+              <a:rPr lang="it-IT" dirty="0"/>
+              <a:t>, </a:t>
+            </a:r>
+            <a:r>
+              <a:rPr lang="it-IT" dirty="0" err="1"/>
+              <a:t>shareholder</a:t>
+            </a:r>
+            <a:r>
+              <a:rPr lang="it-IT" dirty="0"/>
+              <a:t>;</a:t>
+            </a:r>
+          </a:p>
+          <a:p>
+            <a:pPr marL="514350" indent="-514350">
+              <a:buAutoNum type="arabicParenR"/>
+            </a:pPr>
+            <a:r>
+              <a:rPr lang="it-IT" dirty="0" err="1"/>
+              <a:t>retail</a:t>
+            </a:r>
+            <a:r>
+              <a:rPr lang="it-IT" dirty="0"/>
+              <a:t>, sale, store, </a:t>
+            </a:r>
+            <a:r>
+              <a:rPr lang="it-IT" dirty="0" err="1"/>
+              <a:t>christmas</a:t>
+            </a:r>
+            <a:r>
+              <a:rPr lang="it-IT" dirty="0"/>
+              <a:t>, Lvmh;</a:t>
+            </a:r>
+          </a:p>
+          <a:p>
+            <a:pPr marL="514350" indent="-514350">
+              <a:buAutoNum type="arabicParenR"/>
+            </a:pPr>
+            <a:r>
+              <a:rPr lang="it-IT" dirty="0" err="1"/>
+              <a:t>Ebbers</a:t>
+            </a:r>
+            <a:r>
+              <a:rPr lang="it-IT" dirty="0"/>
+              <a:t>, </a:t>
+            </a:r>
+            <a:r>
+              <a:rPr lang="it-IT" dirty="0" err="1"/>
+              <a:t>fraud</a:t>
+            </a:r>
+            <a:r>
+              <a:rPr lang="it-IT" dirty="0"/>
+              <a:t>, </a:t>
+            </a:r>
+            <a:r>
+              <a:rPr lang="it-IT" dirty="0" err="1"/>
+              <a:t>Verizon</a:t>
+            </a:r>
+            <a:r>
+              <a:rPr lang="it-IT" dirty="0"/>
+              <a:t>, </a:t>
+            </a:r>
+            <a:r>
+              <a:rPr lang="it-IT" dirty="0" err="1"/>
+              <a:t>Qwest</a:t>
+            </a:r>
+            <a:r>
+              <a:rPr lang="it-IT" dirty="0"/>
+              <a:t>, </a:t>
+            </a:r>
+            <a:r>
+              <a:rPr lang="it-IT" dirty="0" err="1"/>
+              <a:t>lawyer</a:t>
+            </a:r>
+            <a:r>
+              <a:rPr lang="it-IT" dirty="0"/>
+              <a:t>;</a:t>
+            </a:r>
+          </a:p>
+          <a:p>
+            <a:pPr marL="514350" indent="-514350">
+              <a:buAutoNum type="arabicParenR"/>
+            </a:pPr>
+            <a:r>
+              <a:rPr lang="it-IT" dirty="0" err="1"/>
+              <a:t>insurance</a:t>
+            </a:r>
+            <a:r>
+              <a:rPr lang="it-IT" dirty="0"/>
+              <a:t>, </a:t>
+            </a:r>
+            <a:r>
+              <a:rPr lang="it-IT" dirty="0" err="1"/>
+              <a:t>Marsh</a:t>
+            </a:r>
+            <a:r>
+              <a:rPr lang="it-IT" dirty="0"/>
+              <a:t>, </a:t>
+            </a:r>
+            <a:r>
+              <a:rPr lang="it-IT" dirty="0" err="1"/>
+              <a:t>pension</a:t>
+            </a:r>
+            <a:r>
+              <a:rPr lang="it-IT" dirty="0"/>
+              <a:t>, </a:t>
+            </a:r>
+            <a:r>
+              <a:rPr lang="it-IT" dirty="0" err="1"/>
+              <a:t>investigation</a:t>
+            </a:r>
+            <a:r>
+              <a:rPr lang="it-IT" dirty="0"/>
+              <a:t>, </a:t>
+            </a:r>
+            <a:r>
+              <a:rPr lang="it-IT" dirty="0" err="1"/>
+              <a:t>plead</a:t>
+            </a:r>
+            <a:r>
+              <a:rPr lang="it-IT" dirty="0"/>
+              <a:t>.</a:t>
+            </a:r>
+          </a:p>
+          <a:p>
+            <a:pPr marL="514350" indent="-514350">
+              <a:buAutoNum type="arabicParenR"/>
+            </a:pPr>
+            <a:endParaRPr lang="it-IT" dirty="0"/>
+          </a:p>
+          <a:p>
+            <a:pPr marL="514350" indent="-514350">
+              <a:buAutoNum type="arabicParenR"/>
+            </a:pPr>
+            <a:endParaRPr lang="it-IT" dirty="0"/>
+          </a:p>
+        </p:txBody>
+      </p:sp>
+    </p:spTree>
+    <p:extLst>
+      <p:ext uri="{BB962C8B-B14F-4D97-AF65-F5344CB8AC3E}">
+        <p14:creationId xmlns:p14="http://schemas.microsoft.com/office/powerpoint/2010/main" val="1339058791"/>
+      </p:ext>
+    </p:extLst>
+  </p:cSld>
+  <p:clrMapOvr>
+    <a:masterClrMapping/>
+  </p:clrMapOvr>
+</p:sld>
+</file>
+
+<file path=ppt/slides/slide9.xml><?xml version="1.0" encoding="utf-8"?>
+<p:sld xmlns:a="http://schemas.openxmlformats.org/drawingml/2006/main" xmlns:r="http://schemas.openxmlformats.org/officeDocument/2006/relationships" xmlns:p="http://schemas.openxmlformats.org/presentationml/2006/main">
+  <p:cSld>
+    <p:spTree>
+      <p:nvGrpSpPr>
+        <p:cNvPr id="1" name=""/>
+        <p:cNvGrpSpPr/>
+        <p:nvPr/>
+      </p:nvGrpSpPr>
+      <p:grpSpPr>
+        <a:xfrm>
+          <a:off x="0" y="0"/>
+          <a:ext cx="0" cy="0"/>
+          <a:chOff x="0" y="0"/>
+          <a:chExt cx="0" cy="0"/>
+        </a:xfrm>
+      </p:grpSpPr>
+      <p:sp>
+        <p:nvSpPr>
+          <p:cNvPr id="2" name="Titolo 1">
+            <a:extLst>
+              <a:ext uri="{FF2B5EF4-FFF2-40B4-BE49-F238E27FC236}">
+                <a16:creationId xmlns:a16="http://schemas.microsoft.com/office/drawing/2014/main" id="{9D050A9D-375A-4EB3-97C3-BB112A7BC98A}"/>
+              </a:ext>
+            </a:extLst>
+          </p:cNvPr>
+          <p:cNvSpPr>
+            <a:spLocks noGrp="1"/>
+          </p:cNvSpPr>
+          <p:nvPr>
+            <p:ph type="title"/>
+          </p:nvPr>
+        </p:nvSpPr>
+        <p:spPr/>
+        <p:txBody>
+          <a:bodyPr/>
+          <a:lstStyle/>
+          <a:p>
+            <a:r>
+              <a:rPr lang="it-IT" dirty="0"/>
+              <a:t>SELEZIONE AUTOMATIZZATA DEI TOPICS</a:t>
+            </a:r>
+          </a:p>
+        </p:txBody>
+      </p:sp>
+      <p:sp>
+        <p:nvSpPr>
+          <p:cNvPr id="3" name="Segnaposto contenuto 2">
+            <a:extLst>
+              <a:ext uri="{FF2B5EF4-FFF2-40B4-BE49-F238E27FC236}">
+                <a16:creationId xmlns:a16="http://schemas.microsoft.com/office/drawing/2014/main" id="{01BCD1EC-FDF4-424D-913A-37B4DDFD92ED}"/>
+              </a:ext>
+            </a:extLst>
+          </p:cNvPr>
+          <p:cNvSpPr>
+            <a:spLocks noGrp="1"/>
+          </p:cNvSpPr>
+          <p:nvPr>
+            <p:ph idx="1"/>
+          </p:nvPr>
+        </p:nvSpPr>
+        <p:spPr/>
+        <p:txBody>
+          <a:bodyPr/>
+          <a:lstStyle/>
+          <a:p>
+            <a:r>
+              <a:rPr lang="it-IT" dirty="0"/>
+              <a:t>Applicazione del modello </a:t>
+            </a:r>
+            <a:r>
+              <a:rPr lang="it-IT" dirty="0" err="1"/>
+              <a:t>Latent</a:t>
+            </a:r>
+            <a:r>
+              <a:rPr lang="it-IT" dirty="0"/>
+              <a:t> </a:t>
+            </a:r>
+            <a:r>
+              <a:rPr lang="it-IT" dirty="0" err="1"/>
+              <a:t>Dirichlet</a:t>
+            </a:r>
+            <a:r>
+              <a:rPr lang="it-IT" dirty="0"/>
+              <a:t> </a:t>
+            </a:r>
+            <a:r>
+              <a:rPr lang="it-IT" dirty="0" err="1"/>
+              <a:t>Allocation</a:t>
+            </a:r>
+            <a:r>
+              <a:rPr lang="it-IT" dirty="0"/>
+              <a:t> (LDA) al corpus di testi;</a:t>
+            </a:r>
+          </a:p>
+          <a:p>
+            <a:r>
+              <a:rPr lang="it-IT" dirty="0"/>
+              <a:t>selezione dei primi 5 termini per percentuale di appartenenza ai </a:t>
+            </a:r>
+            <a:r>
+              <a:rPr lang="it-IT" dirty="0" err="1"/>
+              <a:t>topics</a:t>
+            </a:r>
+            <a:r>
+              <a:rPr lang="it-IT" dirty="0"/>
+              <a:t> per ognuno dei 12;</a:t>
+            </a:r>
+          </a:p>
+        </p:txBody>
+      </p:sp>
+    </p:spTree>
+    <p:extLst>
+      <p:ext uri="{BB962C8B-B14F-4D97-AF65-F5344CB8AC3E}">
+        <p14:creationId xmlns:p14="http://schemas.microsoft.com/office/powerpoint/2010/main" val="2979503268"/>
+      </p:ext>
+    </p:extLst>
+  </p:cSld>
+  <p:clrMapOvr>
+    <a:masterClrMapping/>
+  </p:clrMapOvr>
+</p:sld>
+</file>
+
 <file path=ppt/theme/theme1.xml><?xml version="1.0" encoding="utf-8"?>
 <a:theme xmlns:a="http://schemas.openxmlformats.org/drawingml/2006/main" name="Tema di Office">
   <a:themeElements>
